--- a/WireFrames.pptx
+++ b/WireFrames.pptx
@@ -5,7 +5,7 @@
     <p:sldMasterId id="2147483648" r:id="rId1"/>
   </p:sldMasterIdLst>
   <p:notesMasterIdLst>
-    <p:notesMasterId r:id="rId10"/>
+    <p:notesMasterId r:id="rId11"/>
   </p:notesMasterIdLst>
   <p:sldIdLst>
     <p:sldId id="256" r:id="rId2"/>
@@ -15,7 +15,8 @@
     <p:sldId id="260" r:id="rId6"/>
     <p:sldId id="261" r:id="rId7"/>
     <p:sldId id="259" r:id="rId8"/>
-    <p:sldId id="263" r:id="rId9"/>
+    <p:sldId id="265" r:id="rId9"/>
+    <p:sldId id="263" r:id="rId10"/>
   </p:sldIdLst>
   <p:sldSz cx="12192000" cy="6858000"/>
   <p:notesSz cx="6858000" cy="9144000"/>
@@ -25343,29 +25344,87 @@
       </p:sp>
       <p:sp>
         <p:nvSpPr>
-          <p:cNvPr id="3" name="Content Placeholder 2">
+          <p:cNvPr id="5" name="TextBox 4">
             <a:extLst>
               <a:ext uri="{FF2B5EF4-FFF2-40B4-BE49-F238E27FC236}">
-                <a16:creationId xmlns:a16="http://schemas.microsoft.com/office/drawing/2014/main" id="{CA82FB37-6C07-459A-B4CF-FDF4D5E23DA1}"/>
+                <a16:creationId xmlns:a16="http://schemas.microsoft.com/office/drawing/2014/main" id="{FEFAB416-813C-41DF-9D64-A56BA55314DF}"/>
               </a:ext>
             </a:extLst>
           </p:cNvPr>
-          <p:cNvSpPr>
-            <a:spLocks noGrp="1"/>
-          </p:cNvSpPr>
-          <p:nvPr>
-            <p:ph idx="1"/>
-          </p:nvPr>
+          <p:cNvSpPr txBox="1"/>
+          <p:nvPr/>
         </p:nvSpPr>
         <p:spPr>
           <a:xfrm>
-            <a:off x="9311139" y="614553"/>
-            <a:ext cx="2137881" cy="2354976"/>
+            <a:off x="956496" y="1363847"/>
+            <a:ext cx="6160258" cy="3970318"/>
           </a:xfrm>
+          <a:prstGeom prst="rect">
+            <a:avLst/>
+          </a:prstGeom>
+          <a:noFill/>
         </p:spPr>
         <p:txBody>
-          <a:bodyPr/>
+          <a:bodyPr wrap="square" rtlCol="0">
+            <a:spAutoFit/>
+          </a:bodyPr>
           <a:lstStyle/>
+          <a:p>
+            <a:r>
+              <a:rPr lang="en-US" dirty="0"/>
+              <a:t>Navigation: Welcome &gt; Find Recipe Button (future)</a:t>
+            </a:r>
+          </a:p>
+          <a:p>
+            <a:endParaRPr lang="en-US" dirty="0"/>
+          </a:p>
+          <a:p>
+            <a:r>
+              <a:rPr lang="en-US" dirty="0"/>
+              <a:t>A page that provides a thumbnail picture of the dishes, the titles, link to recipe (navigates to recipe page).</a:t>
+            </a:r>
+          </a:p>
+          <a:p>
+            <a:endParaRPr lang="en-US" dirty="0"/>
+          </a:p>
+          <a:p>
+            <a:r>
+              <a:rPr lang="en-US" dirty="0"/>
+              <a:t>MVP: list of recipe options</a:t>
+            </a:r>
+          </a:p>
+          <a:p>
+            <a:endParaRPr lang="en-US" dirty="0"/>
+          </a:p>
+          <a:p>
+            <a:r>
+              <a:rPr lang="en-US" dirty="0"/>
+              <a:t>Potential add-on: </a:t>
+            </a:r>
+          </a:p>
+          <a:p>
+            <a:pPr marL="285750" indent="-285750">
+              <a:buFont typeface="Arial" panose="020B0604020202020204" pitchFamily="34" charset="0"/>
+              <a:buChar char="•"/>
+            </a:pPr>
+            <a:r>
+              <a:rPr lang="en-US" dirty="0"/>
+              <a:t>Favorite recipes that saves and can be viewed in the “saved” recipe page</a:t>
+            </a:r>
+          </a:p>
+          <a:p>
+            <a:pPr marL="285750" indent="-285750">
+              <a:buFont typeface="Arial" panose="020B0604020202020204" pitchFamily="34" charset="0"/>
+              <a:buChar char="•"/>
+            </a:pPr>
+            <a:endParaRPr lang="en-US" dirty="0"/>
+          </a:p>
+          <a:p>
+            <a:endParaRPr lang="en-US" dirty="0"/>
+          </a:p>
+          <a:p>
+            <a:endParaRPr lang="en-US" dirty="0"/>
+          </a:p>
           <a:p>
             <a:endParaRPr lang="en-US" dirty="0"/>
           </a:p>
@@ -27048,6 +27107,146 @@
 </file>
 
 <file path=ppt/slides/slide8.xml><?xml version="1.0" encoding="utf-8"?>
+<p:sld xmlns:a="http://schemas.openxmlformats.org/drawingml/2006/main" xmlns:r="http://schemas.openxmlformats.org/officeDocument/2006/relationships" xmlns:p="http://schemas.openxmlformats.org/presentationml/2006/main">
+  <p:cSld>
+    <p:spTree>
+      <p:nvGrpSpPr>
+        <p:cNvPr id="1" name=""/>
+        <p:cNvGrpSpPr/>
+        <p:nvPr/>
+      </p:nvGrpSpPr>
+      <p:grpSpPr>
+        <a:xfrm>
+          <a:off x="0" y="0"/>
+          <a:ext cx="0" cy="0"/>
+          <a:chOff x="0" y="0"/>
+          <a:chExt cx="0" cy="0"/>
+        </a:xfrm>
+      </p:grpSpPr>
+      <p:sp>
+        <p:nvSpPr>
+          <p:cNvPr id="2" name="Title 1">
+            <a:extLst>
+              <a:ext uri="{FF2B5EF4-FFF2-40B4-BE49-F238E27FC236}">
+                <a16:creationId xmlns:a16="http://schemas.microsoft.com/office/drawing/2014/main" id="{5B3D77D1-F75B-4346-974B-207F378265A9}"/>
+              </a:ext>
+            </a:extLst>
+          </p:cNvPr>
+          <p:cNvSpPr>
+            <a:spLocks noGrp="1"/>
+          </p:cNvSpPr>
+          <p:nvPr>
+            <p:ph type="title"/>
+          </p:nvPr>
+        </p:nvSpPr>
+        <p:spPr/>
+        <p:txBody>
+          <a:bodyPr/>
+          <a:lstStyle/>
+          <a:p>
+            <a:r>
+              <a:rPr lang="en-US" dirty="0"/>
+              <a:t>Saved Results Page - Recipes</a:t>
+            </a:r>
+          </a:p>
+        </p:txBody>
+      </p:sp>
+      <p:sp>
+        <p:nvSpPr>
+          <p:cNvPr id="5" name="TextBox 4">
+            <a:extLst>
+              <a:ext uri="{FF2B5EF4-FFF2-40B4-BE49-F238E27FC236}">
+                <a16:creationId xmlns:a16="http://schemas.microsoft.com/office/drawing/2014/main" id="{FEFAB416-813C-41DF-9D64-A56BA55314DF}"/>
+              </a:ext>
+            </a:extLst>
+          </p:cNvPr>
+          <p:cNvSpPr txBox="1"/>
+          <p:nvPr/>
+        </p:nvSpPr>
+        <p:spPr>
+          <a:xfrm>
+            <a:off x="956496" y="1363847"/>
+            <a:ext cx="6160258" cy="3416320"/>
+          </a:xfrm>
+          <a:prstGeom prst="rect">
+            <a:avLst/>
+          </a:prstGeom>
+          <a:noFill/>
+        </p:spPr>
+        <p:txBody>
+          <a:bodyPr wrap="square" rtlCol="0">
+            <a:spAutoFit/>
+          </a:bodyPr>
+          <a:lstStyle/>
+          <a:p>
+            <a:r>
+              <a:rPr lang="en-US" dirty="0"/>
+              <a:t>Navigation: Welcome &gt; x</a:t>
+            </a:r>
+          </a:p>
+          <a:p>
+            <a:endParaRPr lang="en-US" dirty="0"/>
+          </a:p>
+          <a:p>
+            <a:r>
+              <a:rPr lang="en-US" dirty="0"/>
+              <a:t>A page that a list of recipes the users saved.  The page provides a thumbnail picture of the dishes, the titles, link to recipe (navigates to recipe page).</a:t>
+            </a:r>
+          </a:p>
+          <a:p>
+            <a:endParaRPr lang="en-US" dirty="0"/>
+          </a:p>
+          <a:p>
+            <a:r>
+              <a:rPr lang="en-US" dirty="0"/>
+              <a:t>MVP: list of recipe that were saved by the user</a:t>
+            </a:r>
+          </a:p>
+          <a:p>
+            <a:endParaRPr lang="en-US" dirty="0"/>
+          </a:p>
+          <a:p>
+            <a:r>
+              <a:rPr lang="en-US" dirty="0"/>
+              <a:t>Potential add-on: </a:t>
+            </a:r>
+          </a:p>
+          <a:p>
+            <a:pPr marL="285750" indent="-285750">
+              <a:buFont typeface="Arial" panose="020B0604020202020204" pitchFamily="34" charset="0"/>
+              <a:buChar char="•"/>
+            </a:pPr>
+            <a:r>
+              <a:rPr lang="en-US" dirty="0"/>
+              <a:t>Button to remove the saved recipes</a:t>
+            </a:r>
+          </a:p>
+          <a:p>
+            <a:pPr marL="285750" indent="-285750">
+              <a:buFont typeface="Arial" panose="020B0604020202020204" pitchFamily="34" charset="0"/>
+              <a:buChar char="•"/>
+            </a:pPr>
+            <a:endParaRPr lang="en-US" dirty="0"/>
+          </a:p>
+          <a:p>
+            <a:endParaRPr lang="en-US" dirty="0"/>
+          </a:p>
+        </p:txBody>
+      </p:sp>
+    </p:spTree>
+    <p:extLst>
+      <p:ext uri="{BB962C8B-B14F-4D97-AF65-F5344CB8AC3E}">
+        <p14:creationId xmlns:p14="http://schemas.microsoft.com/office/powerpoint/2010/main" val="4193819524"/>
+      </p:ext>
+    </p:extLst>
+  </p:cSld>
+  <p:clrMapOvr>
+    <a:masterClrMapping/>
+  </p:clrMapOvr>
+</p:sld>
+</file>
+
+<file path=ppt/slides/slide9.xml><?xml version="1.0" encoding="utf-8"?>
 <p:sld xmlns:a="http://schemas.openxmlformats.org/drawingml/2006/main" xmlns:r="http://schemas.openxmlformats.org/officeDocument/2006/relationships" xmlns:p="http://schemas.openxmlformats.org/presentationml/2006/main">
   <p:cSld>
     <p:spTree>

--- a/WireFrames.pptx
+++ b/WireFrames.pptx
@@ -5,18 +5,19 @@
     <p:sldMasterId id="2147483648" r:id="rId1"/>
   </p:sldMasterIdLst>
   <p:notesMasterIdLst>
-    <p:notesMasterId r:id="rId11"/>
+    <p:notesMasterId r:id="rId12"/>
   </p:notesMasterIdLst>
   <p:sldIdLst>
-    <p:sldId id="256" r:id="rId2"/>
-    <p:sldId id="257" r:id="rId3"/>
-    <p:sldId id="258" r:id="rId4"/>
-    <p:sldId id="264" r:id="rId5"/>
-    <p:sldId id="260" r:id="rId6"/>
-    <p:sldId id="261" r:id="rId7"/>
-    <p:sldId id="259" r:id="rId8"/>
-    <p:sldId id="265" r:id="rId9"/>
-    <p:sldId id="263" r:id="rId10"/>
+    <p:sldId id="266" r:id="rId2"/>
+    <p:sldId id="256" r:id="rId3"/>
+    <p:sldId id="257" r:id="rId4"/>
+    <p:sldId id="258" r:id="rId5"/>
+    <p:sldId id="264" r:id="rId6"/>
+    <p:sldId id="260" r:id="rId7"/>
+    <p:sldId id="261" r:id="rId8"/>
+    <p:sldId id="259" r:id="rId9"/>
+    <p:sldId id="265" r:id="rId10"/>
+    <p:sldId id="263" r:id="rId11"/>
   </p:sldIdLst>
   <p:sldSz cx="12192000" cy="6858000"/>
   <p:notesSz cx="6858000" cy="9144000"/>
@@ -6858,7 +6859,7 @@
           <a:p>
             <a:fld id="{78229055-1BA0-4DA8-A630-2F5128FC10C0}" type="datetimeFigureOut">
               <a:rPr lang="en-US" smtClean="0"/>
-              <a:t>1/18/2020</a:t>
+              <a:t>1/23/2020</a:t>
             </a:fld>
             <a:endParaRPr lang="en-US"/>
           </a:p>
@@ -7190,7 +7191,7 @@
           <a:p>
             <a:fld id="{8FFDA399-015A-4F36-9D74-9B177231E064}" type="slidenum">
               <a:rPr lang="en-US" smtClean="0"/>
-              <a:t>3</a:t>
+              <a:t>4</a:t>
             </a:fld>
             <a:endParaRPr lang="en-US"/>
           </a:p>
@@ -7274,7 +7275,7 @@
           <a:p>
             <a:fld id="{8FFDA399-015A-4F36-9D74-9B177231E064}" type="slidenum">
               <a:rPr lang="en-US" smtClean="0"/>
-              <a:t>4</a:t>
+              <a:t>5</a:t>
             </a:fld>
             <a:endParaRPr lang="en-US"/>
           </a:p>
@@ -7440,7 +7441,7 @@
           <a:p>
             <a:fld id="{AA4655EA-4CC3-45E1-AF12-7E040BD34AB8}" type="datetimeFigureOut">
               <a:rPr lang="en-US" smtClean="0"/>
-              <a:t>1/18/2020</a:t>
+              <a:t>1/23/2020</a:t>
             </a:fld>
             <a:endParaRPr lang="en-US"/>
           </a:p>
@@ -7638,7 +7639,7 @@
           <a:p>
             <a:fld id="{AA4655EA-4CC3-45E1-AF12-7E040BD34AB8}" type="datetimeFigureOut">
               <a:rPr lang="en-US" smtClean="0"/>
-              <a:t>1/18/2020</a:t>
+              <a:t>1/23/2020</a:t>
             </a:fld>
             <a:endParaRPr lang="en-US"/>
           </a:p>
@@ -7846,7 +7847,7 @@
           <a:p>
             <a:fld id="{AA4655EA-4CC3-45E1-AF12-7E040BD34AB8}" type="datetimeFigureOut">
               <a:rPr lang="en-US" smtClean="0"/>
-              <a:t>1/18/2020</a:t>
+              <a:t>1/23/2020</a:t>
             </a:fld>
             <a:endParaRPr lang="en-US"/>
           </a:p>
@@ -8044,7 +8045,7 @@
           <a:p>
             <a:fld id="{AA4655EA-4CC3-45E1-AF12-7E040BD34AB8}" type="datetimeFigureOut">
               <a:rPr lang="en-US" smtClean="0"/>
-              <a:t>1/18/2020</a:t>
+              <a:t>1/23/2020</a:t>
             </a:fld>
             <a:endParaRPr lang="en-US"/>
           </a:p>
@@ -8319,7 +8320,7 @@
           <a:p>
             <a:fld id="{AA4655EA-4CC3-45E1-AF12-7E040BD34AB8}" type="datetimeFigureOut">
               <a:rPr lang="en-US" smtClean="0"/>
-              <a:t>1/18/2020</a:t>
+              <a:t>1/23/2020</a:t>
             </a:fld>
             <a:endParaRPr lang="en-US"/>
           </a:p>
@@ -8584,7 +8585,7 @@
           <a:p>
             <a:fld id="{AA4655EA-4CC3-45E1-AF12-7E040BD34AB8}" type="datetimeFigureOut">
               <a:rPr lang="en-US" smtClean="0"/>
-              <a:t>1/18/2020</a:t>
+              <a:t>1/23/2020</a:t>
             </a:fld>
             <a:endParaRPr lang="en-US"/>
           </a:p>
@@ -8996,7 +8997,7 @@
           <a:p>
             <a:fld id="{AA4655EA-4CC3-45E1-AF12-7E040BD34AB8}" type="datetimeFigureOut">
               <a:rPr lang="en-US" smtClean="0"/>
-              <a:t>1/18/2020</a:t>
+              <a:t>1/23/2020</a:t>
             </a:fld>
             <a:endParaRPr lang="en-US"/>
           </a:p>
@@ -9137,7 +9138,7 @@
           <a:p>
             <a:fld id="{AA4655EA-4CC3-45E1-AF12-7E040BD34AB8}" type="datetimeFigureOut">
               <a:rPr lang="en-US" smtClean="0"/>
-              <a:t>1/18/2020</a:t>
+              <a:t>1/23/2020</a:t>
             </a:fld>
             <a:endParaRPr lang="en-US"/>
           </a:p>
@@ -9250,7 +9251,7 @@
           <a:p>
             <a:fld id="{AA4655EA-4CC3-45E1-AF12-7E040BD34AB8}" type="datetimeFigureOut">
               <a:rPr lang="en-US" smtClean="0"/>
-              <a:t>1/18/2020</a:t>
+              <a:t>1/23/2020</a:t>
             </a:fld>
             <a:endParaRPr lang="en-US"/>
           </a:p>
@@ -9561,7 +9562,7 @@
           <a:p>
             <a:fld id="{AA4655EA-4CC3-45E1-AF12-7E040BD34AB8}" type="datetimeFigureOut">
               <a:rPr lang="en-US" smtClean="0"/>
-              <a:t>1/18/2020</a:t>
+              <a:t>1/23/2020</a:t>
             </a:fld>
             <a:endParaRPr lang="en-US"/>
           </a:p>
@@ -9849,7 +9850,7 @@
           <a:p>
             <a:fld id="{AA4655EA-4CC3-45E1-AF12-7E040BD34AB8}" type="datetimeFigureOut">
               <a:rPr lang="en-US" smtClean="0"/>
-              <a:t>1/18/2020</a:t>
+              <a:t>1/23/2020</a:t>
             </a:fld>
             <a:endParaRPr lang="en-US"/>
           </a:p>
@@ -10090,7 +10091,7 @@
           <a:p>
             <a:fld id="{AA4655EA-4CC3-45E1-AF12-7E040BD34AB8}" type="datetimeFigureOut">
               <a:rPr lang="en-US" smtClean="0"/>
-              <a:t>1/18/2020</a:t>
+              <a:t>1/23/2020</a:t>
             </a:fld>
             <a:endParaRPr lang="en-US"/>
           </a:p>
@@ -10493,6 +10494,597 @@
 <file path=ppt/slides/slide1.xml><?xml version="1.0" encoding="utf-8"?>
 <p:sld xmlns:a="http://schemas.openxmlformats.org/drawingml/2006/main" xmlns:r="http://schemas.openxmlformats.org/officeDocument/2006/relationships" xmlns:p="http://schemas.openxmlformats.org/presentationml/2006/main">
   <p:cSld>
+    <p:bg>
+      <p:bgPr>
+        <a:solidFill>
+          <a:schemeClr val="bg1">
+            <a:tint val="95000"/>
+            <a:satMod val="170000"/>
+          </a:schemeClr>
+        </a:solidFill>
+        <a:effectLst/>
+      </p:bgPr>
+    </p:bg>
+    <p:spTree>
+      <p:nvGrpSpPr>
+        <p:cNvPr id="1" name=""/>
+        <p:cNvGrpSpPr/>
+        <p:nvPr/>
+      </p:nvGrpSpPr>
+      <p:grpSpPr>
+        <a:xfrm>
+          <a:off x="0" y="0"/>
+          <a:ext cx="0" cy="0"/>
+          <a:chOff x="0" y="0"/>
+          <a:chExt cx="0" cy="0"/>
+        </a:xfrm>
+      </p:grpSpPr>
+      <p:sp>
+        <p:nvSpPr>
+          <p:cNvPr id="2" name="Title 1">
+            <a:extLst>
+              <a:ext uri="{FF2B5EF4-FFF2-40B4-BE49-F238E27FC236}">
+                <a16:creationId xmlns:a16="http://schemas.microsoft.com/office/drawing/2014/main" id="{36EAD5DF-D438-4F84-B162-A23202564DB9}"/>
+              </a:ext>
+            </a:extLst>
+          </p:cNvPr>
+          <p:cNvSpPr>
+            <a:spLocks noGrp="1"/>
+          </p:cNvSpPr>
+          <p:nvPr>
+            <p:ph type="title"/>
+          </p:nvPr>
+        </p:nvSpPr>
+        <p:spPr>
+          <a:xfrm>
+            <a:off x="6458951" y="472302"/>
+            <a:ext cx="5537819" cy="1160981"/>
+          </a:xfrm>
+        </p:spPr>
+        <p:txBody>
+          <a:bodyPr vert="horz" lIns="91440" tIns="45720" rIns="91440" bIns="45720" rtlCol="0" anchor="b">
+            <a:normAutofit/>
+          </a:bodyPr>
+          <a:lstStyle/>
+          <a:p>
+            <a:pPr>
+              <a:spcAft>
+                <a:spcPts val="600"/>
+              </a:spcAft>
+            </a:pPr>
+            <a:r>
+              <a:rPr lang="en-US" sz="7300" b="1" dirty="0"/>
+              <a:t>User Story</a:t>
+            </a:r>
+            <a:endParaRPr lang="en-US" sz="6000" dirty="0"/>
+          </a:p>
+        </p:txBody>
+      </p:sp>
+      <p:sp>
+        <p:nvSpPr>
+          <p:cNvPr id="11" name="Freeform: Shape 10">
+            <a:extLst>
+              <a:ext uri="{FF2B5EF4-FFF2-40B4-BE49-F238E27FC236}">
+                <a16:creationId xmlns:a16="http://schemas.microsoft.com/office/drawing/2014/main" id="{1DB7C82F-AB7E-4F0C-B829-FA1B9C415180}"/>
+              </a:ext>
+              <a:ext uri="{C183D7F6-B498-43B3-948B-1728B52AA6E4}">
+                <adec:decorative xmlns:adec="http://schemas.microsoft.com/office/drawing/2017/decorative" val="1"/>
+              </a:ext>
+            </a:extLst>
+          </p:cNvPr>
+          <p:cNvSpPr>
+            <a:spLocks noGrp="1" noRot="1" noChangeAspect="1" noMove="1" noResize="1" noEditPoints="1" noAdjustHandles="1" noChangeArrowheads="1" noChangeShapeType="1" noTextEdit="1"/>
+          </p:cNvSpPr>
+          <p:nvPr>
+            <p:extLst>
+              <p:ext uri="{386F3935-93C4-4BCD-93E2-E3B085C9AB24}">
+                <p16:designElem xmlns:p16="http://schemas.microsoft.com/office/powerpoint/2015/main" val="1"/>
+              </p:ext>
+            </p:extLst>
+          </p:nvPr>
+        </p:nvSpPr>
+        <p:spPr>
+          <a:xfrm flipH="1">
+            <a:off x="0" y="0"/>
+            <a:ext cx="6172782" cy="6858000"/>
+          </a:xfrm>
+          <a:custGeom>
+            <a:avLst/>
+            <a:gdLst>
+              <a:gd name="connsiteX0" fmla="*/ 6172782 w 6172782"/>
+              <a:gd name="connsiteY0" fmla="*/ 0 h 6858000"/>
+              <a:gd name="connsiteX1" fmla="*/ 69075 w 6172782"/>
+              <a:gd name="connsiteY1" fmla="*/ 0 h 6858000"/>
+              <a:gd name="connsiteX2" fmla="*/ 35131 w 6172782"/>
+              <a:gd name="connsiteY2" fmla="*/ 267128 h 6858000"/>
+              <a:gd name="connsiteX3" fmla="*/ 0 w 6172782"/>
+              <a:gd name="connsiteY3" fmla="*/ 962845 h 6858000"/>
+              <a:gd name="connsiteX4" fmla="*/ 3276103 w 6172782"/>
+              <a:gd name="connsiteY4" fmla="*/ 6782205 h 6858000"/>
+              <a:gd name="connsiteX5" fmla="*/ 3407923 w 6172782"/>
+              <a:gd name="connsiteY5" fmla="*/ 6858000 h 6858000"/>
+              <a:gd name="connsiteX6" fmla="*/ 6172782 w 6172782"/>
+              <a:gd name="connsiteY6" fmla="*/ 6858000 h 6858000"/>
+            </a:gdLst>
+            <a:ahLst/>
+            <a:cxnLst>
+              <a:cxn ang="0">
+                <a:pos x="connsiteX0" y="connsiteY0"/>
+              </a:cxn>
+              <a:cxn ang="0">
+                <a:pos x="connsiteX1" y="connsiteY1"/>
+              </a:cxn>
+              <a:cxn ang="0">
+                <a:pos x="connsiteX2" y="connsiteY2"/>
+              </a:cxn>
+              <a:cxn ang="0">
+                <a:pos x="connsiteX3" y="connsiteY3"/>
+              </a:cxn>
+              <a:cxn ang="0">
+                <a:pos x="connsiteX4" y="connsiteY4"/>
+              </a:cxn>
+              <a:cxn ang="0">
+                <a:pos x="connsiteX5" y="connsiteY5"/>
+              </a:cxn>
+              <a:cxn ang="0">
+                <a:pos x="connsiteX6" y="connsiteY6"/>
+              </a:cxn>
+            </a:cxnLst>
+            <a:rect l="l" t="t" r="r" b="b"/>
+            <a:pathLst>
+              <a:path w="6172782" h="6858000">
+                <a:moveTo>
+                  <a:pt x="6172782" y="0"/>
+                </a:moveTo>
+                <a:lnTo>
+                  <a:pt x="69075" y="0"/>
+                </a:lnTo>
+                <a:lnTo>
+                  <a:pt x="35131" y="267128"/>
+                </a:lnTo>
+                <a:cubicBezTo>
+                  <a:pt x="11901" y="495874"/>
+                  <a:pt x="0" y="727970"/>
+                  <a:pt x="0" y="962845"/>
+                </a:cubicBezTo>
+                <a:cubicBezTo>
+                  <a:pt x="0" y="3429034"/>
+                  <a:pt x="1312002" y="5588789"/>
+                  <a:pt x="3276103" y="6782205"/>
+                </a:cubicBezTo>
+                <a:lnTo>
+                  <a:pt x="3407923" y="6858000"/>
+                </a:lnTo>
+                <a:lnTo>
+                  <a:pt x="6172782" y="6858000"/>
+                </a:lnTo>
+                <a:close/>
+              </a:path>
+            </a:pathLst>
+          </a:custGeom>
+          <a:solidFill>
+            <a:srgbClr val="FFFFFF">
+              <a:alpha val="80000"/>
+            </a:srgbClr>
+          </a:solidFill>
+          <a:ln>
+            <a:noFill/>
+          </a:ln>
+        </p:spPr>
+        <p:style>
+          <a:lnRef idx="2">
+            <a:schemeClr val="accent1">
+              <a:shade val="50000"/>
+            </a:schemeClr>
+          </a:lnRef>
+          <a:fillRef idx="1">
+            <a:schemeClr val="accent1"/>
+          </a:fillRef>
+          <a:effectRef idx="0">
+            <a:schemeClr val="accent1"/>
+          </a:effectRef>
+          <a:fontRef idx="minor">
+            <a:schemeClr val="lt1"/>
+          </a:fontRef>
+        </p:style>
+        <p:txBody>
+          <a:bodyPr wrap="square" rtlCol="0" anchor="ctr">
+            <a:noAutofit/>
+          </a:bodyPr>
+          <a:lstStyle/>
+          <a:p>
+            <a:pPr marL="0" marR="0" lvl="0" indent="0" algn="ctr" defTabSz="914400" rtl="0" eaLnBrk="1" fontAlgn="auto" latinLnBrk="0" hangingPunct="1">
+              <a:lnSpc>
+                <a:spcPct val="100000"/>
+              </a:lnSpc>
+              <a:spcBef>
+                <a:spcPts val="0"/>
+              </a:spcBef>
+              <a:spcAft>
+                <a:spcPts val="0"/>
+              </a:spcAft>
+              <a:buClrTx/>
+              <a:buSzTx/>
+              <a:buFontTx/>
+              <a:buNone/>
+              <a:tabLst/>
+              <a:defRPr/>
+            </a:pPr>
+            <a:endParaRPr kumimoji="0" lang="en-US" sz="1800" b="0" i="0" u="none" strike="noStrike" kern="1200" cap="none" spc="0" normalizeH="0" baseline="0" noProof="0">
+              <a:ln>
+                <a:noFill/>
+              </a:ln>
+              <a:solidFill>
+                <a:prstClr val="white"/>
+              </a:solidFill>
+              <a:effectLst/>
+              <a:uLnTx/>
+              <a:uFillTx/>
+              <a:latin typeface="Calibri" panose="020F0502020204030204"/>
+              <a:ea typeface="+mn-ea"/>
+              <a:cs typeface="+mn-cs"/>
+            </a:endParaRPr>
+          </a:p>
+        </p:txBody>
+      </p:sp>
+      <p:pic>
+        <p:nvPicPr>
+          <p:cNvPr id="5" name="Content Placeholder 4" descr="A close up of a sign&#10;&#10;Description automatically generated">
+            <a:extLst>
+              <a:ext uri="{FF2B5EF4-FFF2-40B4-BE49-F238E27FC236}">
+                <a16:creationId xmlns:a16="http://schemas.microsoft.com/office/drawing/2014/main" id="{1801D359-67C9-49BE-802D-D73179147F1D}"/>
+              </a:ext>
+            </a:extLst>
+          </p:cNvPr>
+          <p:cNvPicPr>
+            <a:picLocks noGrp="1" noChangeAspect="1"/>
+          </p:cNvPicPr>
+          <p:nvPr>
+            <p:ph idx="1"/>
+          </p:nvPr>
+        </p:nvPicPr>
+        <p:blipFill rotWithShape="1">
+          <a:blip r:embed="rId2">
+            <a:extLst>
+              <a:ext uri="{28A0092B-C50C-407E-A947-70E740481C1C}">
+                <a14:useLocalDpi xmlns:a14="http://schemas.microsoft.com/office/drawing/2010/main" val="0"/>
+              </a:ext>
+              <a:ext uri="{837473B0-CC2E-450A-ABE3-18F120FF3D39}">
+                <a1611:picAttrSrcUrl xmlns:a1611="http://schemas.microsoft.com/office/drawing/2016/11/main" r:id="rId3"/>
+              </a:ext>
+            </a:extLst>
+          </a:blip>
+          <a:srcRect t="9138" r="2" b="644"/>
+          <a:stretch/>
+        </p:blipFill>
+        <p:spPr>
+          <a:xfrm>
+            <a:off x="20" y="10"/>
+            <a:ext cx="6024134" cy="6857990"/>
+          </a:xfrm>
+          <a:custGeom>
+            <a:avLst/>
+            <a:gdLst>
+              <a:gd name="connsiteX0" fmla="*/ 0 w 6024154"/>
+              <a:gd name="connsiteY0" fmla="*/ 0 h 6858000"/>
+              <a:gd name="connsiteX1" fmla="*/ 5953780 w 6024154"/>
+              <a:gd name="connsiteY1" fmla="*/ 0 h 6858000"/>
+              <a:gd name="connsiteX2" fmla="*/ 5989880 w 6024154"/>
+              <a:gd name="connsiteY2" fmla="*/ 284091 h 6858000"/>
+              <a:gd name="connsiteX3" fmla="*/ 6024154 w 6024154"/>
+              <a:gd name="connsiteY3" fmla="*/ 962844 h 6858000"/>
+              <a:gd name="connsiteX4" fmla="*/ 2549934 w 6024154"/>
+              <a:gd name="connsiteY4" fmla="*/ 6800152 h 6858000"/>
+              <a:gd name="connsiteX5" fmla="*/ 2436987 w 6024154"/>
+              <a:gd name="connsiteY5" fmla="*/ 6858000 h 6858000"/>
+              <a:gd name="connsiteX6" fmla="*/ 0 w 6024154"/>
+              <a:gd name="connsiteY6" fmla="*/ 6858000 h 6858000"/>
+            </a:gdLst>
+            <a:ahLst/>
+            <a:cxnLst>
+              <a:cxn ang="0">
+                <a:pos x="connsiteX0" y="connsiteY0"/>
+              </a:cxn>
+              <a:cxn ang="0">
+                <a:pos x="connsiteX1" y="connsiteY1"/>
+              </a:cxn>
+              <a:cxn ang="0">
+                <a:pos x="connsiteX2" y="connsiteY2"/>
+              </a:cxn>
+              <a:cxn ang="0">
+                <a:pos x="connsiteX3" y="connsiteY3"/>
+              </a:cxn>
+              <a:cxn ang="0">
+                <a:pos x="connsiteX4" y="connsiteY4"/>
+              </a:cxn>
+              <a:cxn ang="0">
+                <a:pos x="connsiteX5" y="connsiteY5"/>
+              </a:cxn>
+              <a:cxn ang="0">
+                <a:pos x="connsiteX6" y="connsiteY6"/>
+              </a:cxn>
+            </a:cxnLst>
+            <a:rect l="l" t="t" r="r" b="b"/>
+            <a:pathLst>
+              <a:path w="6024154" h="6858000">
+                <a:moveTo>
+                  <a:pt x="0" y="0"/>
+                </a:moveTo>
+                <a:lnTo>
+                  <a:pt x="5953780" y="0"/>
+                </a:lnTo>
+                <a:lnTo>
+                  <a:pt x="5989880" y="284091"/>
+                </a:lnTo>
+                <a:cubicBezTo>
+                  <a:pt x="6012544" y="507260"/>
+                  <a:pt x="6024154" y="733696"/>
+                  <a:pt x="6024154" y="962844"/>
+                </a:cubicBezTo>
+                <a:cubicBezTo>
+                  <a:pt x="6024154" y="3483472"/>
+                  <a:pt x="4619336" y="5675986"/>
+                  <a:pt x="2549934" y="6800152"/>
+                </a:cubicBezTo>
+                <a:lnTo>
+                  <a:pt x="2436987" y="6858000"/>
+                </a:lnTo>
+                <a:lnTo>
+                  <a:pt x="0" y="6858000"/>
+                </a:lnTo>
+                <a:close/>
+              </a:path>
+            </a:pathLst>
+          </a:custGeom>
+        </p:spPr>
+      </p:pic>
+      <p:sp>
+        <p:nvSpPr>
+          <p:cNvPr id="6" name="TextBox 5">
+            <a:extLst>
+              <a:ext uri="{FF2B5EF4-FFF2-40B4-BE49-F238E27FC236}">
+                <a16:creationId xmlns:a16="http://schemas.microsoft.com/office/drawing/2014/main" id="{38AA45A6-4AE1-432E-8EC7-B8345CDAD33D}"/>
+              </a:ext>
+            </a:extLst>
+          </p:cNvPr>
+          <p:cNvSpPr txBox="1"/>
+          <p:nvPr/>
+        </p:nvSpPr>
+        <p:spPr>
+          <a:xfrm>
+            <a:off x="9732673" y="6657945"/>
+            <a:ext cx="2459327" cy="200055"/>
+          </a:xfrm>
+          <a:prstGeom prst="rect">
+            <a:avLst/>
+          </a:prstGeom>
+          <a:solidFill>
+            <a:srgbClr val="000000"/>
+          </a:solidFill>
+        </p:spPr>
+        <p:txBody>
+          <a:bodyPr wrap="none" rtlCol="0">
+            <a:spAutoFit/>
+          </a:bodyPr>
+          <a:lstStyle/>
+          <a:p>
+            <a:pPr algn="r">
+              <a:spcAft>
+                <a:spcPts val="600"/>
+              </a:spcAft>
+            </a:pPr>
+            <a:r>
+              <a:rPr lang="en-US" sz="700">
+                <a:solidFill>
+                  <a:srgbClr val="FFFFFF"/>
+                </a:solidFill>
+                <a:hlinkClick r:id="rId3" tooltip="http://diabetesaliciousness.blogspot.com/2010/11/im-not-going-to-over-think-mexican-food.html">
+                  <a:extLst>
+                    <a:ext uri="{A12FA001-AC4F-418D-AE19-62706E023703}">
+                      <ahyp:hlinkClr xmlns:ahyp="http://schemas.microsoft.com/office/drawing/2018/hyperlinkcolor" val="tx"/>
+                    </a:ext>
+                  </a:extLst>
+                </a:hlinkClick>
+              </a:rPr>
+              <a:t>This Photo</a:t>
+            </a:r>
+            <a:r>
+              <a:rPr lang="en-US" sz="700">
+                <a:solidFill>
+                  <a:srgbClr val="FFFFFF"/>
+                </a:solidFill>
+              </a:rPr>
+              <a:t> by Unknown Author is licensed under </a:t>
+            </a:r>
+            <a:r>
+              <a:rPr lang="en-US" sz="700">
+                <a:solidFill>
+                  <a:srgbClr val="FFFFFF"/>
+                </a:solidFill>
+                <a:hlinkClick r:id="rId4" tooltip="https://creativecommons.org/licenses/by-nc-nd/3.0/">
+                  <a:extLst>
+                    <a:ext uri="{A12FA001-AC4F-418D-AE19-62706E023703}">
+                      <ahyp:hlinkClr xmlns:ahyp="http://schemas.microsoft.com/office/drawing/2018/hyperlinkcolor" val="tx"/>
+                    </a:ext>
+                  </a:extLst>
+                </a:hlinkClick>
+              </a:rPr>
+              <a:t>CC BY-NC-ND</a:t>
+            </a:r>
+            <a:endParaRPr lang="en-US" sz="700">
+              <a:solidFill>
+                <a:srgbClr val="FFFFFF"/>
+              </a:solidFill>
+            </a:endParaRPr>
+          </a:p>
+        </p:txBody>
+      </p:sp>
+      <p:sp>
+        <p:nvSpPr>
+          <p:cNvPr id="9" name="TextBox 8">
+            <a:extLst>
+              <a:ext uri="{FF2B5EF4-FFF2-40B4-BE49-F238E27FC236}">
+                <a16:creationId xmlns:a16="http://schemas.microsoft.com/office/drawing/2014/main" id="{2BA5FB12-2E47-4EF6-981C-F3D4DFE288F3}"/>
+              </a:ext>
+            </a:extLst>
+          </p:cNvPr>
+          <p:cNvSpPr txBox="1"/>
+          <p:nvPr/>
+        </p:nvSpPr>
+        <p:spPr>
+          <a:xfrm>
+            <a:off x="6554863" y="2085654"/>
+            <a:ext cx="5537819" cy="3539430"/>
+          </a:xfrm>
+          <a:prstGeom prst="rect">
+            <a:avLst/>
+          </a:prstGeom>
+          <a:noFill/>
+        </p:spPr>
+        <p:txBody>
+          <a:bodyPr wrap="square" rtlCol="0">
+            <a:spAutoFit/>
+          </a:bodyPr>
+          <a:lstStyle/>
+          <a:p>
+            <a:r>
+              <a:rPr lang="en-US" sz="2800" b="1" dirty="0"/>
+              <a:t>AS A </a:t>
+            </a:r>
+            <a:r>
+              <a:rPr lang="en-US" sz="2800" dirty="0"/>
+              <a:t>hungry person</a:t>
+            </a:r>
+            <a:br>
+              <a:rPr lang="en-US" sz="2800" dirty="0"/>
+            </a:br>
+            <a:br>
+              <a:rPr lang="en-US" sz="2800" dirty="0"/>
+            </a:br>
+            <a:r>
+              <a:rPr lang="en-US" sz="2800" b="1" dirty="0"/>
+              <a:t>I WANT TO </a:t>
+            </a:r>
+            <a:r>
+              <a:rPr lang="en-US" sz="2800" dirty="0"/>
+              <a:t>find recipes or restaurants for a specific type of cuisine</a:t>
+            </a:r>
+            <a:br>
+              <a:rPr lang="en-US" sz="2800" dirty="0"/>
+            </a:br>
+            <a:br>
+              <a:rPr lang="en-US" sz="2800" dirty="0"/>
+            </a:br>
+            <a:r>
+              <a:rPr lang="en-US" sz="2800" b="1" dirty="0"/>
+              <a:t>SO THAT I CAN </a:t>
+            </a:r>
+            <a:r>
+              <a:rPr lang="en-US" sz="2800" dirty="0"/>
+              <a:t>make a decision on what and where to eat</a:t>
+            </a:r>
+          </a:p>
+        </p:txBody>
+      </p:sp>
+    </p:spTree>
+    <p:extLst>
+      <p:ext uri="{BB962C8B-B14F-4D97-AF65-F5344CB8AC3E}">
+        <p14:creationId xmlns:p14="http://schemas.microsoft.com/office/powerpoint/2010/main" val="2440549741"/>
+      </p:ext>
+    </p:extLst>
+  </p:cSld>
+  <p:clrMapOvr>
+    <a:overrideClrMapping bg1="dk1" tx1="lt1" bg2="dk2" tx2="lt2" accent1="accent1" accent2="accent2" accent3="accent3" accent4="accent4" accent5="accent5" accent6="accent6" hlink="hlink" folHlink="folHlink"/>
+  </p:clrMapOvr>
+</p:sld>
+</file>
+
+<file path=ppt/slides/slide10.xml><?xml version="1.0" encoding="utf-8"?>
+<p:sld xmlns:a="http://schemas.openxmlformats.org/drawingml/2006/main" xmlns:r="http://schemas.openxmlformats.org/officeDocument/2006/relationships" xmlns:p="http://schemas.openxmlformats.org/presentationml/2006/main">
+  <p:cSld>
+    <p:spTree>
+      <p:nvGrpSpPr>
+        <p:cNvPr id="1" name=""/>
+        <p:cNvGrpSpPr/>
+        <p:nvPr/>
+      </p:nvGrpSpPr>
+      <p:grpSpPr>
+        <a:xfrm>
+          <a:off x="0" y="0"/>
+          <a:ext cx="0" cy="0"/>
+          <a:chOff x="0" y="0"/>
+          <a:chExt cx="0" cy="0"/>
+        </a:xfrm>
+      </p:grpSpPr>
+      <p:sp>
+        <p:nvSpPr>
+          <p:cNvPr id="2" name="Title 1">
+            <a:extLst>
+              <a:ext uri="{FF2B5EF4-FFF2-40B4-BE49-F238E27FC236}">
+                <a16:creationId xmlns:a16="http://schemas.microsoft.com/office/drawing/2014/main" id="{44D93BD7-4801-4ABE-8FBA-1D8140CDE221}"/>
+              </a:ext>
+            </a:extLst>
+          </p:cNvPr>
+          <p:cNvSpPr>
+            <a:spLocks noGrp="1"/>
+          </p:cNvSpPr>
+          <p:nvPr>
+            <p:ph type="title"/>
+          </p:nvPr>
+        </p:nvSpPr>
+        <p:spPr/>
+        <p:txBody>
+          <a:bodyPr/>
+          <a:lstStyle/>
+          <a:p>
+            <a:r>
+              <a:rPr lang="en-US" dirty="0"/>
+              <a:t>Profile Page</a:t>
+            </a:r>
+          </a:p>
+        </p:txBody>
+      </p:sp>
+      <p:sp>
+        <p:nvSpPr>
+          <p:cNvPr id="3" name="Content Placeholder 2">
+            <a:extLst>
+              <a:ext uri="{FF2B5EF4-FFF2-40B4-BE49-F238E27FC236}">
+                <a16:creationId xmlns:a16="http://schemas.microsoft.com/office/drawing/2014/main" id="{EA832864-9A12-445E-B182-556101C75FB5}"/>
+              </a:ext>
+            </a:extLst>
+          </p:cNvPr>
+          <p:cNvSpPr>
+            <a:spLocks noGrp="1"/>
+          </p:cNvSpPr>
+          <p:nvPr>
+            <p:ph idx="1"/>
+          </p:nvPr>
+        </p:nvSpPr>
+        <p:spPr/>
+        <p:txBody>
+          <a:bodyPr/>
+          <a:lstStyle/>
+          <a:p>
+            <a:endParaRPr lang="en-US"/>
+          </a:p>
+        </p:txBody>
+      </p:sp>
+    </p:spTree>
+    <p:extLst>
+      <p:ext uri="{BB962C8B-B14F-4D97-AF65-F5344CB8AC3E}">
+        <p14:creationId xmlns:p14="http://schemas.microsoft.com/office/powerpoint/2010/main" val="1181399118"/>
+      </p:ext>
+    </p:extLst>
+  </p:cSld>
+  <p:clrMapOvr>
+    <a:masterClrMapping/>
+  </p:clrMapOvr>
+</p:sld>
+</file>
+
+<file path=ppt/slides/slide2.xml><?xml version="1.0" encoding="utf-8"?>
+<p:sld xmlns:a="http://schemas.openxmlformats.org/drawingml/2006/main" xmlns:r="http://schemas.openxmlformats.org/officeDocument/2006/relationships" xmlns:p="http://schemas.openxmlformats.org/presentationml/2006/main">
+  <p:cSld>
     <p:spTree>
       <p:nvGrpSpPr>
         <p:cNvPr id="1" name=""/>
@@ -22754,7 +23346,7 @@
 </p:sld>
 </file>
 
-<file path=ppt/slides/slide2.xml><?xml version="1.0" encoding="utf-8"?>
+<file path=ppt/slides/slide3.xml><?xml version="1.0" encoding="utf-8"?>
 <p:sld xmlns:a="http://schemas.openxmlformats.org/drawingml/2006/main" xmlns:r="http://schemas.openxmlformats.org/officeDocument/2006/relationships" xmlns:p="http://schemas.openxmlformats.org/presentationml/2006/main">
   <p:cSld>
     <p:spTree>
@@ -22883,7 +23475,7 @@
           <a:p>
             <a:r>
               <a:rPr lang="en-US" dirty="0"/>
-              <a:t>Welcome Page</a:t>
+              <a:t>Home Page</a:t>
             </a:r>
           </a:p>
         </p:txBody>
@@ -22903,7 +23495,7 @@
         <p:spPr>
           <a:xfrm>
             <a:off x="1190625" y="1072273"/>
-            <a:ext cx="5276248" cy="2862322"/>
+            <a:ext cx="5960390" cy="4801314"/>
           </a:xfrm>
           <a:prstGeom prst="rect">
             <a:avLst/>
@@ -22918,7 +23510,60 @@
           <a:p>
             <a:r>
               <a:rPr lang="en-US" dirty="0"/>
-              <a:t>This is the first page that a user sees when loading the app.  It welcomes the user and provides two buttons to search for recipes or to locate a restaurant.  Click the button navigates the user to a search page.</a:t>
+              <a:t>Navigation: Home</a:t>
+            </a:r>
+          </a:p>
+          <a:p>
+            <a:endParaRPr lang="en-US" dirty="0"/>
+          </a:p>
+          <a:p>
+            <a:r>
+              <a:rPr lang="en-US" b="1" dirty="0"/>
+              <a:t>AS A </a:t>
+            </a:r>
+            <a:r>
+              <a:rPr lang="en-US" dirty="0"/>
+              <a:t>hungry person</a:t>
+            </a:r>
+            <a:br>
+              <a:rPr lang="en-US" dirty="0"/>
+            </a:br>
+            <a:r>
+              <a:rPr lang="en-US" b="1" dirty="0"/>
+              <a:t>I WANT TO </a:t>
+            </a:r>
+            <a:r>
+              <a:rPr lang="en-US" dirty="0"/>
+              <a:t>select to find a recipe or restaurant </a:t>
+            </a:r>
+            <a:br>
+              <a:rPr lang="en-US" dirty="0"/>
+            </a:br>
+            <a:r>
+              <a:rPr lang="en-US" b="1" dirty="0"/>
+              <a:t>SO THAT I CAN </a:t>
+            </a:r>
+            <a:r>
+              <a:rPr lang="en-US" dirty="0"/>
+              <a:t>find something that I’m craving</a:t>
+            </a:r>
+          </a:p>
+          <a:p>
+            <a:endParaRPr lang="en-US" dirty="0"/>
+          </a:p>
+          <a:p>
+            <a:r>
+              <a:rPr lang="en-US" dirty="0"/>
+              <a:t>This is the first page that a user sees when loading the app.  </a:t>
+            </a:r>
+          </a:p>
+          <a:p>
+            <a:endParaRPr lang="en-US" dirty="0"/>
+          </a:p>
+          <a:p>
+            <a:r>
+              <a:rPr lang="en-US" dirty="0"/>
+              <a:t>MVP:  It welcomes the user and provides two buttons to search for recipes or to locate a restaurant.  Click the button navigates the user to a search page.</a:t>
             </a:r>
           </a:p>
           <a:p>
@@ -23268,7 +23913,7 @@
 </p:sld>
 </file>
 
-<file path=ppt/slides/slide3.xml><?xml version="1.0" encoding="utf-8"?>
+<file path=ppt/slides/slide4.xml><?xml version="1.0" encoding="utf-8"?>
 <p:sld xmlns:a="http://schemas.openxmlformats.org/drawingml/2006/main" xmlns:r="http://schemas.openxmlformats.org/officeDocument/2006/relationships" xmlns:p="http://schemas.openxmlformats.org/presentationml/2006/main">
   <p:cSld>
     <p:spTree>
@@ -23411,7 +24056,7 @@
         <p:spPr>
           <a:xfrm>
             <a:off x="916391" y="1010245"/>
-            <a:ext cx="6181078" cy="5447645"/>
+            <a:ext cx="6181078" cy="5940088"/>
           </a:xfrm>
           <a:prstGeom prst="rect">
             <a:avLst/>
@@ -23426,25 +24071,59 @@
           <a:p>
             <a:r>
               <a:rPr lang="en-US" dirty="0"/>
-              <a:t>Navigation: Welcome &gt; Find Recipe Button </a:t>
+              <a:t>Navigation: Home &gt; Find Recipe Button </a:t>
             </a:r>
           </a:p>
           <a:p>
             <a:endParaRPr lang="en-US" dirty="0"/>
           </a:p>
           <a:p>
+            <a:r>
+              <a:rPr lang="en-US" b="1" dirty="0"/>
+              <a:t>AS A </a:t>
+            </a:r>
             <a:r>
               <a:rPr lang="en-US" dirty="0"/>
-              <a:t>A form that the user will complete in order to find specific recipes.  User will be able to navigate back to the main welcome page.</a:t>
+              <a:t>hungry person</a:t>
             </a:r>
-          </a:p>
-          <a:p>
-            <a:endParaRPr lang="en-US" dirty="0"/>
-          </a:p>
-          <a:p>
+            <a:br>
+              <a:rPr lang="en-US" dirty="0"/>
+            </a:br>
+            <a:r>
+              <a:rPr lang="en-US" b="1" dirty="0"/>
+              <a:t>I WANT TO </a:t>
+            </a:r>
             <a:r>
               <a:rPr lang="en-US" dirty="0"/>
-              <a:t>MVP: button with a select number of “areas” (types of cuisine)</a:t>
+              <a:t>find out how I can make or go to a recipe to cook</a:t>
+            </a:r>
+            <a:br>
+              <a:rPr lang="en-US" dirty="0"/>
+            </a:br>
+            <a:r>
+              <a:rPr lang="en-US" b="1" dirty="0"/>
+              <a:t>SO THAT I CAN </a:t>
+            </a:r>
+            <a:r>
+              <a:rPr lang="en-US" dirty="0"/>
+              <a:t>satisfy my craving</a:t>
+            </a:r>
+          </a:p>
+          <a:p>
+            <a:endParaRPr lang="en-US" dirty="0"/>
+          </a:p>
+          <a:p>
+            <a:r>
+              <a:rPr lang="en-US" dirty="0"/>
+              <a:t>MVP:   User can select a type of cuisine for a </a:t>
+            </a:r>
+            <a:r>
+              <a:rPr lang="en-US" dirty="0" err="1"/>
+              <a:t>receipe</a:t>
+            </a:r>
+            <a:r>
+              <a:rPr lang="en-US" dirty="0"/>
+              <a:t>.  User can navigate back to the main welcome page.</a:t>
             </a:r>
           </a:p>
           <a:p>
@@ -23485,6 +24164,26 @@
             <a:r>
               <a:rPr lang="en-US" sz="1600" dirty="0"/>
               <a:t>Navigation to Restaurant Search</a:t>
+            </a:r>
+          </a:p>
+          <a:p>
+            <a:pPr marL="285750" indent="-285750">
+              <a:buFont typeface="Arial" panose="020B0604020202020204" pitchFamily="34" charset="0"/>
+              <a:buChar char="•"/>
+            </a:pPr>
+            <a:r>
+              <a:rPr lang="en-US" sz="1600" dirty="0"/>
+              <a:t>Navigate to next recipe</a:t>
+            </a:r>
+          </a:p>
+          <a:p>
+            <a:pPr marL="285750" indent="-285750">
+              <a:buFont typeface="Arial" panose="020B0604020202020204" pitchFamily="34" charset="0"/>
+              <a:buChar char="•"/>
+            </a:pPr>
+            <a:r>
+              <a:rPr lang="en-US" sz="1600" dirty="0"/>
+              <a:t>Ability to go back to select another cuisine type</a:t>
             </a:r>
           </a:p>
           <a:p>
@@ -23559,9 +24258,6 @@
               <a:rPr lang="en-US" dirty="0"/>
               <a:t> </a:t>
             </a:r>
-          </a:p>
-          <a:p>
-            <a:endParaRPr lang="en-US" dirty="0"/>
           </a:p>
         </p:txBody>
       </p:sp>
@@ -24231,7 +24927,7 @@
 </p:sld>
 </file>
 
-<file path=ppt/slides/slide4.xml><?xml version="1.0" encoding="utf-8"?>
+<file path=ppt/slides/slide5.xml><?xml version="1.0" encoding="utf-8"?>
 <p:sld xmlns:a="http://schemas.openxmlformats.org/drawingml/2006/main" xmlns:r="http://schemas.openxmlformats.org/officeDocument/2006/relationships" xmlns:p="http://schemas.openxmlformats.org/presentationml/2006/main">
   <p:cSld>
     <p:spTree>
@@ -24279,7 +24975,7 @@
         </p:blipFill>
         <p:spPr>
           <a:xfrm>
-            <a:off x="7867543" y="2604026"/>
+            <a:off x="7835686" y="2072878"/>
             <a:ext cx="1291354" cy="968516"/>
           </a:xfrm>
           <a:prstGeom prst="rect">
@@ -24318,7 +25014,7 @@
         </p:blipFill>
         <p:spPr>
           <a:xfrm>
-            <a:off x="7801692" y="3816667"/>
+            <a:off x="7769835" y="3285519"/>
             <a:ext cx="1576191" cy="1051615"/>
           </a:xfrm>
           <a:prstGeom prst="rect">
@@ -24345,7 +25041,7 @@
         <p:spPr>
           <a:xfrm>
             <a:off x="838200" y="85999"/>
-            <a:ext cx="10515600" cy="1325563"/>
+            <a:ext cx="10515600" cy="1004535"/>
           </a:xfrm>
         </p:spPr>
         <p:txBody>
@@ -24373,8 +25069,8 @@
         </p:nvSpPr>
         <p:spPr>
           <a:xfrm>
-            <a:off x="916391" y="1010245"/>
-            <a:ext cx="6263254" cy="5970865"/>
+            <a:off x="916391" y="928053"/>
+            <a:ext cx="6263254" cy="5355312"/>
           </a:xfrm>
           <a:prstGeom prst="rect">
             <a:avLst/>
@@ -24397,17 +25093,43 @@
           </a:p>
           <a:p>
             <a:r>
-              <a:rPr lang="en-US" dirty="0"/>
-              <a:t>A form that the user will search for a restaurant depending on cuisine type in their area.  User will be able to navigate back to the main welcome page. </a:t>
+              <a:rPr lang="en-US" b="1" dirty="0"/>
+              <a:t>AS A </a:t>
             </a:r>
-          </a:p>
-          <a:p>
-            <a:endParaRPr lang="en-US" dirty="0"/>
-          </a:p>
-          <a:p>
             <a:r>
               <a:rPr lang="en-US" dirty="0"/>
-              <a:t>MVP: area code field and button with a select number of “areas” (types of cuisine)</a:t>
+              <a:t>hungry person</a:t>
+            </a:r>
+            <a:br>
+              <a:rPr lang="en-US" dirty="0"/>
+            </a:br>
+            <a:r>
+              <a:rPr lang="en-US" b="1" dirty="0"/>
+              <a:t>I WANT TO </a:t>
+            </a:r>
+            <a:r>
+              <a:rPr lang="en-US" dirty="0"/>
+              <a:t>find out how I can make or go to a restaurant that serves a specific dish</a:t>
+            </a:r>
+            <a:br>
+              <a:rPr lang="en-US" dirty="0"/>
+            </a:br>
+            <a:r>
+              <a:rPr lang="en-US" b="1" dirty="0"/>
+              <a:t>SO THAT I CAN </a:t>
+            </a:r>
+            <a:r>
+              <a:rPr lang="en-US" dirty="0"/>
+              <a:t>satisfy my craving</a:t>
+            </a:r>
+          </a:p>
+          <a:p>
+            <a:endParaRPr lang="en-US" dirty="0"/>
+          </a:p>
+          <a:p>
+            <a:r>
+              <a:rPr lang="en-US" dirty="0"/>
+              <a:t>MVP: User can select a restaurant based on cuisine type (image) in their area (user’s geolocation).  User will be able to navigate back to the main welcome page. </a:t>
             </a:r>
           </a:p>
           <a:p>
@@ -24418,6 +25140,16 @@
             <a:r>
               <a:rPr lang="en-US" sz="1600" dirty="0"/>
               <a:t>Potential add-on: </a:t>
+            </a:r>
+          </a:p>
+          <a:p>
+            <a:pPr marL="285750" indent="-285750">
+              <a:buFont typeface="Arial" panose="020B0604020202020204" pitchFamily="34" charset="0"/>
+              <a:buChar char="•"/>
+            </a:pPr>
+            <a:r>
+              <a:rPr lang="en-US" sz="1600" dirty="0"/>
+              <a:t>Add additional categories</a:t>
             </a:r>
           </a:p>
           <a:p>
@@ -24470,71 +25202,7 @@
             </a:r>
           </a:p>
           <a:p>
-            <a:pPr marL="285750" indent="-285750">
-              <a:buFont typeface="Arial" panose="020B0604020202020204" pitchFamily="34" charset="0"/>
-              <a:buChar char="•"/>
-            </a:pPr>
-            <a:r>
-              <a:rPr lang="en-US" sz="1400" dirty="0"/>
-              <a:t>Japanese</a:t>
-            </a:r>
-          </a:p>
-          <a:p>
-            <a:pPr marL="285750" indent="-285750">
-              <a:buFont typeface="Arial" panose="020B0604020202020204" pitchFamily="34" charset="0"/>
-              <a:buChar char="•"/>
-            </a:pPr>
-            <a:r>
-              <a:rPr lang="en-US" sz="1400" dirty="0"/>
-              <a:t>Thai</a:t>
-            </a:r>
-          </a:p>
-          <a:p>
-            <a:pPr marL="285750" indent="-285750">
-              <a:buFont typeface="Arial" panose="020B0604020202020204" pitchFamily="34" charset="0"/>
-              <a:buChar char="•"/>
-            </a:pPr>
-            <a:r>
-              <a:rPr lang="en-US" sz="1400" dirty="0"/>
-              <a:t>Greek</a:t>
-            </a:r>
-          </a:p>
-          <a:p>
-            <a:pPr marL="285750" indent="-285750">
-              <a:buFont typeface="Arial" panose="020B0604020202020204" pitchFamily="34" charset="0"/>
-              <a:buChar char="•"/>
-            </a:pPr>
-            <a:r>
-              <a:rPr lang="en-US" sz="1400" dirty="0"/>
-              <a:t>Indian</a:t>
-            </a:r>
-          </a:p>
-          <a:p>
-            <a:pPr marL="285750" indent="-285750">
-              <a:buFont typeface="Arial" panose="020B0604020202020204" pitchFamily="34" charset="0"/>
-              <a:buChar char="•"/>
-            </a:pPr>
-            <a:r>
-              <a:rPr lang="en-US" sz="1400" dirty="0"/>
-              <a:t>French</a:t>
-            </a:r>
-          </a:p>
-          <a:p>
-            <a:pPr marL="285750" indent="-285750">
-              <a:buFont typeface="Arial" panose="020B0604020202020204" pitchFamily="34" charset="0"/>
-              <a:buChar char="•"/>
-            </a:pPr>
-            <a:r>
-              <a:rPr lang="en-US" sz="1400" dirty="0"/>
-              <a:t>Vietnamese</a:t>
-            </a:r>
-            <a:r>
-              <a:rPr lang="en-US" dirty="0"/>
-              <a:t> </a:t>
-            </a:r>
-          </a:p>
-          <a:p>
-            <a:endParaRPr lang="en-US" dirty="0"/>
+            <a:endParaRPr lang="en-US" sz="1400" dirty="0"/>
           </a:p>
         </p:txBody>
       </p:sp>
@@ -24637,7 +25305,7 @@
         <p:spPr>
           <a:xfrm>
             <a:off x="7504043" y="1009328"/>
-            <a:ext cx="3849758" cy="5463459"/>
+            <a:ext cx="3849758" cy="4916435"/>
           </a:xfrm>
           <a:prstGeom prst="rect">
             <a:avLst/>
@@ -24686,7 +25354,7 @@
         </p:nvSpPr>
         <p:spPr>
           <a:xfrm>
-            <a:off x="7867543" y="4145624"/>
+            <a:off x="7835686" y="3614476"/>
             <a:ext cx="1444488" cy="369332"/>
           </a:xfrm>
           <a:prstGeom prst="rect">
@@ -24769,7 +25437,7 @@
         </p:nvSpPr>
         <p:spPr>
           <a:xfrm>
-            <a:off x="7503441" y="5464965"/>
+            <a:off x="7503441" y="4917939"/>
             <a:ext cx="3849758" cy="1007824"/>
           </a:xfrm>
           <a:prstGeom prst="rect">
@@ -24836,7 +25504,7 @@
         </p:blipFill>
         <p:spPr>
           <a:xfrm>
-            <a:off x="9652152" y="2585885"/>
+            <a:off x="9620295" y="2054737"/>
             <a:ext cx="1423563" cy="946669"/>
           </a:xfrm>
           <a:prstGeom prst="rect">
@@ -24875,7 +25543,7 @@
         </p:blipFill>
         <p:spPr>
           <a:xfrm>
-            <a:off x="9593284" y="3808177"/>
+            <a:off x="9561427" y="3277029"/>
             <a:ext cx="1576191" cy="1044227"/>
           </a:xfrm>
           <a:prstGeom prst="rect">
@@ -24897,7 +25565,7 @@
         </p:nvSpPr>
         <p:spPr>
           <a:xfrm>
-            <a:off x="9641689" y="4213855"/>
+            <a:off x="9609832" y="3682707"/>
             <a:ext cx="1444488" cy="369332"/>
           </a:xfrm>
           <a:prstGeom prst="rect">
@@ -24940,7 +25608,7 @@
         </p:nvSpPr>
         <p:spPr>
           <a:xfrm>
-            <a:off x="7801692" y="2850652"/>
+            <a:off x="7769835" y="2319504"/>
             <a:ext cx="1444488" cy="369332"/>
           </a:xfrm>
           <a:prstGeom prst="rect">
@@ -24983,7 +25651,7 @@
         </p:nvSpPr>
         <p:spPr>
           <a:xfrm>
-            <a:off x="9652152" y="2858113"/>
+            <a:off x="9620295" y="2326965"/>
             <a:ext cx="1354756" cy="369332"/>
           </a:xfrm>
           <a:prstGeom prst="rect">
@@ -25026,7 +25694,7 @@
         </p:nvSpPr>
         <p:spPr>
           <a:xfrm>
-            <a:off x="7769835" y="5632857"/>
+            <a:off x="7769835" y="5085831"/>
             <a:ext cx="1100214" cy="369332"/>
           </a:xfrm>
           <a:prstGeom prst="rect">
@@ -25059,100 +25727,6 @@
       </p:sp>
       <p:sp>
         <p:nvSpPr>
-          <p:cNvPr id="36" name="TextBox 35">
-            <a:extLst>
-              <a:ext uri="{FF2B5EF4-FFF2-40B4-BE49-F238E27FC236}">
-                <a16:creationId xmlns:a16="http://schemas.microsoft.com/office/drawing/2014/main" id="{9AB542B8-71B1-4EE7-A0FF-6F0F8ACF20D0}"/>
-              </a:ext>
-            </a:extLst>
-          </p:cNvPr>
-          <p:cNvSpPr txBox="1"/>
-          <p:nvPr/>
-        </p:nvSpPr>
-        <p:spPr>
-          <a:xfrm>
-            <a:off x="9260497" y="1983994"/>
-            <a:ext cx="1471257" cy="369332"/>
-          </a:xfrm>
-          <a:prstGeom prst="rect">
-            <a:avLst/>
-          </a:prstGeom>
-          <a:noFill/>
-          <a:ln>
-            <a:solidFill>
-              <a:schemeClr val="bg2">
-                <a:lumMod val="25000"/>
-              </a:schemeClr>
-            </a:solidFill>
-          </a:ln>
-        </p:spPr>
-        <p:txBody>
-          <a:bodyPr wrap="square" rtlCol="0">
-            <a:spAutoFit/>
-          </a:bodyPr>
-          <a:lstStyle/>
-          <a:p>
-            <a:pPr algn="ctr"/>
-            <a:r>
-              <a:rPr lang="en-US" i="1" dirty="0"/>
-              <a:t>field</a:t>
-            </a:r>
-          </a:p>
-        </p:txBody>
-      </p:sp>
-      <p:sp>
-        <p:nvSpPr>
-          <p:cNvPr id="37" name="TextBox 36">
-            <a:extLst>
-              <a:ext uri="{FF2B5EF4-FFF2-40B4-BE49-F238E27FC236}">
-                <a16:creationId xmlns:a16="http://schemas.microsoft.com/office/drawing/2014/main" id="{2D654FD8-6F31-4898-AB0A-0474405EF6DB}"/>
-              </a:ext>
-            </a:extLst>
-          </p:cNvPr>
-          <p:cNvSpPr txBox="1"/>
-          <p:nvPr/>
-        </p:nvSpPr>
-        <p:spPr>
-          <a:xfrm>
-            <a:off x="7969143" y="1962196"/>
-            <a:ext cx="1357205" cy="369332"/>
-          </a:xfrm>
-          <a:prstGeom prst="rect">
-            <a:avLst/>
-          </a:prstGeom>
-          <a:noFill/>
-          <a:ln>
-            <a:noFill/>
-          </a:ln>
-        </p:spPr>
-        <p:txBody>
-          <a:bodyPr wrap="square" rtlCol="0">
-            <a:spAutoFit/>
-          </a:bodyPr>
-          <a:lstStyle/>
-          <a:p>
-            <a:pPr algn="ctr"/>
-            <a:r>
-              <a:rPr lang="en-US" i="1" dirty="0"/>
-              <a:t>Area Code</a:t>
-            </a:r>
-            <a:r>
-              <a:rPr lang="en-US" i="1" dirty="0">
-                <a:solidFill>
-                  <a:srgbClr val="C00000"/>
-                </a:solidFill>
-              </a:rPr>
-              <a:t>*</a:t>
-            </a:r>
-            <a:r>
-              <a:rPr lang="en-US" i="1" dirty="0"/>
-              <a:t>:</a:t>
-            </a:r>
-          </a:p>
-        </p:txBody>
-      </p:sp>
-      <p:sp>
-        <p:nvSpPr>
           <p:cNvPr id="3" name="Rectangle 2">
             <a:extLst>
               <a:ext uri="{FF2B5EF4-FFF2-40B4-BE49-F238E27FC236}">
@@ -25165,7 +25739,7 @@
         </p:nvSpPr>
         <p:spPr>
           <a:xfrm>
-            <a:off x="8690868" y="6051611"/>
+            <a:off x="8690868" y="5504585"/>
             <a:ext cx="1110624" cy="369332"/>
           </a:xfrm>
           <a:prstGeom prst="rect">
@@ -25204,7 +25778,7 @@
         </p:nvSpPr>
         <p:spPr>
           <a:xfrm>
-            <a:off x="8998710" y="5623942"/>
+            <a:off x="8998710" y="5076916"/>
             <a:ext cx="1100214" cy="369332"/>
           </a:xfrm>
           <a:prstGeom prst="rect">
@@ -25251,7 +25825,7 @@
         </p:nvSpPr>
         <p:spPr>
           <a:xfrm>
-            <a:off x="10227585" y="5617999"/>
+            <a:off x="10227585" y="5070973"/>
             <a:ext cx="873441" cy="369332"/>
           </a:xfrm>
           <a:prstGeom prst="rect">
@@ -25284,6 +25858,169 @@
           </a:p>
         </p:txBody>
       </p:sp>
+      <p:graphicFrame>
+        <p:nvGraphicFramePr>
+          <p:cNvPr id="6" name="Table 9">
+            <a:extLst>
+              <a:ext uri="{FF2B5EF4-FFF2-40B4-BE49-F238E27FC236}">
+                <a16:creationId xmlns:a16="http://schemas.microsoft.com/office/drawing/2014/main" id="{33D2C83D-2F10-45A3-A144-427F3B391707}"/>
+              </a:ext>
+            </a:extLst>
+          </p:cNvPr>
+          <p:cNvGraphicFramePr>
+            <a:graphicFrameLocks noGrp="1"/>
+          </p:cNvGraphicFramePr>
+          <p:nvPr>
+            <p:extLst>
+              <p:ext uri="{D42A27DB-BD31-4B8C-83A1-F6EECF244321}">
+                <p14:modId xmlns:p14="http://schemas.microsoft.com/office/powerpoint/2010/main" val="1458611625"/>
+              </p:ext>
+            </p:extLst>
+          </p:nvPr>
+        </p:nvGraphicFramePr>
+        <p:xfrm>
+          <a:off x="1036954" y="5992707"/>
+          <a:ext cx="3730256" cy="731520"/>
+        </p:xfrm>
+        <a:graphic>
+          <a:graphicData uri="http://schemas.openxmlformats.org/drawingml/2006/table">
+            <a:tbl>
+              <a:tblPr firstRow="1" bandRow="1">
+                <a:tableStyleId>{5C22544A-7EE6-4342-B048-85BDC9FD1C3A}</a:tableStyleId>
+              </a:tblPr>
+              <a:tblGrid>
+                <a:gridCol w="1610602">
+                  <a:extLst>
+                    <a:ext uri="{9D8B030D-6E8A-4147-A177-3AD203B41FA5}">
+                      <a16:colId xmlns:a16="http://schemas.microsoft.com/office/drawing/2014/main" val="829374261"/>
+                    </a:ext>
+                  </a:extLst>
+                </a:gridCol>
+                <a:gridCol w="2119654">
+                  <a:extLst>
+                    <a:ext uri="{9D8B030D-6E8A-4147-A177-3AD203B41FA5}">
+                      <a16:colId xmlns:a16="http://schemas.microsoft.com/office/drawing/2014/main" val="4129320290"/>
+                    </a:ext>
+                  </a:extLst>
+                </a:gridCol>
+              </a:tblGrid>
+              <a:tr h="370840">
+                <a:tc>
+                  <a:txBody>
+                    <a:bodyPr/>
+                    <a:lstStyle/>
+                    <a:p>
+                      <a:pPr marL="285750" indent="-285750">
+                        <a:buFont typeface="Arial" panose="020B0604020202020204" pitchFamily="34" charset="0"/>
+                        <a:buChar char="•"/>
+                      </a:pPr>
+                      <a:r>
+                        <a:rPr lang="en-US" sz="1400" b="0" dirty="0">
+                          <a:solidFill>
+                            <a:schemeClr val="tx1"/>
+                          </a:solidFill>
+                        </a:rPr>
+                        <a:t>Japanese</a:t>
+                      </a:r>
+                    </a:p>
+                    <a:p>
+                      <a:pPr marL="285750" indent="-285750">
+                        <a:buFont typeface="Arial" panose="020B0604020202020204" pitchFamily="34" charset="0"/>
+                        <a:buChar char="•"/>
+                      </a:pPr>
+                      <a:r>
+                        <a:rPr lang="en-US" sz="1400" b="0" dirty="0">
+                          <a:solidFill>
+                            <a:schemeClr val="tx1"/>
+                          </a:solidFill>
+                        </a:rPr>
+                        <a:t>Thai</a:t>
+                      </a:r>
+                    </a:p>
+                    <a:p>
+                      <a:pPr marL="285750" indent="-285750">
+                        <a:buFont typeface="Arial" panose="020B0604020202020204" pitchFamily="34" charset="0"/>
+                        <a:buChar char="•"/>
+                      </a:pPr>
+                      <a:r>
+                        <a:rPr lang="en-US" sz="1400" b="0" dirty="0">
+                          <a:solidFill>
+                            <a:schemeClr val="tx1"/>
+                          </a:solidFill>
+                        </a:rPr>
+                        <a:t>Greek</a:t>
+                      </a:r>
+                    </a:p>
+                  </a:txBody>
+                  <a:tcPr>
+                    <a:solidFill>
+                      <a:schemeClr val="bg1"/>
+                    </a:solidFill>
+                  </a:tcPr>
+                </a:tc>
+                <a:tc>
+                  <a:txBody>
+                    <a:bodyPr/>
+                    <a:lstStyle/>
+                    <a:p>
+                      <a:pPr marL="285750" indent="-285750">
+                        <a:buFont typeface="Arial" panose="020B0604020202020204" pitchFamily="34" charset="0"/>
+                        <a:buChar char="•"/>
+                      </a:pPr>
+                      <a:r>
+                        <a:rPr lang="en-US" sz="1400" b="0" dirty="0">
+                          <a:solidFill>
+                            <a:schemeClr val="tx1"/>
+                          </a:solidFill>
+                        </a:rPr>
+                        <a:t>Indian</a:t>
+                      </a:r>
+                    </a:p>
+                    <a:p>
+                      <a:pPr marL="285750" indent="-285750">
+                        <a:buFont typeface="Arial" panose="020B0604020202020204" pitchFamily="34" charset="0"/>
+                        <a:buChar char="•"/>
+                      </a:pPr>
+                      <a:r>
+                        <a:rPr lang="en-US" sz="1400" b="0" dirty="0">
+                          <a:solidFill>
+                            <a:schemeClr val="tx1"/>
+                          </a:solidFill>
+                        </a:rPr>
+                        <a:t>French</a:t>
+                      </a:r>
+                    </a:p>
+                    <a:p>
+                      <a:pPr marL="285750" indent="-285750">
+                        <a:buFont typeface="Arial" panose="020B0604020202020204" pitchFamily="34" charset="0"/>
+                        <a:buChar char="•"/>
+                      </a:pPr>
+                      <a:r>
+                        <a:rPr lang="en-US" sz="1400" b="0" dirty="0">
+                          <a:solidFill>
+                            <a:schemeClr val="tx1"/>
+                          </a:solidFill>
+                        </a:rPr>
+                        <a:t>Vietnamese </a:t>
+                      </a:r>
+                    </a:p>
+                  </a:txBody>
+                  <a:tcPr>
+                    <a:solidFill>
+                      <a:schemeClr val="bg1"/>
+                    </a:solidFill>
+                  </a:tcPr>
+                </a:tc>
+                <a:extLst>
+                  <a:ext uri="{0D108BD9-81ED-4DB2-BD59-A6C34878D82A}">
+                    <a16:rowId xmlns:a16="http://schemas.microsoft.com/office/drawing/2014/main" val="2085697214"/>
+                  </a:ext>
+                </a:extLst>
+              </a:tr>
+            </a:tbl>
+          </a:graphicData>
+        </a:graphic>
+      </p:graphicFrame>
     </p:spTree>
     <p:extLst>
       <p:ext uri="{BB962C8B-B14F-4D97-AF65-F5344CB8AC3E}">
@@ -25297,7 +26034,7 @@
 </p:sld>
 </file>
 
-<file path=ppt/slides/slide5.xml><?xml version="1.0" encoding="utf-8"?>
+<file path=ppt/slides/slide6.xml><?xml version="1.0" encoding="utf-8"?>
 <p:sld xmlns:a="http://schemas.openxmlformats.org/drawingml/2006/main" xmlns:r="http://schemas.openxmlformats.org/officeDocument/2006/relationships" xmlns:p="http://schemas.openxmlformats.org/presentationml/2006/main">
   <p:cSld>
     <p:spTree>
@@ -25443,7 +26180,7 @@
 </p:sld>
 </file>
 
-<file path=ppt/slides/slide6.xml><?xml version="1.0" encoding="utf-8"?>
+<file path=ppt/slides/slide7.xml><?xml version="1.0" encoding="utf-8"?>
 <p:sld xmlns:a="http://schemas.openxmlformats.org/drawingml/2006/main" xmlns:r="http://schemas.openxmlformats.org/officeDocument/2006/relationships" xmlns:p="http://schemas.openxmlformats.org/presentationml/2006/main">
   <p:cSld>
     <p:spTree>
@@ -26380,7 +27117,7 @@
 </p:sld>
 </file>
 
-<file path=ppt/slides/slide7.xml><?xml version="1.0" encoding="utf-8"?>
+<file path=ppt/slides/slide8.xml><?xml version="1.0" encoding="utf-8"?>
 <p:sld xmlns:a="http://schemas.openxmlformats.org/drawingml/2006/main" xmlns:r="http://schemas.openxmlformats.org/officeDocument/2006/relationships" xmlns:p="http://schemas.openxmlformats.org/presentationml/2006/main">
   <p:cSld>
     <p:spTree>
@@ -26495,7 +27232,7 @@
         <p:spPr>
           <a:xfrm>
             <a:off x="972152" y="1164663"/>
-            <a:ext cx="6585634" cy="4524315"/>
+            <a:ext cx="6585634" cy="5632311"/>
           </a:xfrm>
           <a:prstGeom prst="rect">
             <a:avLst/>
@@ -26537,6 +27274,35 @@
           <a:p>
             <a:r>
               <a:rPr lang="en-US" dirty="0"/>
+              <a:t>Restaurant information:</a:t>
+            </a:r>
+          </a:p>
+          <a:p>
+            <a:pPr marL="285750" indent="-285750">
+              <a:buFont typeface="Arial" panose="020B0604020202020204" pitchFamily="34" charset="0"/>
+              <a:buChar char="•"/>
+            </a:pPr>
+            <a:r>
+              <a:rPr lang="en-US" dirty="0"/>
+              <a:t>Name</a:t>
+            </a:r>
+          </a:p>
+          <a:p>
+            <a:pPr marL="285750" indent="-285750">
+              <a:buFont typeface="Arial" panose="020B0604020202020204" pitchFamily="34" charset="0"/>
+              <a:buChar char="•"/>
+            </a:pPr>
+            <a:r>
+              <a:rPr lang="en-US" dirty="0"/>
+              <a:t>Address</a:t>
+            </a:r>
+          </a:p>
+          <a:p>
+            <a:endParaRPr lang="en-US" dirty="0"/>
+          </a:p>
+          <a:p>
+            <a:r>
+              <a:rPr lang="en-US" dirty="0"/>
               <a:t>Potential add-on: </a:t>
             </a:r>
           </a:p>
@@ -26567,7 +27333,7 @@
             </a:pPr>
             <a:r>
               <a:rPr lang="en-US" dirty="0"/>
-              <a:t>List the address of each restaurants</a:t>
+              <a:t>Clicking address navigates user to Google map </a:t>
             </a:r>
           </a:p>
           <a:p>
@@ -26794,18 +27560,13 @@
           </a:p>
           <a:p>
             <a:r>
-              <a:rPr lang="en-US" u="sng" dirty="0" err="1">
+              <a:rPr lang="en-US" u="sng" dirty="0">
                 <a:solidFill>
                   <a:srgbClr val="00B0F0"/>
                 </a:solidFill>
               </a:rPr>
-              <a:t>url</a:t>
+              <a:t>address</a:t>
             </a:r>
-            <a:endParaRPr lang="en-US" u="sng" dirty="0">
-              <a:solidFill>
-                <a:srgbClr val="00B0F0"/>
-              </a:solidFill>
-            </a:endParaRPr>
           </a:p>
         </p:txBody>
       </p:sp>
@@ -27028,18 +27789,13 @@
           </a:p>
           <a:p>
             <a:r>
-              <a:rPr lang="en-US" u="sng" dirty="0" err="1">
+              <a:rPr lang="en-US" u="sng" dirty="0">
                 <a:solidFill>
                   <a:srgbClr val="00B0F0"/>
                 </a:solidFill>
               </a:rPr>
-              <a:t>url</a:t>
+              <a:t>address</a:t>
             </a:r>
-            <a:endParaRPr lang="en-US" u="sng" dirty="0">
-              <a:solidFill>
-                <a:srgbClr val="00B0F0"/>
-              </a:solidFill>
-            </a:endParaRPr>
           </a:p>
         </p:txBody>
       </p:sp>
@@ -27078,18 +27834,13 @@
           </a:p>
           <a:p>
             <a:r>
-              <a:rPr lang="en-US" u="sng" dirty="0" err="1">
+              <a:rPr lang="en-US" u="sng" dirty="0">
                 <a:solidFill>
                   <a:srgbClr val="00B0F0"/>
                 </a:solidFill>
               </a:rPr>
-              <a:t>url</a:t>
+              <a:t>address</a:t>
             </a:r>
-            <a:endParaRPr lang="en-US" u="sng" dirty="0">
-              <a:solidFill>
-                <a:srgbClr val="00B0F0"/>
-              </a:solidFill>
-            </a:endParaRPr>
           </a:p>
         </p:txBody>
       </p:sp>
@@ -27106,7 +27857,7 @@
 </p:sld>
 </file>
 
-<file path=ppt/slides/slide8.xml><?xml version="1.0" encoding="utf-8"?>
+<file path=ppt/slides/slide9.xml><?xml version="1.0" encoding="utf-8"?>
 <p:sld xmlns:a="http://schemas.openxmlformats.org/drawingml/2006/main" xmlns:r="http://schemas.openxmlformats.org/officeDocument/2006/relationships" xmlns:p="http://schemas.openxmlformats.org/presentationml/2006/main">
   <p:cSld>
     <p:spTree>
@@ -27237,89 +27988,6 @@
     <p:extLst>
       <p:ext uri="{BB962C8B-B14F-4D97-AF65-F5344CB8AC3E}">
         <p14:creationId xmlns:p14="http://schemas.microsoft.com/office/powerpoint/2010/main" val="4193819524"/>
-      </p:ext>
-    </p:extLst>
-  </p:cSld>
-  <p:clrMapOvr>
-    <a:masterClrMapping/>
-  </p:clrMapOvr>
-</p:sld>
-</file>
-
-<file path=ppt/slides/slide9.xml><?xml version="1.0" encoding="utf-8"?>
-<p:sld xmlns:a="http://schemas.openxmlformats.org/drawingml/2006/main" xmlns:r="http://schemas.openxmlformats.org/officeDocument/2006/relationships" xmlns:p="http://schemas.openxmlformats.org/presentationml/2006/main">
-  <p:cSld>
-    <p:spTree>
-      <p:nvGrpSpPr>
-        <p:cNvPr id="1" name=""/>
-        <p:cNvGrpSpPr/>
-        <p:nvPr/>
-      </p:nvGrpSpPr>
-      <p:grpSpPr>
-        <a:xfrm>
-          <a:off x="0" y="0"/>
-          <a:ext cx="0" cy="0"/>
-          <a:chOff x="0" y="0"/>
-          <a:chExt cx="0" cy="0"/>
-        </a:xfrm>
-      </p:grpSpPr>
-      <p:sp>
-        <p:nvSpPr>
-          <p:cNvPr id="2" name="Title 1">
-            <a:extLst>
-              <a:ext uri="{FF2B5EF4-FFF2-40B4-BE49-F238E27FC236}">
-                <a16:creationId xmlns:a16="http://schemas.microsoft.com/office/drawing/2014/main" id="{44D93BD7-4801-4ABE-8FBA-1D8140CDE221}"/>
-              </a:ext>
-            </a:extLst>
-          </p:cNvPr>
-          <p:cNvSpPr>
-            <a:spLocks noGrp="1"/>
-          </p:cNvSpPr>
-          <p:nvPr>
-            <p:ph type="title"/>
-          </p:nvPr>
-        </p:nvSpPr>
-        <p:spPr/>
-        <p:txBody>
-          <a:bodyPr/>
-          <a:lstStyle/>
-          <a:p>
-            <a:r>
-              <a:rPr lang="en-US" dirty="0"/>
-              <a:t>Profile Page</a:t>
-            </a:r>
-          </a:p>
-        </p:txBody>
-      </p:sp>
-      <p:sp>
-        <p:nvSpPr>
-          <p:cNvPr id="3" name="Content Placeholder 2">
-            <a:extLst>
-              <a:ext uri="{FF2B5EF4-FFF2-40B4-BE49-F238E27FC236}">
-                <a16:creationId xmlns:a16="http://schemas.microsoft.com/office/drawing/2014/main" id="{EA832864-9A12-445E-B182-556101C75FB5}"/>
-              </a:ext>
-            </a:extLst>
-          </p:cNvPr>
-          <p:cNvSpPr>
-            <a:spLocks noGrp="1"/>
-          </p:cNvSpPr>
-          <p:nvPr>
-            <p:ph idx="1"/>
-          </p:nvPr>
-        </p:nvSpPr>
-        <p:spPr/>
-        <p:txBody>
-          <a:bodyPr/>
-          <a:lstStyle/>
-          <a:p>
-            <a:endParaRPr lang="en-US"/>
-          </a:p>
-        </p:txBody>
-      </p:sp>
-    </p:spTree>
-    <p:extLst>
-      <p:ext uri="{BB962C8B-B14F-4D97-AF65-F5344CB8AC3E}">
-        <p14:creationId xmlns:p14="http://schemas.microsoft.com/office/powerpoint/2010/main" val="1181399118"/>
       </p:ext>
     </p:extLst>
   </p:cSld>

--- a/WireFrames.pptx
+++ b/WireFrames.pptx
@@ -5,7 +5,7 @@
     <p:sldMasterId id="2147483648" r:id="rId1"/>
   </p:sldMasterIdLst>
   <p:notesMasterIdLst>
-    <p:notesMasterId r:id="rId12"/>
+    <p:notesMasterId r:id="rId13"/>
   </p:notesMasterIdLst>
   <p:sldIdLst>
     <p:sldId id="266" r:id="rId2"/>
@@ -18,6 +18,7 @@
     <p:sldId id="259" r:id="rId9"/>
     <p:sldId id="265" r:id="rId10"/>
     <p:sldId id="263" r:id="rId11"/>
+    <p:sldId id="267" r:id="rId12"/>
   </p:sldIdLst>
   <p:sldSz cx="12192000" cy="6858000"/>
   <p:notesSz cx="6858000" cy="9144000"/>
@@ -6859,7 +6860,7 @@
           <a:p>
             <a:fld id="{78229055-1BA0-4DA8-A630-2F5128FC10C0}" type="datetimeFigureOut">
               <a:rPr lang="en-US" smtClean="0"/>
-              <a:t>1/23/2020</a:t>
+              <a:t>1/25/2020</a:t>
             </a:fld>
             <a:endParaRPr lang="en-US"/>
           </a:p>
@@ -7441,7 +7442,7 @@
           <a:p>
             <a:fld id="{AA4655EA-4CC3-45E1-AF12-7E040BD34AB8}" type="datetimeFigureOut">
               <a:rPr lang="en-US" smtClean="0"/>
-              <a:t>1/23/2020</a:t>
+              <a:t>1/25/2020</a:t>
             </a:fld>
             <a:endParaRPr lang="en-US"/>
           </a:p>
@@ -7639,7 +7640,7 @@
           <a:p>
             <a:fld id="{AA4655EA-4CC3-45E1-AF12-7E040BD34AB8}" type="datetimeFigureOut">
               <a:rPr lang="en-US" smtClean="0"/>
-              <a:t>1/23/2020</a:t>
+              <a:t>1/25/2020</a:t>
             </a:fld>
             <a:endParaRPr lang="en-US"/>
           </a:p>
@@ -7847,7 +7848,7 @@
           <a:p>
             <a:fld id="{AA4655EA-4CC3-45E1-AF12-7E040BD34AB8}" type="datetimeFigureOut">
               <a:rPr lang="en-US" smtClean="0"/>
-              <a:t>1/23/2020</a:t>
+              <a:t>1/25/2020</a:t>
             </a:fld>
             <a:endParaRPr lang="en-US"/>
           </a:p>
@@ -8045,7 +8046,7 @@
           <a:p>
             <a:fld id="{AA4655EA-4CC3-45E1-AF12-7E040BD34AB8}" type="datetimeFigureOut">
               <a:rPr lang="en-US" smtClean="0"/>
-              <a:t>1/23/2020</a:t>
+              <a:t>1/25/2020</a:t>
             </a:fld>
             <a:endParaRPr lang="en-US"/>
           </a:p>
@@ -8320,7 +8321,7 @@
           <a:p>
             <a:fld id="{AA4655EA-4CC3-45E1-AF12-7E040BD34AB8}" type="datetimeFigureOut">
               <a:rPr lang="en-US" smtClean="0"/>
-              <a:t>1/23/2020</a:t>
+              <a:t>1/25/2020</a:t>
             </a:fld>
             <a:endParaRPr lang="en-US"/>
           </a:p>
@@ -8585,7 +8586,7 @@
           <a:p>
             <a:fld id="{AA4655EA-4CC3-45E1-AF12-7E040BD34AB8}" type="datetimeFigureOut">
               <a:rPr lang="en-US" smtClean="0"/>
-              <a:t>1/23/2020</a:t>
+              <a:t>1/25/2020</a:t>
             </a:fld>
             <a:endParaRPr lang="en-US"/>
           </a:p>
@@ -8997,7 +8998,7 @@
           <a:p>
             <a:fld id="{AA4655EA-4CC3-45E1-AF12-7E040BD34AB8}" type="datetimeFigureOut">
               <a:rPr lang="en-US" smtClean="0"/>
-              <a:t>1/23/2020</a:t>
+              <a:t>1/25/2020</a:t>
             </a:fld>
             <a:endParaRPr lang="en-US"/>
           </a:p>
@@ -9138,7 +9139,7 @@
           <a:p>
             <a:fld id="{AA4655EA-4CC3-45E1-AF12-7E040BD34AB8}" type="datetimeFigureOut">
               <a:rPr lang="en-US" smtClean="0"/>
-              <a:t>1/23/2020</a:t>
+              <a:t>1/25/2020</a:t>
             </a:fld>
             <a:endParaRPr lang="en-US"/>
           </a:p>
@@ -9251,7 +9252,7 @@
           <a:p>
             <a:fld id="{AA4655EA-4CC3-45E1-AF12-7E040BD34AB8}" type="datetimeFigureOut">
               <a:rPr lang="en-US" smtClean="0"/>
-              <a:t>1/23/2020</a:t>
+              <a:t>1/25/2020</a:t>
             </a:fld>
             <a:endParaRPr lang="en-US"/>
           </a:p>
@@ -9562,7 +9563,7 @@
           <a:p>
             <a:fld id="{AA4655EA-4CC3-45E1-AF12-7E040BD34AB8}" type="datetimeFigureOut">
               <a:rPr lang="en-US" smtClean="0"/>
-              <a:t>1/23/2020</a:t>
+              <a:t>1/25/2020</a:t>
             </a:fld>
             <a:endParaRPr lang="en-US"/>
           </a:p>
@@ -9850,7 +9851,7 @@
           <a:p>
             <a:fld id="{AA4655EA-4CC3-45E1-AF12-7E040BD34AB8}" type="datetimeFigureOut">
               <a:rPr lang="en-US" smtClean="0"/>
-              <a:t>1/23/2020</a:t>
+              <a:t>1/25/2020</a:t>
             </a:fld>
             <a:endParaRPr lang="en-US"/>
           </a:p>
@@ -10091,7 +10092,7 @@
           <a:p>
             <a:fld id="{AA4655EA-4CC3-45E1-AF12-7E040BD34AB8}" type="datetimeFigureOut">
               <a:rPr lang="en-US" smtClean="0"/>
-              <a:t>1/23/2020</a:t>
+              <a:t>1/25/2020</a:t>
             </a:fld>
             <a:endParaRPr lang="en-US"/>
           </a:p>
@@ -11002,6 +11003,14 @@
 <file path=ppt/slides/slide10.xml><?xml version="1.0" encoding="utf-8"?>
 <p:sld xmlns:a="http://schemas.openxmlformats.org/drawingml/2006/main" xmlns:r="http://schemas.openxmlformats.org/officeDocument/2006/relationships" xmlns:p="http://schemas.openxmlformats.org/presentationml/2006/main">
   <p:cSld>
+    <p:bg>
+      <p:bgPr>
+        <a:solidFill>
+          <a:schemeClr val="bg1"/>
+        </a:solidFill>
+        <a:effectLst/>
+      </p:bgPr>
+    </p:bg>
     <p:spTree>
       <p:nvGrpSpPr>
         <p:cNvPr id="1" name=""/>
@@ -11018,6 +11027,136 @@
       </p:grpSpPr>
       <p:sp>
         <p:nvSpPr>
+          <p:cNvPr id="8" name="Rectangle 7">
+            <a:extLst>
+              <a:ext uri="{FF2B5EF4-FFF2-40B4-BE49-F238E27FC236}">
+                <a16:creationId xmlns:a16="http://schemas.microsoft.com/office/drawing/2014/main" id="{4351DFE5-F63D-4BE0-BDA9-E3EB88F01AA5}"/>
+              </a:ext>
+              <a:ext uri="{C183D7F6-B498-43B3-948B-1728B52AA6E4}">
+                <adec:decorative xmlns:adec="http://schemas.microsoft.com/office/drawing/2017/decorative" val="1"/>
+              </a:ext>
+            </a:extLst>
+          </p:cNvPr>
+          <p:cNvSpPr>
+            <a:spLocks noGrp="1" noRot="1" noChangeAspect="1" noMove="1" noResize="1" noEditPoints="1" noAdjustHandles="1" noChangeArrowheads="1" noChangeShapeType="1" noTextEdit="1"/>
+          </p:cNvSpPr>
+          <p:nvPr>
+            <p:extLst>
+              <p:ext uri="{386F3935-93C4-4BCD-93E2-E3B085C9AB24}">
+                <p16:designElem xmlns:p16="http://schemas.microsoft.com/office/powerpoint/2015/main" val="1"/>
+              </p:ext>
+            </p:extLst>
+          </p:nvPr>
+        </p:nvSpPr>
+        <p:spPr>
+          <a:xfrm>
+            <a:off x="355601" y="0"/>
+            <a:ext cx="11480494" cy="2753936"/>
+          </a:xfrm>
+          <a:prstGeom prst="rect">
+            <a:avLst/>
+          </a:prstGeom>
+          <a:gradFill>
+            <a:gsLst>
+              <a:gs pos="0">
+                <a:schemeClr val="accent1">
+                  <a:lumMod val="90000"/>
+                </a:schemeClr>
+              </a:gs>
+              <a:gs pos="25000">
+                <a:schemeClr val="accent1">
+                  <a:lumMod val="90000"/>
+                </a:schemeClr>
+              </a:gs>
+              <a:gs pos="94000">
+                <a:schemeClr val="bg2">
+                  <a:lumMod val="25000"/>
+                </a:schemeClr>
+              </a:gs>
+              <a:gs pos="100000">
+                <a:schemeClr val="bg2">
+                  <a:lumMod val="25000"/>
+                </a:schemeClr>
+              </a:gs>
+            </a:gsLst>
+            <a:lin ang="4200000" scaled="0"/>
+          </a:gradFill>
+          <a:ln>
+            <a:noFill/>
+          </a:ln>
+        </p:spPr>
+        <p:style>
+          <a:lnRef idx="2">
+            <a:schemeClr val="accent1">
+              <a:shade val="50000"/>
+            </a:schemeClr>
+          </a:lnRef>
+          <a:fillRef idx="1">
+            <a:schemeClr val="accent1"/>
+          </a:fillRef>
+          <a:effectRef idx="0">
+            <a:schemeClr val="accent1"/>
+          </a:effectRef>
+          <a:fontRef idx="minor">
+            <a:schemeClr val="lt1"/>
+          </a:fontRef>
+        </p:style>
+        <p:txBody>
+          <a:bodyPr rtlCol="0" anchor="ctr"/>
+          <a:lstStyle/>
+          <a:p>
+            <a:pPr algn="ctr"/>
+            <a:endParaRPr lang="en-US"/>
+          </a:p>
+        </p:txBody>
+      </p:sp>
+      <p:pic>
+        <p:nvPicPr>
+          <p:cNvPr id="10" name="Picture 9">
+            <a:extLst>
+              <a:ext uri="{FF2B5EF4-FFF2-40B4-BE49-F238E27FC236}">
+                <a16:creationId xmlns:a16="http://schemas.microsoft.com/office/drawing/2014/main" id="{3AA16612-ACD2-4A16-8F2B-4514FD6BF28F}"/>
+              </a:ext>
+              <a:ext uri="{C183D7F6-B498-43B3-948B-1728B52AA6E4}">
+                <adec:decorative xmlns:adec="http://schemas.microsoft.com/office/drawing/2017/decorative" val="1"/>
+              </a:ext>
+            </a:extLst>
+          </p:cNvPr>
+          <p:cNvPicPr>
+            <a:picLocks noGrp="1" noRot="1" noChangeAspect="1" noMove="1" noResize="1" noEditPoints="1" noAdjustHandles="1" noChangeArrowheads="1" noChangeShapeType="1" noCrop="1"/>
+          </p:cNvPicPr>
+          <p:nvPr>
+            <p:extLst>
+              <p:ext uri="{386F3935-93C4-4BCD-93E2-E3B085C9AB24}">
+                <p16:designElem xmlns:p16="http://schemas.microsoft.com/office/powerpoint/2015/main" val="1"/>
+              </p:ext>
+            </p:extLst>
+          </p:nvPr>
+        </p:nvPicPr>
+        <p:blipFill>
+          <a:blip r:embed="rId2">
+            <a:extLst>
+              <a:ext uri="{28A0092B-C50C-407E-A947-70E740481C1C}">
+                <a14:useLocalDpi xmlns:a14="http://schemas.microsoft.com/office/drawing/2010/main" val="0"/>
+              </a:ext>
+            </a:extLst>
+          </a:blip>
+          <a:stretch>
+            <a:fillRect/>
+          </a:stretch>
+        </p:blipFill>
+        <p:spPr>
+          <a:xfrm>
+            <a:off x="0" y="0"/>
+            <a:ext cx="12192000" cy="6858000"/>
+          </a:xfrm>
+          <a:prstGeom prst="rect">
+            <a:avLst/>
+          </a:prstGeom>
+        </p:spPr>
+      </p:pic>
+      <p:sp>
+        <p:nvSpPr>
           <p:cNvPr id="2" name="Title 1">
             <a:extLst>
               <a:ext uri="{FF2B5EF4-FFF2-40B4-BE49-F238E27FC236}">
@@ -11032,14 +11171,26 @@
             <p:ph type="title"/>
           </p:nvPr>
         </p:nvSpPr>
-        <p:spPr/>
+        <p:spPr>
+          <a:xfrm>
+            <a:off x="1179226" y="826680"/>
+            <a:ext cx="9833548" cy="1325563"/>
+          </a:xfrm>
+        </p:spPr>
         <p:txBody>
-          <a:bodyPr/>
+          <a:bodyPr>
+            <a:normAutofit/>
+          </a:bodyPr>
           <a:lstStyle/>
           <a:p>
+            <a:pPr algn="ctr"/>
             <a:r>
-              <a:rPr lang="en-US" dirty="0"/>
-              <a:t>Profile Page</a:t>
+              <a:rPr lang="en-US" sz="4000" dirty="0">
+                <a:solidFill>
+                  <a:srgbClr val="FFFFFF"/>
+                </a:solidFill>
+              </a:rPr>
+              <a:t>LEARNINGS</a:t>
             </a:r>
           </a:p>
         </p:txBody>
@@ -11060,12 +11211,23 @@
             <p:ph idx="1"/>
           </p:nvPr>
         </p:nvSpPr>
-        <p:spPr/>
+        <p:spPr>
+          <a:xfrm>
+            <a:off x="1179226" y="3092970"/>
+            <a:ext cx="9833548" cy="2693976"/>
+          </a:xfrm>
+        </p:spPr>
         <p:txBody>
-          <a:bodyPr/>
+          <a:bodyPr>
+            <a:normAutofit/>
+          </a:bodyPr>
           <a:lstStyle/>
           <a:p>
-            <a:endParaRPr lang="en-US"/>
+            <a:endParaRPr lang="en-US" sz="2000" dirty="0">
+              <a:solidFill>
+                <a:srgbClr val="000000"/>
+              </a:solidFill>
+            </a:endParaRPr>
           </a:p>
         </p:txBody>
       </p:sp>
@@ -11073,6 +11235,668 @@
     <p:extLst>
       <p:ext uri="{BB962C8B-B14F-4D97-AF65-F5344CB8AC3E}">
         <p14:creationId xmlns:p14="http://schemas.microsoft.com/office/powerpoint/2010/main" val="1181399118"/>
+      </p:ext>
+    </p:extLst>
+  </p:cSld>
+  <p:clrMapOvr>
+    <a:masterClrMapping/>
+  </p:clrMapOvr>
+</p:sld>
+</file>
+
+<file path=ppt/slides/slide11.xml><?xml version="1.0" encoding="utf-8"?>
+<p:sld xmlns:a="http://schemas.openxmlformats.org/drawingml/2006/main" xmlns:r="http://schemas.openxmlformats.org/officeDocument/2006/relationships" xmlns:p="http://schemas.openxmlformats.org/presentationml/2006/main">
+  <p:cSld>
+    <p:bg>
+      <p:bgPr>
+        <a:solidFill>
+          <a:schemeClr val="bg1"/>
+        </a:solidFill>
+        <a:effectLst/>
+      </p:bgPr>
+    </p:bg>
+    <p:spTree>
+      <p:nvGrpSpPr>
+        <p:cNvPr id="1" name=""/>
+        <p:cNvGrpSpPr/>
+        <p:nvPr/>
+      </p:nvGrpSpPr>
+      <p:grpSpPr>
+        <a:xfrm>
+          <a:off x="0" y="0"/>
+          <a:ext cx="0" cy="0"/>
+          <a:chOff x="0" y="0"/>
+          <a:chExt cx="0" cy="0"/>
+        </a:xfrm>
+      </p:grpSpPr>
+      <p:pic>
+        <p:nvPicPr>
+          <p:cNvPr id="4" name="Content Placeholder 3">
+            <a:extLst>
+              <a:ext uri="{FF2B5EF4-FFF2-40B4-BE49-F238E27FC236}">
+                <a16:creationId xmlns:a16="http://schemas.microsoft.com/office/drawing/2014/main" id="{C833557D-996D-45C2-8EF6-F4299D5A9349}"/>
+              </a:ext>
+            </a:extLst>
+          </p:cNvPr>
+          <p:cNvPicPr>
+            <a:picLocks noGrp="1" noChangeAspect="1"/>
+          </p:cNvPicPr>
+          <p:nvPr>
+            <p:ph idx="1"/>
+          </p:nvPr>
+        </p:nvPicPr>
+        <p:blipFill rotWithShape="1">
+          <a:blip r:embed="rId2"/>
+          <a:srcRect t="23347" r="-1" b="10057"/>
+          <a:stretch/>
+        </p:blipFill>
+        <p:spPr>
+          <a:xfrm>
+            <a:off x="20" y="10"/>
+            <a:ext cx="12009284" cy="6857990"/>
+          </a:xfrm>
+          <a:custGeom>
+            <a:avLst/>
+            <a:gdLst>
+              <a:gd name="connsiteX0" fmla="*/ 8239723 w 12009304"/>
+              <a:gd name="connsiteY0" fmla="*/ 5083103 h 6858000"/>
+              <a:gd name="connsiteX1" fmla="*/ 9505105 w 12009304"/>
+              <a:gd name="connsiteY1" fmla="*/ 5083103 h 6858000"/>
+              <a:gd name="connsiteX2" fmla="*/ 9564676 w 12009304"/>
+              <a:gd name="connsiteY2" fmla="*/ 5091016 h 6858000"/>
+              <a:gd name="connsiteX3" fmla="*/ 9605648 w 12009304"/>
+              <a:gd name="connsiteY3" fmla="*/ 5108194 h 6858000"/>
+              <a:gd name="connsiteX4" fmla="*/ 9580608 w 12009304"/>
+              <a:gd name="connsiteY4" fmla="*/ 5151499 h 6858000"/>
+              <a:gd name="connsiteX5" fmla="*/ 8693486 w 12009304"/>
+              <a:gd name="connsiteY5" fmla="*/ 6685800 h 6858000"/>
+              <a:gd name="connsiteX6" fmla="*/ 8595419 w 12009304"/>
+              <a:gd name="connsiteY6" fmla="*/ 6814017 h 6858000"/>
+              <a:gd name="connsiteX7" fmla="*/ 8545620 w 12009304"/>
+              <a:gd name="connsiteY7" fmla="*/ 6858000 h 6858000"/>
+              <a:gd name="connsiteX8" fmla="*/ 7612173 w 12009304"/>
+              <a:gd name="connsiteY8" fmla="*/ 6858000 h 6858000"/>
+              <a:gd name="connsiteX9" fmla="*/ 7591825 w 12009304"/>
+              <a:gd name="connsiteY9" fmla="*/ 6822959 h 6858000"/>
+              <a:gd name="connsiteX10" fmla="*/ 7411622 w 12009304"/>
+              <a:gd name="connsiteY10" fmla="*/ 6512633 h 6858000"/>
+              <a:gd name="connsiteX11" fmla="*/ 7411622 w 12009304"/>
+              <a:gd name="connsiteY11" fmla="*/ 6289354 h 6858000"/>
+              <a:gd name="connsiteX12" fmla="*/ 8045680 w 12009304"/>
+              <a:gd name="connsiteY12" fmla="*/ 5197465 h 6858000"/>
+              <a:gd name="connsiteX13" fmla="*/ 8239723 w 12009304"/>
+              <a:gd name="connsiteY13" fmla="*/ 5083103 h 6858000"/>
+              <a:gd name="connsiteX14" fmla="*/ 10622296 w 12009304"/>
+              <a:gd name="connsiteY14" fmla="*/ 1326563 h 6858000"/>
+              <a:gd name="connsiteX15" fmla="*/ 11448522 w 12009304"/>
+              <a:gd name="connsiteY15" fmla="*/ 1326563 h 6858000"/>
+              <a:gd name="connsiteX16" fmla="*/ 11577006 w 12009304"/>
+              <a:gd name="connsiteY16" fmla="*/ 1401233 h 6858000"/>
+              <a:gd name="connsiteX17" fmla="*/ 11989228 w 12009304"/>
+              <a:gd name="connsiteY17" fmla="*/ 2114179 h 6858000"/>
+              <a:gd name="connsiteX18" fmla="*/ 11989228 w 12009304"/>
+              <a:gd name="connsiteY18" fmla="*/ 2259969 h 6858000"/>
+              <a:gd name="connsiteX19" fmla="*/ 11577006 w 12009304"/>
+              <a:gd name="connsiteY19" fmla="*/ 2972914 h 6858000"/>
+              <a:gd name="connsiteX20" fmla="*/ 11448522 w 12009304"/>
+              <a:gd name="connsiteY20" fmla="*/ 3047587 h 6858000"/>
+              <a:gd name="connsiteX21" fmla="*/ 10622296 w 12009304"/>
+              <a:gd name="connsiteY21" fmla="*/ 3047587 h 6858000"/>
+              <a:gd name="connsiteX22" fmla="*/ 10495594 w 12009304"/>
+              <a:gd name="connsiteY22" fmla="*/ 2972914 h 6858000"/>
+              <a:gd name="connsiteX23" fmla="*/ 10081589 w 12009304"/>
+              <a:gd name="connsiteY23" fmla="*/ 2259969 h 6858000"/>
+              <a:gd name="connsiteX24" fmla="*/ 10081589 w 12009304"/>
+              <a:gd name="connsiteY24" fmla="*/ 2114179 h 6858000"/>
+              <a:gd name="connsiteX25" fmla="*/ 10495594 w 12009304"/>
+              <a:gd name="connsiteY25" fmla="*/ 1401233 h 6858000"/>
+              <a:gd name="connsiteX26" fmla="*/ 10622296 w 12009304"/>
+              <a:gd name="connsiteY26" fmla="*/ 1326563 h 6858000"/>
+              <a:gd name="connsiteX27" fmla="*/ 0 w 12009304"/>
+              <a:gd name="connsiteY27" fmla="*/ 0 h 6858000"/>
+              <a:gd name="connsiteX28" fmla="*/ 4457990 w 12009304"/>
+              <a:gd name="connsiteY28" fmla="*/ 0 h 6858000"/>
+              <a:gd name="connsiteX29" fmla="*/ 5902610 w 12009304"/>
+              <a:gd name="connsiteY29" fmla="*/ 0 h 6858000"/>
+              <a:gd name="connsiteX30" fmla="*/ 8476869 w 12009304"/>
+              <a:gd name="connsiteY30" fmla="*/ 0 h 6858000"/>
+              <a:gd name="connsiteX31" fmla="*/ 8535933 w 12009304"/>
+              <a:gd name="connsiteY31" fmla="*/ 39849 h 6858000"/>
+              <a:gd name="connsiteX32" fmla="*/ 8693486 w 12009304"/>
+              <a:gd name="connsiteY32" fmla="*/ 220603 h 6858000"/>
+              <a:gd name="connsiteX33" fmla="*/ 10389180 w 12009304"/>
+              <a:gd name="connsiteY33" fmla="*/ 3153347 h 6858000"/>
+              <a:gd name="connsiteX34" fmla="*/ 10389180 w 12009304"/>
+              <a:gd name="connsiteY34" fmla="*/ 3753061 h 6858000"/>
+              <a:gd name="connsiteX35" fmla="*/ 9759557 w 12009304"/>
+              <a:gd name="connsiteY35" fmla="*/ 4842009 h 6858000"/>
+              <a:gd name="connsiteX36" fmla="*/ 9706493 w 12009304"/>
+              <a:gd name="connsiteY36" fmla="*/ 4933778 h 6858000"/>
+              <a:gd name="connsiteX37" fmla="*/ 9708360 w 12009304"/>
+              <a:gd name="connsiteY37" fmla="*/ 4934561 h 6858000"/>
+              <a:gd name="connsiteX38" fmla="*/ 9802002 w 12009304"/>
+              <a:gd name="connsiteY38" fmla="*/ 5029008 h 6858000"/>
+              <a:gd name="connsiteX39" fmla="*/ 10514131 w 12009304"/>
+              <a:gd name="connsiteY39" fmla="*/ 6260653 h 6858000"/>
+              <a:gd name="connsiteX40" fmla="*/ 10514131 w 12009304"/>
+              <a:gd name="connsiteY40" fmla="*/ 6512512 h 6858000"/>
+              <a:gd name="connsiteX41" fmla="*/ 10340271 w 12009304"/>
+              <a:gd name="connsiteY41" fmla="*/ 6813206 h 6858000"/>
+              <a:gd name="connsiteX42" fmla="*/ 10314372 w 12009304"/>
+              <a:gd name="connsiteY42" fmla="*/ 6858000 h 6858000"/>
+              <a:gd name="connsiteX43" fmla="*/ 10119136 w 12009304"/>
+              <a:gd name="connsiteY43" fmla="*/ 6858000 h 6858000"/>
+              <a:gd name="connsiteX44" fmla="*/ 10122008 w 12009304"/>
+              <a:gd name="connsiteY44" fmla="*/ 6853033 h 6858000"/>
+              <a:gd name="connsiteX45" fmla="*/ 10327158 w 12009304"/>
+              <a:gd name="connsiteY45" fmla="*/ 6498223 h 6858000"/>
+              <a:gd name="connsiteX46" fmla="*/ 10327158 w 12009304"/>
+              <a:gd name="connsiteY46" fmla="*/ 6274942 h 6858000"/>
+              <a:gd name="connsiteX47" fmla="*/ 9695832 w 12009304"/>
+              <a:gd name="connsiteY47" fmla="*/ 5183053 h 6858000"/>
+              <a:gd name="connsiteX48" fmla="*/ 9612819 w 12009304"/>
+              <a:gd name="connsiteY48" fmla="*/ 5099323 h 6858000"/>
+              <a:gd name="connsiteX49" fmla="*/ 9603213 w 12009304"/>
+              <a:gd name="connsiteY49" fmla="*/ 5095298 h 6858000"/>
+              <a:gd name="connsiteX50" fmla="*/ 9654707 w 12009304"/>
+              <a:gd name="connsiteY50" fmla="*/ 5006238 h 6858000"/>
+              <a:gd name="connsiteX51" fmla="*/ 9693004 w 12009304"/>
+              <a:gd name="connsiteY51" fmla="*/ 4940002 h 6858000"/>
+              <a:gd name="connsiteX52" fmla="*/ 9653283 w 12009304"/>
+              <a:gd name="connsiteY52" fmla="*/ 4923348 h 6858000"/>
+              <a:gd name="connsiteX53" fmla="*/ 9586087 w 12009304"/>
+              <a:gd name="connsiteY53" fmla="*/ 4914420 h 6858000"/>
+              <a:gd name="connsiteX54" fmla="*/ 8158743 w 12009304"/>
+              <a:gd name="connsiteY54" fmla="*/ 4914420 h 6858000"/>
+              <a:gd name="connsiteX55" fmla="*/ 7939863 w 12009304"/>
+              <a:gd name="connsiteY55" fmla="*/ 5043420 h 6858000"/>
+              <a:gd name="connsiteX56" fmla="*/ 7224650 w 12009304"/>
+              <a:gd name="connsiteY56" fmla="*/ 6275065 h 6858000"/>
+              <a:gd name="connsiteX57" fmla="*/ 7224650 w 12009304"/>
+              <a:gd name="connsiteY57" fmla="*/ 6526922 h 6858000"/>
+              <a:gd name="connsiteX58" fmla="*/ 7350544 w 12009304"/>
+              <a:gd name="connsiteY58" fmla="*/ 6743723 h 6858000"/>
+              <a:gd name="connsiteX59" fmla="*/ 7416905 w 12009304"/>
+              <a:gd name="connsiteY59" fmla="*/ 6858000 h 6858000"/>
+              <a:gd name="connsiteX60" fmla="*/ 5902610 w 12009304"/>
+              <a:gd name="connsiteY60" fmla="*/ 6858000 h 6858000"/>
+              <a:gd name="connsiteX61" fmla="*/ 4389358 w 12009304"/>
+              <a:gd name="connsiteY61" fmla="*/ 6858000 h 6858000"/>
+              <a:gd name="connsiteX62" fmla="*/ 0 w 12009304"/>
+              <a:gd name="connsiteY62" fmla="*/ 6858000 h 6858000"/>
+            </a:gdLst>
+            <a:ahLst/>
+            <a:cxnLst>
+              <a:cxn ang="0">
+                <a:pos x="connsiteX0" y="connsiteY0"/>
+              </a:cxn>
+              <a:cxn ang="0">
+                <a:pos x="connsiteX1" y="connsiteY1"/>
+              </a:cxn>
+              <a:cxn ang="0">
+                <a:pos x="connsiteX2" y="connsiteY2"/>
+              </a:cxn>
+              <a:cxn ang="0">
+                <a:pos x="connsiteX3" y="connsiteY3"/>
+              </a:cxn>
+              <a:cxn ang="0">
+                <a:pos x="connsiteX4" y="connsiteY4"/>
+              </a:cxn>
+              <a:cxn ang="0">
+                <a:pos x="connsiteX5" y="connsiteY5"/>
+              </a:cxn>
+              <a:cxn ang="0">
+                <a:pos x="connsiteX6" y="connsiteY6"/>
+              </a:cxn>
+              <a:cxn ang="0">
+                <a:pos x="connsiteX7" y="connsiteY7"/>
+              </a:cxn>
+              <a:cxn ang="0">
+                <a:pos x="connsiteX8" y="connsiteY8"/>
+              </a:cxn>
+              <a:cxn ang="0">
+                <a:pos x="connsiteX9" y="connsiteY9"/>
+              </a:cxn>
+              <a:cxn ang="0">
+                <a:pos x="connsiteX10" y="connsiteY10"/>
+              </a:cxn>
+              <a:cxn ang="0">
+                <a:pos x="connsiteX11" y="connsiteY11"/>
+              </a:cxn>
+              <a:cxn ang="0">
+                <a:pos x="connsiteX12" y="connsiteY12"/>
+              </a:cxn>
+              <a:cxn ang="0">
+                <a:pos x="connsiteX13" y="connsiteY13"/>
+              </a:cxn>
+              <a:cxn ang="0">
+                <a:pos x="connsiteX14" y="connsiteY14"/>
+              </a:cxn>
+              <a:cxn ang="0">
+                <a:pos x="connsiteX15" y="connsiteY15"/>
+              </a:cxn>
+              <a:cxn ang="0">
+                <a:pos x="connsiteX16" y="connsiteY16"/>
+              </a:cxn>
+              <a:cxn ang="0">
+                <a:pos x="connsiteX17" y="connsiteY17"/>
+              </a:cxn>
+              <a:cxn ang="0">
+                <a:pos x="connsiteX18" y="connsiteY18"/>
+              </a:cxn>
+              <a:cxn ang="0">
+                <a:pos x="connsiteX19" y="connsiteY19"/>
+              </a:cxn>
+              <a:cxn ang="0">
+                <a:pos x="connsiteX20" y="connsiteY20"/>
+              </a:cxn>
+              <a:cxn ang="0">
+                <a:pos x="connsiteX21" y="connsiteY21"/>
+              </a:cxn>
+              <a:cxn ang="0">
+                <a:pos x="connsiteX22" y="connsiteY22"/>
+              </a:cxn>
+              <a:cxn ang="0">
+                <a:pos x="connsiteX23" y="connsiteY23"/>
+              </a:cxn>
+              <a:cxn ang="0">
+                <a:pos x="connsiteX24" y="connsiteY24"/>
+              </a:cxn>
+              <a:cxn ang="0">
+                <a:pos x="connsiteX25" y="connsiteY25"/>
+              </a:cxn>
+              <a:cxn ang="0">
+                <a:pos x="connsiteX26" y="connsiteY26"/>
+              </a:cxn>
+              <a:cxn ang="0">
+                <a:pos x="connsiteX27" y="connsiteY27"/>
+              </a:cxn>
+              <a:cxn ang="0">
+                <a:pos x="connsiteX28" y="connsiteY28"/>
+              </a:cxn>
+              <a:cxn ang="0">
+                <a:pos x="connsiteX29" y="connsiteY29"/>
+              </a:cxn>
+              <a:cxn ang="0">
+                <a:pos x="connsiteX30" y="connsiteY30"/>
+              </a:cxn>
+              <a:cxn ang="0">
+                <a:pos x="connsiteX31" y="connsiteY31"/>
+              </a:cxn>
+              <a:cxn ang="0">
+                <a:pos x="connsiteX32" y="connsiteY32"/>
+              </a:cxn>
+              <a:cxn ang="0">
+                <a:pos x="connsiteX33" y="connsiteY33"/>
+              </a:cxn>
+              <a:cxn ang="0">
+                <a:pos x="connsiteX34" y="connsiteY34"/>
+              </a:cxn>
+              <a:cxn ang="0">
+                <a:pos x="connsiteX35" y="connsiteY35"/>
+              </a:cxn>
+              <a:cxn ang="0">
+                <a:pos x="connsiteX36" y="connsiteY36"/>
+              </a:cxn>
+              <a:cxn ang="0">
+                <a:pos x="connsiteX37" y="connsiteY37"/>
+              </a:cxn>
+              <a:cxn ang="0">
+                <a:pos x="connsiteX38" y="connsiteY38"/>
+              </a:cxn>
+              <a:cxn ang="0">
+                <a:pos x="connsiteX39" y="connsiteY39"/>
+              </a:cxn>
+              <a:cxn ang="0">
+                <a:pos x="connsiteX40" y="connsiteY40"/>
+              </a:cxn>
+              <a:cxn ang="0">
+                <a:pos x="connsiteX41" y="connsiteY41"/>
+              </a:cxn>
+              <a:cxn ang="0">
+                <a:pos x="connsiteX42" y="connsiteY42"/>
+              </a:cxn>
+              <a:cxn ang="0">
+                <a:pos x="connsiteX43" y="connsiteY43"/>
+              </a:cxn>
+              <a:cxn ang="0">
+                <a:pos x="connsiteX44" y="connsiteY44"/>
+              </a:cxn>
+              <a:cxn ang="0">
+                <a:pos x="connsiteX45" y="connsiteY45"/>
+              </a:cxn>
+              <a:cxn ang="0">
+                <a:pos x="connsiteX46" y="connsiteY46"/>
+              </a:cxn>
+              <a:cxn ang="0">
+                <a:pos x="connsiteX47" y="connsiteY47"/>
+              </a:cxn>
+              <a:cxn ang="0">
+                <a:pos x="connsiteX48" y="connsiteY48"/>
+              </a:cxn>
+              <a:cxn ang="0">
+                <a:pos x="connsiteX49" y="connsiteY49"/>
+              </a:cxn>
+              <a:cxn ang="0">
+                <a:pos x="connsiteX50" y="connsiteY50"/>
+              </a:cxn>
+              <a:cxn ang="0">
+                <a:pos x="connsiteX51" y="connsiteY51"/>
+              </a:cxn>
+              <a:cxn ang="0">
+                <a:pos x="connsiteX52" y="connsiteY52"/>
+              </a:cxn>
+              <a:cxn ang="0">
+                <a:pos x="connsiteX53" y="connsiteY53"/>
+              </a:cxn>
+              <a:cxn ang="0">
+                <a:pos x="connsiteX54" y="connsiteY54"/>
+              </a:cxn>
+              <a:cxn ang="0">
+                <a:pos x="connsiteX55" y="connsiteY55"/>
+              </a:cxn>
+              <a:cxn ang="0">
+                <a:pos x="connsiteX56" y="connsiteY56"/>
+              </a:cxn>
+              <a:cxn ang="0">
+                <a:pos x="connsiteX57" y="connsiteY57"/>
+              </a:cxn>
+              <a:cxn ang="0">
+                <a:pos x="connsiteX58" y="connsiteY58"/>
+              </a:cxn>
+              <a:cxn ang="0">
+                <a:pos x="connsiteX59" y="connsiteY59"/>
+              </a:cxn>
+              <a:cxn ang="0">
+                <a:pos x="connsiteX60" y="connsiteY60"/>
+              </a:cxn>
+              <a:cxn ang="0">
+                <a:pos x="connsiteX61" y="connsiteY61"/>
+              </a:cxn>
+              <a:cxn ang="0">
+                <a:pos x="connsiteX62" y="connsiteY62"/>
+              </a:cxn>
+            </a:cxnLst>
+            <a:rect l="l" t="t" r="r" b="b"/>
+            <a:pathLst>
+              <a:path w="12009304" h="6858000">
+                <a:moveTo>
+                  <a:pt x="8239723" y="5083103"/>
+                </a:moveTo>
+                <a:cubicBezTo>
+                  <a:pt x="8239723" y="5083103"/>
+                  <a:pt x="8239723" y="5083103"/>
+                  <a:pt x="9505105" y="5083103"/>
+                </a:cubicBezTo>
+                <a:cubicBezTo>
+                  <a:pt x="9525601" y="5083103"/>
+                  <a:pt x="9545588" y="5085825"/>
+                  <a:pt x="9564676" y="5091016"/>
+                </a:cubicBezTo>
+                <a:lnTo>
+                  <a:pt x="9605648" y="5108194"/>
+                </a:lnTo>
+                <a:lnTo>
+                  <a:pt x="9580608" y="5151499"/>
+                </a:lnTo>
+                <a:cubicBezTo>
+                  <a:pt x="9354208" y="5543062"/>
+                  <a:pt x="9064418" y="6044264"/>
+                  <a:pt x="8693486" y="6685800"/>
+                </a:cubicBezTo>
+                <a:cubicBezTo>
+                  <a:pt x="8665958" y="6733339"/>
+                  <a:pt x="8632925" y="6776306"/>
+                  <a:pt x="8595419" y="6814017"/>
+                </a:cubicBezTo>
+                <a:lnTo>
+                  <a:pt x="8545620" y="6858000"/>
+                </a:lnTo>
+                <a:lnTo>
+                  <a:pt x="7612173" y="6858000"/>
+                </a:lnTo>
+                <a:lnTo>
+                  <a:pt x="7591825" y="6822959"/>
+                </a:lnTo>
+                <a:cubicBezTo>
+                  <a:pt x="7538315" y="6730809"/>
+                  <a:pt x="7478495" y="6627794"/>
+                  <a:pt x="7411622" y="6512633"/>
+                </a:cubicBezTo>
+                <a:cubicBezTo>
+                  <a:pt x="7370628" y="6444560"/>
+                  <a:pt x="7370628" y="6357427"/>
+                  <a:pt x="7411622" y="6289354"/>
+                </a:cubicBezTo>
+                <a:cubicBezTo>
+                  <a:pt x="7411622" y="6289354"/>
+                  <a:pt x="7411622" y="6289354"/>
+                  <a:pt x="8045680" y="5197465"/>
+                </a:cubicBezTo>
+                <a:cubicBezTo>
+                  <a:pt x="8083943" y="5126669"/>
+                  <a:pt x="8160465" y="5083103"/>
+                  <a:pt x="8239723" y="5083103"/>
+                </a:cubicBezTo>
+                <a:close/>
+                <a:moveTo>
+                  <a:pt x="10622296" y="1326563"/>
+                </a:moveTo>
+                <a:cubicBezTo>
+                  <a:pt x="10622296" y="1326563"/>
+                  <a:pt x="10622296" y="1326563"/>
+                  <a:pt x="11448522" y="1326563"/>
+                </a:cubicBezTo>
+                <a:cubicBezTo>
+                  <a:pt x="11502058" y="1326563"/>
+                  <a:pt x="11550238" y="1355009"/>
+                  <a:pt x="11577006" y="1401233"/>
+                </a:cubicBezTo>
+                <a:cubicBezTo>
+                  <a:pt x="11577006" y="1401233"/>
+                  <a:pt x="11577006" y="1401233"/>
+                  <a:pt x="11989228" y="2114179"/>
+                </a:cubicBezTo>
+                <a:cubicBezTo>
+                  <a:pt x="12015996" y="2158629"/>
+                  <a:pt x="12015996" y="2215522"/>
+                  <a:pt x="11989228" y="2259969"/>
+                </a:cubicBezTo>
+                <a:cubicBezTo>
+                  <a:pt x="11989228" y="2259969"/>
+                  <a:pt x="11989228" y="2259969"/>
+                  <a:pt x="11577006" y="2972914"/>
+                </a:cubicBezTo>
+                <a:cubicBezTo>
+                  <a:pt x="11550238" y="3019141"/>
+                  <a:pt x="11502058" y="3047587"/>
+                  <a:pt x="11448522" y="3047587"/>
+                </a:cubicBezTo>
+                <a:cubicBezTo>
+                  <a:pt x="11448522" y="3047587"/>
+                  <a:pt x="11448522" y="3047587"/>
+                  <a:pt x="10622296" y="3047587"/>
+                </a:cubicBezTo>
+                <a:cubicBezTo>
+                  <a:pt x="10570544" y="3047587"/>
+                  <a:pt x="10520578" y="3019141"/>
+                  <a:pt x="10495594" y="2972914"/>
+                </a:cubicBezTo>
+                <a:cubicBezTo>
+                  <a:pt x="10495594" y="2972914"/>
+                  <a:pt x="10495594" y="2972914"/>
+                  <a:pt x="10081589" y="2259969"/>
+                </a:cubicBezTo>
+                <a:cubicBezTo>
+                  <a:pt x="10054821" y="2215522"/>
+                  <a:pt x="10054821" y="2158629"/>
+                  <a:pt x="10081589" y="2114179"/>
+                </a:cubicBezTo>
+                <a:cubicBezTo>
+                  <a:pt x="10081589" y="2114179"/>
+                  <a:pt x="10081589" y="2114179"/>
+                  <a:pt x="10495594" y="1401233"/>
+                </a:cubicBezTo>
+                <a:cubicBezTo>
+                  <a:pt x="10520578" y="1355009"/>
+                  <a:pt x="10570544" y="1326563"/>
+                  <a:pt x="10622296" y="1326563"/>
+                </a:cubicBezTo>
+                <a:close/>
+                <a:moveTo>
+                  <a:pt x="0" y="0"/>
+                </a:moveTo>
+                <a:lnTo>
+                  <a:pt x="4457990" y="0"/>
+                </a:lnTo>
+                <a:lnTo>
+                  <a:pt x="5902610" y="0"/>
+                </a:lnTo>
+                <a:lnTo>
+                  <a:pt x="8476869" y="0"/>
+                </a:lnTo>
+                <a:lnTo>
+                  <a:pt x="8535933" y="39849"/>
+                </a:lnTo>
+                <a:cubicBezTo>
+                  <a:pt x="8598516" y="88273"/>
+                  <a:pt x="8652195" y="149296"/>
+                  <a:pt x="8693486" y="220603"/>
+                </a:cubicBezTo>
+                <a:cubicBezTo>
+                  <a:pt x="8693486" y="220603"/>
+                  <a:pt x="8693486" y="220603"/>
+                  <a:pt x="10389180" y="3153347"/>
+                </a:cubicBezTo>
+                <a:cubicBezTo>
+                  <a:pt x="10499291" y="3336185"/>
+                  <a:pt x="10499291" y="3570221"/>
+                  <a:pt x="10389180" y="3753061"/>
+                </a:cubicBezTo>
+                <a:cubicBezTo>
+                  <a:pt x="10389180" y="3753061"/>
+                  <a:pt x="10389180" y="3753061"/>
+                  <a:pt x="9759557" y="4842009"/>
+                </a:cubicBezTo>
+                <a:lnTo>
+                  <a:pt x="9706493" y="4933778"/>
+                </a:lnTo>
+                <a:lnTo>
+                  <a:pt x="9708360" y="4934561"/>
+                </a:lnTo>
+                <a:cubicBezTo>
+                  <a:pt x="9746510" y="4956830"/>
+                  <a:pt x="9778880" y="4989078"/>
+                  <a:pt x="9802002" y="5029008"/>
+                </a:cubicBezTo>
+                <a:cubicBezTo>
+                  <a:pt x="9802002" y="5029008"/>
+                  <a:pt x="9802002" y="5029008"/>
+                  <a:pt x="10514131" y="6260653"/>
+                </a:cubicBezTo>
+                <a:cubicBezTo>
+                  <a:pt x="10560376" y="6337439"/>
+                  <a:pt x="10560376" y="6435725"/>
+                  <a:pt x="10514131" y="6512512"/>
+                </a:cubicBezTo>
+                <a:cubicBezTo>
+                  <a:pt x="10514131" y="6512512"/>
+                  <a:pt x="10514131" y="6512512"/>
+                  <a:pt x="10340271" y="6813206"/>
+                </a:cubicBezTo>
+                <a:lnTo>
+                  <a:pt x="10314372" y="6858000"/>
+                </a:lnTo>
+                <a:lnTo>
+                  <a:pt x="10119136" y="6858000"/>
+                </a:lnTo>
+                <a:lnTo>
+                  <a:pt x="10122008" y="6853033"/>
+                </a:lnTo>
+                <a:cubicBezTo>
+                  <a:pt x="10327158" y="6498223"/>
+                  <a:pt x="10327158" y="6498223"/>
+                  <a:pt x="10327158" y="6498223"/>
+                </a:cubicBezTo>
+                <a:cubicBezTo>
+                  <a:pt x="10368154" y="6430148"/>
+                  <a:pt x="10368154" y="6343015"/>
+                  <a:pt x="10327158" y="6274942"/>
+                </a:cubicBezTo>
+                <a:cubicBezTo>
+                  <a:pt x="9695832" y="5183053"/>
+                  <a:pt x="9695832" y="5183053"/>
+                  <a:pt x="9695832" y="5183053"/>
+                </a:cubicBezTo>
+                <a:cubicBezTo>
+                  <a:pt x="9675334" y="5147654"/>
+                  <a:pt x="9646640" y="5119063"/>
+                  <a:pt x="9612819" y="5099323"/>
+                </a:cubicBezTo>
+                <a:lnTo>
+                  <a:pt x="9603213" y="5095298"/>
+                </a:lnTo>
+                <a:lnTo>
+                  <a:pt x="9654707" y="5006238"/>
+                </a:lnTo>
+                <a:lnTo>
+                  <a:pt x="9693004" y="4940002"/>
+                </a:lnTo>
+                <a:lnTo>
+                  <a:pt x="9653283" y="4923348"/>
+                </a:lnTo>
+                <a:cubicBezTo>
+                  <a:pt x="9631750" y="4917491"/>
+                  <a:pt x="9609208" y="4914420"/>
+                  <a:pt x="9586087" y="4914420"/>
+                </a:cubicBezTo>
+                <a:cubicBezTo>
+                  <a:pt x="8158743" y="4914420"/>
+                  <a:pt x="8158743" y="4914420"/>
+                  <a:pt x="8158743" y="4914420"/>
+                </a:cubicBezTo>
+                <a:cubicBezTo>
+                  <a:pt x="8069341" y="4914420"/>
+                  <a:pt x="7983024" y="4963563"/>
+                  <a:pt x="7939863" y="5043420"/>
+                </a:cubicBezTo>
+                <a:cubicBezTo>
+                  <a:pt x="7224650" y="6275065"/>
+                  <a:pt x="7224650" y="6275065"/>
+                  <a:pt x="7224650" y="6275065"/>
+                </a:cubicBezTo>
+                <a:cubicBezTo>
+                  <a:pt x="7178407" y="6351849"/>
+                  <a:pt x="7178407" y="6450135"/>
+                  <a:pt x="7224650" y="6526922"/>
+                </a:cubicBezTo>
+                <a:cubicBezTo>
+                  <a:pt x="7269350" y="6603900"/>
+                  <a:pt x="7311257" y="6676067"/>
+                  <a:pt x="7350544" y="6743723"/>
+                </a:cubicBezTo>
+                <a:lnTo>
+                  <a:pt x="7416905" y="6858000"/>
+                </a:lnTo>
+                <a:lnTo>
+                  <a:pt x="5902610" y="6858000"/>
+                </a:lnTo>
+                <a:lnTo>
+                  <a:pt x="4389358" y="6858000"/>
+                </a:lnTo>
+                <a:lnTo>
+                  <a:pt x="0" y="6858000"/>
+                </a:lnTo>
+                <a:close/>
+              </a:path>
+            </a:pathLst>
+          </a:custGeom>
+        </p:spPr>
+      </p:pic>
+    </p:spTree>
+    <p:extLst>
+      <p:ext uri="{BB962C8B-B14F-4D97-AF65-F5344CB8AC3E}">
+        <p14:creationId xmlns:p14="http://schemas.microsoft.com/office/powerpoint/2010/main" val="2340477385"/>
       </p:ext>
     </p:extLst>
   </p:cSld>

--- a/WireFrames.pptx
+++ b/WireFrames.pptx
@@ -5,20 +5,22 @@
     <p:sldMasterId id="2147483648" r:id="rId1"/>
   </p:sldMasterIdLst>
   <p:notesMasterIdLst>
-    <p:notesMasterId r:id="rId13"/>
+    <p:notesMasterId r:id="rId15"/>
   </p:notesMasterIdLst>
   <p:sldIdLst>
-    <p:sldId id="266" r:id="rId2"/>
-    <p:sldId id="256" r:id="rId3"/>
-    <p:sldId id="257" r:id="rId4"/>
-    <p:sldId id="258" r:id="rId5"/>
-    <p:sldId id="264" r:id="rId6"/>
-    <p:sldId id="260" r:id="rId7"/>
-    <p:sldId id="261" r:id="rId8"/>
-    <p:sldId id="259" r:id="rId9"/>
-    <p:sldId id="265" r:id="rId10"/>
-    <p:sldId id="263" r:id="rId11"/>
-    <p:sldId id="267" r:id="rId12"/>
+    <p:sldId id="269" r:id="rId2"/>
+    <p:sldId id="266" r:id="rId3"/>
+    <p:sldId id="268" r:id="rId4"/>
+    <p:sldId id="263" r:id="rId5"/>
+    <p:sldId id="271" r:id="rId6"/>
+    <p:sldId id="256" r:id="rId7"/>
+    <p:sldId id="257" r:id="rId8"/>
+    <p:sldId id="258" r:id="rId9"/>
+    <p:sldId id="264" r:id="rId10"/>
+    <p:sldId id="260" r:id="rId11"/>
+    <p:sldId id="261" r:id="rId12"/>
+    <p:sldId id="259" r:id="rId13"/>
+    <p:sldId id="265" r:id="rId14"/>
   </p:sldIdLst>
   <p:sldSz cx="12192000" cy="6858000"/>
   <p:notesSz cx="6858000" cy="9144000"/>
@@ -7192,7 +7194,7 @@
           <a:p>
             <a:fld id="{8FFDA399-015A-4F36-9D74-9B177231E064}" type="slidenum">
               <a:rPr lang="en-US" smtClean="0"/>
-              <a:t>4</a:t>
+              <a:t>8</a:t>
             </a:fld>
             <a:endParaRPr lang="en-US"/>
           </a:p>
@@ -7276,7 +7278,7 @@
           <a:p>
             <a:fld id="{8FFDA399-015A-4F36-9D74-9B177231E064}" type="slidenum">
               <a:rPr lang="en-US" smtClean="0"/>
-              <a:t>5</a:t>
+              <a:t>9</a:t>
             </a:fld>
             <a:endParaRPr lang="en-US"/>
           </a:p>
@@ -10498,6 +10500,2236 @@
     <p:bg>
       <p:bgPr>
         <a:solidFill>
+          <a:schemeClr val="bg1"/>
+        </a:solidFill>
+        <a:effectLst/>
+      </p:bgPr>
+    </p:bg>
+    <p:spTree>
+      <p:nvGrpSpPr>
+        <p:cNvPr id="1" name=""/>
+        <p:cNvGrpSpPr/>
+        <p:nvPr/>
+      </p:nvGrpSpPr>
+      <p:grpSpPr>
+        <a:xfrm>
+          <a:off x="0" y="0"/>
+          <a:ext cx="0" cy="0"/>
+          <a:chOff x="0" y="0"/>
+          <a:chExt cx="0" cy="0"/>
+        </a:xfrm>
+      </p:grpSpPr>
+      <p:sp>
+        <p:nvSpPr>
+          <p:cNvPr id="9" name="Rectangle 8">
+            <a:extLst>
+              <a:ext uri="{FF2B5EF4-FFF2-40B4-BE49-F238E27FC236}">
+                <a16:creationId xmlns:a16="http://schemas.microsoft.com/office/drawing/2014/main" id="{AB45A142-4255-493C-8284-5D566C121B10}"/>
+              </a:ext>
+              <a:ext uri="{C183D7F6-B498-43B3-948B-1728B52AA6E4}">
+                <adec:decorative xmlns:adec="http://schemas.microsoft.com/office/drawing/2017/decorative" val="1"/>
+              </a:ext>
+            </a:extLst>
+          </p:cNvPr>
+          <p:cNvSpPr>
+            <a:spLocks noGrp="1" noRot="1" noChangeAspect="1" noMove="1" noResize="1" noEditPoints="1" noAdjustHandles="1" noChangeArrowheads="1" noChangeShapeType="1" noTextEdit="1"/>
+          </p:cNvSpPr>
+          <p:nvPr>
+            <p:extLst>
+              <p:ext uri="{386F3935-93C4-4BCD-93E2-E3B085C9AB24}">
+                <p16:designElem xmlns:p16="http://schemas.microsoft.com/office/powerpoint/2015/main" val="1"/>
+              </p:ext>
+            </p:extLst>
+          </p:nvPr>
+        </p:nvSpPr>
+        <p:spPr bwMode="ltGray">
+          <a:xfrm>
+            <a:off x="336884" y="321177"/>
+            <a:ext cx="4332307" cy="6179552"/>
+          </a:xfrm>
+          <a:prstGeom prst="rect">
+            <a:avLst/>
+          </a:prstGeom>
+          <a:solidFill>
+            <a:srgbClr val="404040">
+              <a:alpha val="89804"/>
+            </a:srgbClr>
+          </a:solidFill>
+          <a:ln w="127000" cap="sq" cmpd="thinThick">
+            <a:solidFill>
+              <a:srgbClr val="595959">
+                <a:alpha val="80000"/>
+              </a:srgbClr>
+            </a:solidFill>
+          </a:ln>
+        </p:spPr>
+        <p:style>
+          <a:lnRef idx="2">
+            <a:schemeClr val="accent1">
+              <a:shade val="50000"/>
+            </a:schemeClr>
+          </a:lnRef>
+          <a:fillRef idx="1">
+            <a:schemeClr val="accent1"/>
+          </a:fillRef>
+          <a:effectRef idx="0">
+            <a:schemeClr val="accent1"/>
+          </a:effectRef>
+          <a:fontRef idx="minor">
+            <a:schemeClr val="lt1"/>
+          </a:fontRef>
+        </p:style>
+        <p:txBody>
+          <a:bodyPr rtlCol="0" anchor="ctr"/>
+          <a:lstStyle/>
+          <a:p>
+            <a:pPr algn="ctr"/>
+            <a:endParaRPr lang="en-US"/>
+          </a:p>
+        </p:txBody>
+      </p:sp>
+      <p:sp>
+        <p:nvSpPr>
+          <p:cNvPr id="2" name="Title 1">
+            <a:extLst>
+              <a:ext uri="{FF2B5EF4-FFF2-40B4-BE49-F238E27FC236}">
+                <a16:creationId xmlns:a16="http://schemas.microsoft.com/office/drawing/2014/main" id="{37194940-2C88-4D23-A5E8-D951437591A7}"/>
+              </a:ext>
+            </a:extLst>
+          </p:cNvPr>
+          <p:cNvSpPr>
+            <a:spLocks noGrp="1"/>
+          </p:cNvSpPr>
+          <p:nvPr>
+            <p:ph type="ctrTitle"/>
+          </p:nvPr>
+        </p:nvSpPr>
+        <p:spPr>
+          <a:xfrm>
+            <a:off x="674237" y="4526178"/>
+            <a:ext cx="3657600" cy="863028"/>
+          </a:xfrm>
+        </p:spPr>
+        <p:txBody>
+          <a:bodyPr>
+            <a:normAutofit/>
+          </a:bodyPr>
+          <a:lstStyle/>
+          <a:p>
+            <a:r>
+              <a:rPr lang="en-US" sz="4800" dirty="0">
+                <a:solidFill>
+                  <a:srgbClr val="FFFFFF"/>
+                </a:solidFill>
+              </a:rPr>
+              <a:t>crave it!</a:t>
+            </a:r>
+          </a:p>
+        </p:txBody>
+      </p:sp>
+      <p:sp>
+        <p:nvSpPr>
+          <p:cNvPr id="3" name="Subtitle 2">
+            <a:extLst>
+              <a:ext uri="{FF2B5EF4-FFF2-40B4-BE49-F238E27FC236}">
+                <a16:creationId xmlns:a16="http://schemas.microsoft.com/office/drawing/2014/main" id="{397B0472-EC25-4666-A89C-59B90B44D204}"/>
+              </a:ext>
+            </a:extLst>
+          </p:cNvPr>
+          <p:cNvSpPr>
+            <a:spLocks noGrp="1"/>
+          </p:cNvSpPr>
+          <p:nvPr>
+            <p:ph type="subTitle" idx="1"/>
+          </p:nvPr>
+        </p:nvSpPr>
+        <p:spPr>
+          <a:xfrm>
+            <a:off x="655721" y="776212"/>
+            <a:ext cx="3657600" cy="1555611"/>
+          </a:xfrm>
+        </p:spPr>
+        <p:txBody>
+          <a:bodyPr>
+            <a:normAutofit/>
+          </a:bodyPr>
+          <a:lstStyle/>
+          <a:p>
+            <a:r>
+              <a:rPr lang="en-US" sz="2000" dirty="0">
+                <a:solidFill>
+                  <a:srgbClr val="FFFFFF"/>
+                </a:solidFill>
+              </a:rPr>
+              <a:t>Description</a:t>
+            </a:r>
+          </a:p>
+        </p:txBody>
+      </p:sp>
+      <p:cxnSp>
+        <p:nvCxnSpPr>
+          <p:cNvPr id="11" name="Straight Connector 10">
+            <a:extLst>
+              <a:ext uri="{FF2B5EF4-FFF2-40B4-BE49-F238E27FC236}">
+                <a16:creationId xmlns:a16="http://schemas.microsoft.com/office/drawing/2014/main" id="{38FB9660-F42F-4313-BBC4-47C007FE484C}"/>
+              </a:ext>
+              <a:ext uri="{C183D7F6-B498-43B3-948B-1728B52AA6E4}">
+                <adec:decorative xmlns:adec="http://schemas.microsoft.com/office/drawing/2017/decorative" val="1"/>
+              </a:ext>
+            </a:extLst>
+          </p:cNvPr>
+          <p:cNvCxnSpPr>
+            <a:cxnSpLocks noGrp="1" noRot="1" noChangeAspect="1" noMove="1" noResize="1" noEditPoints="1" noAdjustHandles="1" noChangeArrowheads="1" noChangeShapeType="1"/>
+          </p:cNvCxnSpPr>
+          <p:nvPr>
+            <p:extLst>
+              <p:ext uri="{386F3935-93C4-4BCD-93E2-E3B085C9AB24}">
+                <p16:designElem xmlns:p16="http://schemas.microsoft.com/office/powerpoint/2015/main" val="1"/>
+              </p:ext>
+            </p:extLst>
+          </p:nvPr>
+        </p:nvCxnSpPr>
+        <p:spPr>
+          <a:xfrm>
+            <a:off x="1191126" y="3910267"/>
+            <a:ext cx="2586790" cy="0"/>
+          </a:xfrm>
+          <a:prstGeom prst="line">
+            <a:avLst/>
+          </a:prstGeom>
+          <a:ln w="22225">
+            <a:solidFill>
+              <a:srgbClr val="D9D9D9"/>
+            </a:solidFill>
+          </a:ln>
+        </p:spPr>
+        <p:style>
+          <a:lnRef idx="1">
+            <a:schemeClr val="accent1"/>
+          </a:lnRef>
+          <a:fillRef idx="0">
+            <a:schemeClr val="accent1"/>
+          </a:fillRef>
+          <a:effectRef idx="0">
+            <a:schemeClr val="accent1"/>
+          </a:effectRef>
+          <a:fontRef idx="minor">
+            <a:schemeClr val="tx1"/>
+          </a:fontRef>
+        </p:style>
+      </p:cxnSp>
+      <p:pic>
+        <p:nvPicPr>
+          <p:cNvPr id="4" name="Picture 3" descr="A screenshot of a cell phone&#10;&#10;Description automatically generated">
+            <a:extLst>
+              <a:ext uri="{FF2B5EF4-FFF2-40B4-BE49-F238E27FC236}">
+                <a16:creationId xmlns:a16="http://schemas.microsoft.com/office/drawing/2014/main" id="{92392DB4-9747-42CD-9EF1-B251E4792718}"/>
+              </a:ext>
+            </a:extLst>
+          </p:cNvPr>
+          <p:cNvPicPr>
+            <a:picLocks noChangeAspect="1"/>
+          </p:cNvPicPr>
+          <p:nvPr/>
+        </p:nvPicPr>
+        <p:blipFill>
+          <a:blip r:embed="rId2"/>
+          <a:stretch>
+            <a:fillRect/>
+          </a:stretch>
+        </p:blipFill>
+        <p:spPr>
+          <a:xfrm>
+            <a:off x="5268875" y="492573"/>
+            <a:ext cx="6323438" cy="5880796"/>
+          </a:xfrm>
+          <a:prstGeom prst="rect">
+            <a:avLst/>
+          </a:prstGeom>
+        </p:spPr>
+      </p:pic>
+    </p:spTree>
+    <p:extLst>
+      <p:ext uri="{BB962C8B-B14F-4D97-AF65-F5344CB8AC3E}">
+        <p14:creationId xmlns:p14="http://schemas.microsoft.com/office/powerpoint/2010/main" val="3226771717"/>
+      </p:ext>
+    </p:extLst>
+  </p:cSld>
+  <p:clrMapOvr>
+    <a:masterClrMapping/>
+  </p:clrMapOvr>
+</p:sld>
+</file>
+
+<file path=ppt/slides/slide10.xml><?xml version="1.0" encoding="utf-8"?>
+<p:sld xmlns:a="http://schemas.openxmlformats.org/drawingml/2006/main" xmlns:r="http://schemas.openxmlformats.org/officeDocument/2006/relationships" xmlns:p="http://schemas.openxmlformats.org/presentationml/2006/main">
+  <p:cSld>
+    <p:spTree>
+      <p:nvGrpSpPr>
+        <p:cNvPr id="1" name=""/>
+        <p:cNvGrpSpPr/>
+        <p:nvPr/>
+      </p:nvGrpSpPr>
+      <p:grpSpPr>
+        <a:xfrm>
+          <a:off x="0" y="0"/>
+          <a:ext cx="0" cy="0"/>
+          <a:chOff x="0" y="0"/>
+          <a:chExt cx="0" cy="0"/>
+        </a:xfrm>
+      </p:grpSpPr>
+      <p:sp>
+        <p:nvSpPr>
+          <p:cNvPr id="2" name="Title 1">
+            <a:extLst>
+              <a:ext uri="{FF2B5EF4-FFF2-40B4-BE49-F238E27FC236}">
+                <a16:creationId xmlns:a16="http://schemas.microsoft.com/office/drawing/2014/main" id="{5B3D77D1-F75B-4346-974B-207F378265A9}"/>
+              </a:ext>
+            </a:extLst>
+          </p:cNvPr>
+          <p:cNvSpPr>
+            <a:spLocks noGrp="1"/>
+          </p:cNvSpPr>
+          <p:nvPr>
+            <p:ph type="title"/>
+          </p:nvPr>
+        </p:nvSpPr>
+        <p:spPr/>
+        <p:txBody>
+          <a:bodyPr/>
+          <a:lstStyle/>
+          <a:p>
+            <a:r>
+              <a:rPr lang="en-US" dirty="0"/>
+              <a:t>Search Result Page - Recipes</a:t>
+            </a:r>
+          </a:p>
+        </p:txBody>
+      </p:sp>
+      <p:sp>
+        <p:nvSpPr>
+          <p:cNvPr id="5" name="TextBox 4">
+            <a:extLst>
+              <a:ext uri="{FF2B5EF4-FFF2-40B4-BE49-F238E27FC236}">
+                <a16:creationId xmlns:a16="http://schemas.microsoft.com/office/drawing/2014/main" id="{FEFAB416-813C-41DF-9D64-A56BA55314DF}"/>
+              </a:ext>
+            </a:extLst>
+          </p:cNvPr>
+          <p:cNvSpPr txBox="1"/>
+          <p:nvPr/>
+        </p:nvSpPr>
+        <p:spPr>
+          <a:xfrm>
+            <a:off x="956496" y="1363847"/>
+            <a:ext cx="6160258" cy="3970318"/>
+          </a:xfrm>
+          <a:prstGeom prst="rect">
+            <a:avLst/>
+          </a:prstGeom>
+          <a:noFill/>
+        </p:spPr>
+        <p:txBody>
+          <a:bodyPr wrap="square" rtlCol="0">
+            <a:spAutoFit/>
+          </a:bodyPr>
+          <a:lstStyle/>
+          <a:p>
+            <a:r>
+              <a:rPr lang="en-US" dirty="0"/>
+              <a:t>Navigation: Welcome &gt; Find Recipe Button (future)</a:t>
+            </a:r>
+          </a:p>
+          <a:p>
+            <a:endParaRPr lang="en-US" dirty="0"/>
+          </a:p>
+          <a:p>
+            <a:r>
+              <a:rPr lang="en-US" dirty="0"/>
+              <a:t>A page that provides a thumbnail picture of the dishes, the titles, link to recipe (navigates to recipe page).</a:t>
+            </a:r>
+          </a:p>
+          <a:p>
+            <a:endParaRPr lang="en-US" dirty="0"/>
+          </a:p>
+          <a:p>
+            <a:r>
+              <a:rPr lang="en-US" dirty="0"/>
+              <a:t>MVP: list of recipe options</a:t>
+            </a:r>
+          </a:p>
+          <a:p>
+            <a:endParaRPr lang="en-US" dirty="0"/>
+          </a:p>
+          <a:p>
+            <a:r>
+              <a:rPr lang="en-US" dirty="0"/>
+              <a:t>Potential add-on: </a:t>
+            </a:r>
+          </a:p>
+          <a:p>
+            <a:pPr marL="285750" indent="-285750">
+              <a:buFont typeface="Arial" panose="020B0604020202020204" pitchFamily="34" charset="0"/>
+              <a:buChar char="•"/>
+            </a:pPr>
+            <a:r>
+              <a:rPr lang="en-US" dirty="0"/>
+              <a:t>Favorite recipes that saves and can be viewed in the “saved” recipe page</a:t>
+            </a:r>
+          </a:p>
+          <a:p>
+            <a:pPr marL="285750" indent="-285750">
+              <a:buFont typeface="Arial" panose="020B0604020202020204" pitchFamily="34" charset="0"/>
+              <a:buChar char="•"/>
+            </a:pPr>
+            <a:endParaRPr lang="en-US" dirty="0"/>
+          </a:p>
+          <a:p>
+            <a:endParaRPr lang="en-US" dirty="0"/>
+          </a:p>
+          <a:p>
+            <a:endParaRPr lang="en-US" dirty="0"/>
+          </a:p>
+          <a:p>
+            <a:endParaRPr lang="en-US" dirty="0"/>
+          </a:p>
+        </p:txBody>
+      </p:sp>
+    </p:spTree>
+    <p:extLst>
+      <p:ext uri="{BB962C8B-B14F-4D97-AF65-F5344CB8AC3E}">
+        <p14:creationId xmlns:p14="http://schemas.microsoft.com/office/powerpoint/2010/main" val="156822397"/>
+      </p:ext>
+    </p:extLst>
+  </p:cSld>
+  <p:clrMapOvr>
+    <a:masterClrMapping/>
+  </p:clrMapOvr>
+</p:sld>
+</file>
+
+<file path=ppt/slides/slide11.xml><?xml version="1.0" encoding="utf-8"?>
+<p:sld xmlns:a="http://schemas.openxmlformats.org/drawingml/2006/main" xmlns:r="http://schemas.openxmlformats.org/officeDocument/2006/relationships" xmlns:p="http://schemas.openxmlformats.org/presentationml/2006/main">
+  <p:cSld>
+    <p:spTree>
+      <p:nvGrpSpPr>
+        <p:cNvPr id="1" name=""/>
+        <p:cNvGrpSpPr/>
+        <p:nvPr/>
+      </p:nvGrpSpPr>
+      <p:grpSpPr>
+        <a:xfrm>
+          <a:off x="0" y="0"/>
+          <a:ext cx="0" cy="0"/>
+          <a:chOff x="0" y="0"/>
+          <a:chExt cx="0" cy="0"/>
+        </a:xfrm>
+      </p:grpSpPr>
+      <p:sp>
+        <p:nvSpPr>
+          <p:cNvPr id="2" name="Title 1">
+            <a:extLst>
+              <a:ext uri="{FF2B5EF4-FFF2-40B4-BE49-F238E27FC236}">
+                <a16:creationId xmlns:a16="http://schemas.microsoft.com/office/drawing/2014/main" id="{F6A2DEDB-C12C-4590-9166-BFA8D1EB1F38}"/>
+              </a:ext>
+            </a:extLst>
+          </p:cNvPr>
+          <p:cNvSpPr>
+            <a:spLocks noGrp="1"/>
+          </p:cNvSpPr>
+          <p:nvPr>
+            <p:ph type="title"/>
+          </p:nvPr>
+        </p:nvSpPr>
+        <p:spPr>
+          <a:xfrm>
+            <a:off x="596901" y="0"/>
+            <a:ext cx="10756899" cy="1325563"/>
+          </a:xfrm>
+        </p:spPr>
+        <p:txBody>
+          <a:bodyPr/>
+          <a:lstStyle/>
+          <a:p>
+            <a:r>
+              <a:rPr lang="en-US" dirty="0"/>
+              <a:t>Recipe Page</a:t>
+            </a:r>
+          </a:p>
+        </p:txBody>
+      </p:sp>
+      <p:sp>
+        <p:nvSpPr>
+          <p:cNvPr id="4" name="Rectangle 3">
+            <a:extLst>
+              <a:ext uri="{FF2B5EF4-FFF2-40B4-BE49-F238E27FC236}">
+                <a16:creationId xmlns:a16="http://schemas.microsoft.com/office/drawing/2014/main" id="{8386C750-E58F-4A13-8927-F4B85B1C9A00}"/>
+              </a:ext>
+            </a:extLst>
+          </p:cNvPr>
+          <p:cNvSpPr/>
+          <p:nvPr/>
+        </p:nvSpPr>
+        <p:spPr>
+          <a:xfrm>
+            <a:off x="10379271" y="0"/>
+            <a:ext cx="1568058" cy="923330"/>
+          </a:xfrm>
+          <a:prstGeom prst="rect">
+            <a:avLst/>
+          </a:prstGeom>
+          <a:noFill/>
+        </p:spPr>
+        <p:txBody>
+          <a:bodyPr wrap="none" lIns="91440" tIns="45720" rIns="91440" bIns="45720">
+            <a:spAutoFit/>
+          </a:bodyPr>
+          <a:lstStyle/>
+          <a:p>
+            <a:pPr algn="ctr"/>
+            <a:r>
+              <a:rPr lang="en-US" sz="5400" b="1" cap="none" spc="0" dirty="0">
+                <a:ln w="22225">
+                  <a:solidFill>
+                    <a:schemeClr val="accent2"/>
+                  </a:solidFill>
+                  <a:prstDash val="solid"/>
+                </a:ln>
+                <a:solidFill>
+                  <a:schemeClr val="accent2">
+                    <a:lumMod val="40000"/>
+                    <a:lumOff val="60000"/>
+                  </a:schemeClr>
+                </a:solidFill>
+                <a:effectLst/>
+              </a:rPr>
+              <a:t>MVP</a:t>
+            </a:r>
+          </a:p>
+        </p:txBody>
+      </p:sp>
+      <p:pic>
+        <p:nvPicPr>
+          <p:cNvPr id="5" name="Picture 4" descr="A plate of food on a table&#10;&#10;Description automatically generated">
+            <a:extLst>
+              <a:ext uri="{FF2B5EF4-FFF2-40B4-BE49-F238E27FC236}">
+                <a16:creationId xmlns:a16="http://schemas.microsoft.com/office/drawing/2014/main" id="{86F32A7C-C6DC-4993-B4FE-6ADF22289A77}"/>
+              </a:ext>
+            </a:extLst>
+          </p:cNvPr>
+          <p:cNvPicPr>
+            <a:picLocks noChangeAspect="1"/>
+          </p:cNvPicPr>
+          <p:nvPr/>
+        </p:nvPicPr>
+        <p:blipFill>
+          <a:blip r:embed="rId2">
+            <a:extLst>
+              <a:ext uri="{28A0092B-C50C-407E-A947-70E740481C1C}">
+                <a14:useLocalDpi xmlns:a14="http://schemas.microsoft.com/office/drawing/2010/main" val="0"/>
+              </a:ext>
+              <a:ext uri="{837473B0-CC2E-450A-ABE3-18F120FF3D39}">
+                <a1611:picAttrSrcUrl xmlns:a1611="http://schemas.microsoft.com/office/drawing/2016/11/main" r:id="rId3"/>
+              </a:ext>
+            </a:extLst>
+          </a:blip>
+          <a:stretch>
+            <a:fillRect/>
+          </a:stretch>
+        </p:blipFill>
+        <p:spPr>
+          <a:xfrm>
+            <a:off x="7092222" y="2102107"/>
+            <a:ext cx="2336097" cy="1752074"/>
+          </a:xfrm>
+          <a:prstGeom prst="rect">
+            <a:avLst/>
+          </a:prstGeom>
+        </p:spPr>
+      </p:pic>
+      <p:sp>
+        <p:nvSpPr>
+          <p:cNvPr id="6" name="TextBox 5">
+            <a:extLst>
+              <a:ext uri="{FF2B5EF4-FFF2-40B4-BE49-F238E27FC236}">
+                <a16:creationId xmlns:a16="http://schemas.microsoft.com/office/drawing/2014/main" id="{22509A8C-36D5-484D-B43B-0E3FDA23FE0D}"/>
+              </a:ext>
+            </a:extLst>
+          </p:cNvPr>
+          <p:cNvSpPr txBox="1"/>
+          <p:nvPr/>
+        </p:nvSpPr>
+        <p:spPr>
+          <a:xfrm>
+            <a:off x="596901" y="1086445"/>
+            <a:ext cx="6160258" cy="4801314"/>
+          </a:xfrm>
+          <a:prstGeom prst="rect">
+            <a:avLst/>
+          </a:prstGeom>
+          <a:noFill/>
+        </p:spPr>
+        <p:txBody>
+          <a:bodyPr wrap="square" rtlCol="0">
+            <a:spAutoFit/>
+          </a:bodyPr>
+          <a:lstStyle/>
+          <a:p>
+            <a:r>
+              <a:rPr lang="en-US" dirty="0"/>
+              <a:t>Navigation: Welcome &gt; Find Restaurant Button &gt; Cuisine Selected</a:t>
+            </a:r>
+          </a:p>
+          <a:p>
+            <a:endParaRPr lang="en-US" dirty="0"/>
+          </a:p>
+          <a:p>
+            <a:r>
+              <a:rPr lang="en-US" dirty="0"/>
+              <a:t>A page that provides a picture of the dish, the list of ingredients needed with their quantities and instructions on how to cook it.</a:t>
+            </a:r>
+          </a:p>
+          <a:p>
+            <a:endParaRPr lang="en-US" dirty="0"/>
+          </a:p>
+          <a:p>
+            <a:r>
+              <a:rPr lang="en-US" dirty="0"/>
+              <a:t>MVP: recipe with cooking instructions</a:t>
+            </a:r>
+          </a:p>
+          <a:p>
+            <a:endParaRPr lang="en-US" dirty="0"/>
+          </a:p>
+          <a:p>
+            <a:r>
+              <a:rPr lang="en-US" dirty="0"/>
+              <a:t>Potential add-on: </a:t>
+            </a:r>
+          </a:p>
+          <a:p>
+            <a:pPr marL="285750" indent="-285750">
+              <a:buFont typeface="Arial" panose="020B0604020202020204" pitchFamily="34" charset="0"/>
+              <a:buChar char="•"/>
+            </a:pPr>
+            <a:r>
+              <a:rPr lang="en-US" dirty="0"/>
+              <a:t>Setting button in navigation that takes the user to the profile page</a:t>
+            </a:r>
+          </a:p>
+          <a:p>
+            <a:pPr marL="285750" indent="-285750">
+              <a:buFont typeface="Arial" panose="020B0604020202020204" pitchFamily="34" charset="0"/>
+              <a:buChar char="•"/>
+            </a:pPr>
+            <a:r>
+              <a:rPr lang="en-US" dirty="0"/>
+              <a:t>Navigation to Profile Page</a:t>
+            </a:r>
+          </a:p>
+          <a:p>
+            <a:pPr marL="285750" indent="-285750">
+              <a:buFont typeface="Arial" panose="020B0604020202020204" pitchFamily="34" charset="0"/>
+              <a:buChar char="•"/>
+            </a:pPr>
+            <a:r>
+              <a:rPr lang="en-US" dirty="0"/>
+              <a:t>Embedded YouTube video for how to cook the recipe</a:t>
+            </a:r>
+          </a:p>
+          <a:p>
+            <a:pPr marL="285750" indent="-285750">
+              <a:buFont typeface="Arial" panose="020B0604020202020204" pitchFamily="34" charset="0"/>
+              <a:buChar char="•"/>
+            </a:pPr>
+            <a:endParaRPr lang="en-US" dirty="0"/>
+          </a:p>
+          <a:p>
+            <a:endParaRPr lang="en-US" dirty="0"/>
+          </a:p>
+          <a:p>
+            <a:endParaRPr lang="en-US" dirty="0"/>
+          </a:p>
+          <a:p>
+            <a:endParaRPr lang="en-US" dirty="0"/>
+          </a:p>
+        </p:txBody>
+      </p:sp>
+      <p:sp>
+        <p:nvSpPr>
+          <p:cNvPr id="9" name="TextBox 8">
+            <a:extLst>
+              <a:ext uri="{FF2B5EF4-FFF2-40B4-BE49-F238E27FC236}">
+                <a16:creationId xmlns:a16="http://schemas.microsoft.com/office/drawing/2014/main" id="{283F3FFA-92DE-4191-9E54-A81B8CBB612B}"/>
+              </a:ext>
+            </a:extLst>
+          </p:cNvPr>
+          <p:cNvSpPr txBox="1"/>
+          <p:nvPr/>
+        </p:nvSpPr>
+        <p:spPr>
+          <a:xfrm>
+            <a:off x="6924389" y="1067991"/>
+            <a:ext cx="5124446" cy="789323"/>
+          </a:xfrm>
+          <a:prstGeom prst="rect">
+            <a:avLst/>
+          </a:prstGeom>
+          <a:solidFill>
+            <a:schemeClr val="accent1"/>
+          </a:solidFill>
+        </p:spPr>
+        <p:txBody>
+          <a:bodyPr wrap="square" rtlCol="0">
+            <a:spAutoFit/>
+          </a:bodyPr>
+          <a:lstStyle/>
+          <a:p>
+            <a:endParaRPr lang="en-US" dirty="0"/>
+          </a:p>
+        </p:txBody>
+      </p:sp>
+      <p:sp>
+        <p:nvSpPr>
+          <p:cNvPr id="10" name="Rectangle 9">
+            <a:extLst>
+              <a:ext uri="{FF2B5EF4-FFF2-40B4-BE49-F238E27FC236}">
+                <a16:creationId xmlns:a16="http://schemas.microsoft.com/office/drawing/2014/main" id="{5560072D-9FA3-49AD-9234-74C8A528EE7A}"/>
+              </a:ext>
+            </a:extLst>
+          </p:cNvPr>
+          <p:cNvSpPr/>
+          <p:nvPr/>
+        </p:nvSpPr>
+        <p:spPr>
+          <a:xfrm>
+            <a:off x="6924991" y="1067990"/>
+            <a:ext cx="5124446" cy="5596509"/>
+          </a:xfrm>
+          <a:prstGeom prst="rect">
+            <a:avLst/>
+          </a:prstGeom>
+          <a:noFill/>
+          <a:ln>
+            <a:solidFill>
+              <a:schemeClr val="tx1"/>
+            </a:solidFill>
+          </a:ln>
+        </p:spPr>
+        <p:style>
+          <a:lnRef idx="2">
+            <a:schemeClr val="accent6"/>
+          </a:lnRef>
+          <a:fillRef idx="1">
+            <a:schemeClr val="lt1"/>
+          </a:fillRef>
+          <a:effectRef idx="0">
+            <a:schemeClr val="accent6"/>
+          </a:effectRef>
+          <a:fontRef idx="minor">
+            <a:schemeClr val="dk1"/>
+          </a:fontRef>
+        </p:style>
+        <p:txBody>
+          <a:bodyPr rtlCol="0" anchor="ctr"/>
+          <a:lstStyle/>
+          <a:p>
+            <a:pPr algn="ctr"/>
+            <a:endParaRPr lang="en-US"/>
+          </a:p>
+        </p:txBody>
+      </p:sp>
+      <p:sp>
+        <p:nvSpPr>
+          <p:cNvPr id="12" name="TextBox 11">
+            <a:extLst>
+              <a:ext uri="{FF2B5EF4-FFF2-40B4-BE49-F238E27FC236}">
+                <a16:creationId xmlns:a16="http://schemas.microsoft.com/office/drawing/2014/main" id="{3B06780D-F820-405E-9AE3-BFE1C8FFD6FA}"/>
+              </a:ext>
+            </a:extLst>
+          </p:cNvPr>
+          <p:cNvSpPr txBox="1"/>
+          <p:nvPr/>
+        </p:nvSpPr>
+        <p:spPr>
+          <a:xfrm>
+            <a:off x="6924390" y="1201042"/>
+            <a:ext cx="5124445" cy="523220"/>
+          </a:xfrm>
+          <a:prstGeom prst="rect">
+            <a:avLst/>
+          </a:prstGeom>
+          <a:noFill/>
+        </p:spPr>
+        <p:txBody>
+          <a:bodyPr wrap="square" rtlCol="0">
+            <a:spAutoFit/>
+          </a:bodyPr>
+          <a:lstStyle/>
+          <a:p>
+            <a:pPr algn="ctr"/>
+            <a:r>
+              <a:rPr lang="en-US" sz="2800" dirty="0">
+                <a:solidFill>
+                  <a:schemeClr val="bg1"/>
+                </a:solidFill>
+              </a:rPr>
+              <a:t>Title</a:t>
+            </a:r>
+          </a:p>
+        </p:txBody>
+      </p:sp>
+      <p:sp>
+        <p:nvSpPr>
+          <p:cNvPr id="13" name="Rectangle 12">
+            <a:extLst>
+              <a:ext uri="{FF2B5EF4-FFF2-40B4-BE49-F238E27FC236}">
+                <a16:creationId xmlns:a16="http://schemas.microsoft.com/office/drawing/2014/main" id="{E1477F0C-8A49-432E-B999-7B050F5AA3ED}"/>
+              </a:ext>
+            </a:extLst>
+          </p:cNvPr>
+          <p:cNvSpPr/>
+          <p:nvPr/>
+        </p:nvSpPr>
+        <p:spPr>
+          <a:xfrm>
+            <a:off x="6924389" y="5523626"/>
+            <a:ext cx="5124446" cy="1140873"/>
+          </a:xfrm>
+          <a:prstGeom prst="rect">
+            <a:avLst/>
+          </a:prstGeom>
+        </p:spPr>
+        <p:style>
+          <a:lnRef idx="2">
+            <a:schemeClr val="accent1">
+              <a:shade val="50000"/>
+            </a:schemeClr>
+          </a:lnRef>
+          <a:fillRef idx="1">
+            <a:schemeClr val="accent1"/>
+          </a:fillRef>
+          <a:effectRef idx="0">
+            <a:schemeClr val="accent1"/>
+          </a:effectRef>
+          <a:fontRef idx="minor">
+            <a:schemeClr val="lt1"/>
+          </a:fontRef>
+        </p:style>
+        <p:txBody>
+          <a:bodyPr rtlCol="0" anchor="ctr"/>
+          <a:lstStyle/>
+          <a:p>
+            <a:pPr algn="ctr"/>
+            <a:endParaRPr lang="en-US" dirty="0"/>
+          </a:p>
+          <a:p>
+            <a:pPr algn="ctr"/>
+            <a:endParaRPr lang="en-US" dirty="0"/>
+          </a:p>
+        </p:txBody>
+      </p:sp>
+      <p:sp>
+        <p:nvSpPr>
+          <p:cNvPr id="19" name="TextBox 18">
+            <a:extLst>
+              <a:ext uri="{FF2B5EF4-FFF2-40B4-BE49-F238E27FC236}">
+                <a16:creationId xmlns:a16="http://schemas.microsoft.com/office/drawing/2014/main" id="{A2C7E73E-A5D8-4AB3-864F-D969F77EAE7F}"/>
+              </a:ext>
+            </a:extLst>
+          </p:cNvPr>
+          <p:cNvSpPr txBox="1"/>
+          <p:nvPr/>
+        </p:nvSpPr>
+        <p:spPr>
+          <a:xfrm>
+            <a:off x="7769834" y="5691519"/>
+            <a:ext cx="1100214" cy="369332"/>
+          </a:xfrm>
+          <a:prstGeom prst="rect">
+            <a:avLst/>
+          </a:prstGeom>
+          <a:solidFill>
+            <a:schemeClr val="bg1"/>
+          </a:solidFill>
+          <a:ln>
+            <a:solidFill>
+              <a:schemeClr val="bg2">
+                <a:lumMod val="25000"/>
+              </a:schemeClr>
+            </a:solidFill>
+          </a:ln>
+        </p:spPr>
+        <p:txBody>
+          <a:bodyPr wrap="square" rtlCol="0">
+            <a:spAutoFit/>
+          </a:bodyPr>
+          <a:lstStyle/>
+          <a:p>
+            <a:pPr algn="ctr"/>
+            <a:r>
+              <a:rPr lang="en-US" dirty="0"/>
+              <a:t>Home</a:t>
+            </a:r>
+          </a:p>
+        </p:txBody>
+      </p:sp>
+      <p:sp>
+        <p:nvSpPr>
+          <p:cNvPr id="22" name="Rectangle 21">
+            <a:extLst>
+              <a:ext uri="{FF2B5EF4-FFF2-40B4-BE49-F238E27FC236}">
+                <a16:creationId xmlns:a16="http://schemas.microsoft.com/office/drawing/2014/main" id="{9728990E-0620-439F-B262-1AA8254FE709}"/>
+              </a:ext>
+            </a:extLst>
+          </p:cNvPr>
+          <p:cNvSpPr/>
+          <p:nvPr/>
+        </p:nvSpPr>
+        <p:spPr>
+          <a:xfrm>
+            <a:off x="8981047" y="6285234"/>
+            <a:ext cx="1110624" cy="369332"/>
+          </a:xfrm>
+          <a:prstGeom prst="rect">
+            <a:avLst/>
+          </a:prstGeom>
+        </p:spPr>
+        <p:txBody>
+          <a:bodyPr wrap="none">
+            <a:spAutoFit/>
+          </a:bodyPr>
+          <a:lstStyle/>
+          <a:p>
+            <a:pPr algn="ctr"/>
+            <a:r>
+              <a:rPr lang="en-US" dirty="0">
+                <a:solidFill>
+                  <a:schemeClr val="bg1"/>
+                </a:solidFill>
+              </a:rPr>
+              <a:t>craving it!</a:t>
+            </a:r>
+          </a:p>
+        </p:txBody>
+      </p:sp>
+      <p:sp>
+        <p:nvSpPr>
+          <p:cNvPr id="23" name="TextBox 22">
+            <a:extLst>
+              <a:ext uri="{FF2B5EF4-FFF2-40B4-BE49-F238E27FC236}">
+                <a16:creationId xmlns:a16="http://schemas.microsoft.com/office/drawing/2014/main" id="{D956482E-8830-4F39-B8CE-01955A481BA9}"/>
+              </a:ext>
+            </a:extLst>
+          </p:cNvPr>
+          <p:cNvSpPr txBox="1"/>
+          <p:nvPr/>
+        </p:nvSpPr>
+        <p:spPr>
+          <a:xfrm>
+            <a:off x="8998709" y="5682604"/>
+            <a:ext cx="1100214" cy="584775"/>
+          </a:xfrm>
+          <a:prstGeom prst="rect">
+            <a:avLst/>
+          </a:prstGeom>
+          <a:solidFill>
+            <a:schemeClr val="bg1"/>
+          </a:solidFill>
+          <a:ln>
+            <a:solidFill>
+              <a:schemeClr val="bg2">
+                <a:lumMod val="25000"/>
+              </a:schemeClr>
+            </a:solidFill>
+          </a:ln>
+        </p:spPr>
+        <p:txBody>
+          <a:bodyPr wrap="square" rtlCol="0">
+            <a:spAutoFit/>
+          </a:bodyPr>
+          <a:lstStyle/>
+          <a:p>
+            <a:pPr algn="ctr"/>
+            <a:r>
+              <a:rPr lang="en-US" sz="1600" dirty="0"/>
+              <a:t>Recipe Search</a:t>
+            </a:r>
+          </a:p>
+        </p:txBody>
+      </p:sp>
+      <p:sp>
+        <p:nvSpPr>
+          <p:cNvPr id="24" name="TextBox 23">
+            <a:extLst>
+              <a:ext uri="{FF2B5EF4-FFF2-40B4-BE49-F238E27FC236}">
+                <a16:creationId xmlns:a16="http://schemas.microsoft.com/office/drawing/2014/main" id="{E6575498-A61A-4F94-92C8-867E7C31F519}"/>
+              </a:ext>
+            </a:extLst>
+          </p:cNvPr>
+          <p:cNvSpPr txBox="1"/>
+          <p:nvPr/>
+        </p:nvSpPr>
+        <p:spPr>
+          <a:xfrm>
+            <a:off x="10227584" y="5676661"/>
+            <a:ext cx="873441" cy="338554"/>
+          </a:xfrm>
+          <a:prstGeom prst="rect">
+            <a:avLst/>
+          </a:prstGeom>
+          <a:solidFill>
+            <a:schemeClr val="bg2">
+              <a:lumMod val="75000"/>
+            </a:schemeClr>
+          </a:solidFill>
+          <a:ln>
+            <a:solidFill>
+              <a:schemeClr val="bg2">
+                <a:lumMod val="25000"/>
+              </a:schemeClr>
+            </a:solidFill>
+          </a:ln>
+        </p:spPr>
+        <p:txBody>
+          <a:bodyPr wrap="square" rtlCol="0">
+            <a:spAutoFit/>
+          </a:bodyPr>
+          <a:lstStyle/>
+          <a:p>
+            <a:pPr algn="ctr"/>
+            <a:r>
+              <a:rPr lang="en-US" sz="1600" dirty="0"/>
+              <a:t>Profile</a:t>
+            </a:r>
+            <a:endParaRPr lang="en-US" dirty="0"/>
+          </a:p>
+        </p:txBody>
+      </p:sp>
+      <p:graphicFrame>
+        <p:nvGraphicFramePr>
+          <p:cNvPr id="26" name="Table 26">
+            <a:extLst>
+              <a:ext uri="{FF2B5EF4-FFF2-40B4-BE49-F238E27FC236}">
+                <a16:creationId xmlns:a16="http://schemas.microsoft.com/office/drawing/2014/main" id="{1B9965BB-47CE-4B92-93B2-14A9B9C4D7D8}"/>
+              </a:ext>
+            </a:extLst>
+          </p:cNvPr>
+          <p:cNvGraphicFramePr>
+            <a:graphicFrameLocks noGrp="1"/>
+          </p:cNvGraphicFramePr>
+          <p:nvPr>
+            <p:extLst>
+              <p:ext uri="{D42A27DB-BD31-4B8C-83A1-F6EECF244321}">
+                <p14:modId xmlns:p14="http://schemas.microsoft.com/office/powerpoint/2010/main" val="1220641873"/>
+              </p:ext>
+            </p:extLst>
+          </p:nvPr>
+        </p:nvGraphicFramePr>
+        <p:xfrm>
+          <a:off x="9595550" y="2102107"/>
+          <a:ext cx="2354418" cy="1478280"/>
+        </p:xfrm>
+        <a:graphic>
+          <a:graphicData uri="http://schemas.openxmlformats.org/drawingml/2006/table">
+            <a:tbl>
+              <a:tblPr firstRow="1" bandRow="1">
+                <a:tableStyleId>{616DA210-FB5B-4158-B5E0-FEB733F419BA}</a:tableStyleId>
+              </a:tblPr>
+              <a:tblGrid>
+                <a:gridCol w="1274918">
+                  <a:extLst>
+                    <a:ext uri="{9D8B030D-6E8A-4147-A177-3AD203B41FA5}">
+                      <a16:colId xmlns:a16="http://schemas.microsoft.com/office/drawing/2014/main" val="1653782959"/>
+                    </a:ext>
+                  </a:extLst>
+                </a:gridCol>
+                <a:gridCol w="1079500">
+                  <a:extLst>
+                    <a:ext uri="{9D8B030D-6E8A-4147-A177-3AD203B41FA5}">
+                      <a16:colId xmlns:a16="http://schemas.microsoft.com/office/drawing/2014/main" val="2287788365"/>
+                    </a:ext>
+                  </a:extLst>
+                </a:gridCol>
+              </a:tblGrid>
+              <a:tr h="148115">
+                <a:tc>
+                  <a:txBody>
+                    <a:bodyPr/>
+                    <a:lstStyle/>
+                    <a:p>
+                      <a:r>
+                        <a:rPr lang="en-US" b="0" dirty="0"/>
+                        <a:t>Ingredient</a:t>
+                      </a:r>
+                    </a:p>
+                  </a:txBody>
+                  <a:tcPr>
+                    <a:noFill/>
+                  </a:tcPr>
+                </a:tc>
+                <a:tc>
+                  <a:txBody>
+                    <a:bodyPr/>
+                    <a:lstStyle/>
+                    <a:p>
+                      <a:pPr marL="0" marR="0" lvl="0" indent="0" algn="l" defTabSz="914400" rtl="0" eaLnBrk="1" fontAlgn="auto" latinLnBrk="0" hangingPunct="1">
+                        <a:lnSpc>
+                          <a:spcPct val="100000"/>
+                        </a:lnSpc>
+                        <a:spcBef>
+                          <a:spcPts val="0"/>
+                        </a:spcBef>
+                        <a:spcAft>
+                          <a:spcPts val="0"/>
+                        </a:spcAft>
+                        <a:buClrTx/>
+                        <a:buSzTx/>
+                        <a:buFontTx/>
+                        <a:buNone/>
+                        <a:tabLst/>
+                        <a:defRPr/>
+                      </a:pPr>
+                      <a:r>
+                        <a:rPr lang="en-US" b="0" dirty="0"/>
+                        <a:t>Quantity </a:t>
+                      </a:r>
+                    </a:p>
+                  </a:txBody>
+                  <a:tcPr>
+                    <a:noFill/>
+                  </a:tcPr>
+                </a:tc>
+                <a:extLst>
+                  <a:ext uri="{0D108BD9-81ED-4DB2-BD59-A6C34878D82A}">
+                    <a16:rowId xmlns:a16="http://schemas.microsoft.com/office/drawing/2014/main" val="273868306"/>
+                  </a:ext>
+                </a:extLst>
+              </a:tr>
+              <a:tr h="370840">
+                <a:tc>
+                  <a:txBody>
+                    <a:bodyPr/>
+                    <a:lstStyle/>
+                    <a:p>
+                      <a:r>
+                        <a:rPr lang="en-US" b="0" dirty="0"/>
+                        <a:t>Ingredient</a:t>
+                      </a:r>
+                    </a:p>
+                  </a:txBody>
+                  <a:tcPr>
+                    <a:noFill/>
+                  </a:tcPr>
+                </a:tc>
+                <a:tc>
+                  <a:txBody>
+                    <a:bodyPr/>
+                    <a:lstStyle/>
+                    <a:p>
+                      <a:r>
+                        <a:rPr lang="en-US" b="0" dirty="0"/>
+                        <a:t>Quantity </a:t>
+                      </a:r>
+                    </a:p>
+                  </a:txBody>
+                  <a:tcPr>
+                    <a:noFill/>
+                  </a:tcPr>
+                </a:tc>
+                <a:extLst>
+                  <a:ext uri="{0D108BD9-81ED-4DB2-BD59-A6C34878D82A}">
+                    <a16:rowId xmlns:a16="http://schemas.microsoft.com/office/drawing/2014/main" val="2730835107"/>
+                  </a:ext>
+                </a:extLst>
+              </a:tr>
+              <a:tr h="370840">
+                <a:tc>
+                  <a:txBody>
+                    <a:bodyPr/>
+                    <a:lstStyle/>
+                    <a:p>
+                      <a:r>
+                        <a:rPr lang="en-US" b="0" dirty="0"/>
+                        <a:t>Ingredient</a:t>
+                      </a:r>
+                    </a:p>
+                  </a:txBody>
+                  <a:tcPr>
+                    <a:noFill/>
+                  </a:tcPr>
+                </a:tc>
+                <a:tc>
+                  <a:txBody>
+                    <a:bodyPr/>
+                    <a:lstStyle/>
+                    <a:p>
+                      <a:r>
+                        <a:rPr lang="en-US" b="0" dirty="0"/>
+                        <a:t>Quantity</a:t>
+                      </a:r>
+                    </a:p>
+                  </a:txBody>
+                  <a:tcPr>
+                    <a:noFill/>
+                  </a:tcPr>
+                </a:tc>
+                <a:extLst>
+                  <a:ext uri="{0D108BD9-81ED-4DB2-BD59-A6C34878D82A}">
+                    <a16:rowId xmlns:a16="http://schemas.microsoft.com/office/drawing/2014/main" val="4018246160"/>
+                  </a:ext>
+                </a:extLst>
+              </a:tr>
+              <a:tr h="370840">
+                <a:tc>
+                  <a:txBody>
+                    <a:bodyPr/>
+                    <a:lstStyle/>
+                    <a:p>
+                      <a:r>
+                        <a:rPr lang="en-US" b="0" dirty="0"/>
+                        <a:t>Ingredient</a:t>
+                      </a:r>
+                    </a:p>
+                  </a:txBody>
+                  <a:tcPr>
+                    <a:noFill/>
+                  </a:tcPr>
+                </a:tc>
+                <a:tc>
+                  <a:txBody>
+                    <a:bodyPr/>
+                    <a:lstStyle/>
+                    <a:p>
+                      <a:r>
+                        <a:rPr lang="en-US" b="0" dirty="0"/>
+                        <a:t>Quantity</a:t>
+                      </a:r>
+                    </a:p>
+                  </a:txBody>
+                  <a:tcPr>
+                    <a:noFill/>
+                  </a:tcPr>
+                </a:tc>
+                <a:extLst>
+                  <a:ext uri="{0D108BD9-81ED-4DB2-BD59-A6C34878D82A}">
+                    <a16:rowId xmlns:a16="http://schemas.microsoft.com/office/drawing/2014/main" val="2413163268"/>
+                  </a:ext>
+                </a:extLst>
+              </a:tr>
+            </a:tbl>
+          </a:graphicData>
+        </a:graphic>
+      </p:graphicFrame>
+      <p:sp>
+        <p:nvSpPr>
+          <p:cNvPr id="28" name="TextBox 27">
+            <a:extLst>
+              <a:ext uri="{FF2B5EF4-FFF2-40B4-BE49-F238E27FC236}">
+                <a16:creationId xmlns:a16="http://schemas.microsoft.com/office/drawing/2014/main" id="{24634602-7119-43A6-B41F-3A08F90E71C7}"/>
+              </a:ext>
+            </a:extLst>
+          </p:cNvPr>
+          <p:cNvSpPr txBox="1"/>
+          <p:nvPr/>
+        </p:nvSpPr>
+        <p:spPr>
+          <a:xfrm>
+            <a:off x="7092222" y="4007215"/>
+            <a:ext cx="3287049" cy="1477328"/>
+          </a:xfrm>
+          <a:prstGeom prst="rect">
+            <a:avLst/>
+          </a:prstGeom>
+          <a:noFill/>
+        </p:spPr>
+        <p:txBody>
+          <a:bodyPr wrap="square" rtlCol="0">
+            <a:spAutoFit/>
+          </a:bodyPr>
+          <a:lstStyle/>
+          <a:p>
+            <a:r>
+              <a:rPr lang="en-US" dirty="0"/>
+              <a:t>Instructions:</a:t>
+            </a:r>
+          </a:p>
+          <a:p>
+            <a:pPr marL="342900" indent="-342900">
+              <a:buAutoNum type="arabicPeriod"/>
+            </a:pPr>
+            <a:r>
+              <a:rPr lang="en-US" dirty="0"/>
+              <a:t>---------------------------------------</a:t>
+            </a:r>
+          </a:p>
+          <a:p>
+            <a:pPr marL="342900" indent="-342900">
+              <a:buAutoNum type="arabicPeriod"/>
+            </a:pPr>
+            <a:r>
+              <a:rPr lang="en-US" dirty="0"/>
+              <a:t>---------------------------------------------------------------------------</a:t>
+            </a:r>
+          </a:p>
+          <a:p>
+            <a:pPr marL="342900" indent="-342900">
+              <a:buAutoNum type="arabicPeriod"/>
+            </a:pPr>
+            <a:r>
+              <a:rPr lang="en-US" dirty="0"/>
+              <a:t>---------------------------------------</a:t>
+            </a:r>
+          </a:p>
+        </p:txBody>
+      </p:sp>
+      <p:sp>
+        <p:nvSpPr>
+          <p:cNvPr id="29" name="TextBox 28">
+            <a:extLst>
+              <a:ext uri="{FF2B5EF4-FFF2-40B4-BE49-F238E27FC236}">
+                <a16:creationId xmlns:a16="http://schemas.microsoft.com/office/drawing/2014/main" id="{75C46BA4-47B1-4B07-8A1C-0105D47056A4}"/>
+              </a:ext>
+            </a:extLst>
+          </p:cNvPr>
+          <p:cNvSpPr txBox="1"/>
+          <p:nvPr/>
+        </p:nvSpPr>
+        <p:spPr>
+          <a:xfrm>
+            <a:off x="10379271" y="4167527"/>
+            <a:ext cx="1568058" cy="1200329"/>
+          </a:xfrm>
+          <a:prstGeom prst="rect">
+            <a:avLst/>
+          </a:prstGeom>
+          <a:noFill/>
+          <a:ln>
+            <a:solidFill>
+              <a:srgbClr val="C00000"/>
+            </a:solidFill>
+          </a:ln>
+        </p:spPr>
+        <p:txBody>
+          <a:bodyPr wrap="square" rtlCol="0">
+            <a:spAutoFit/>
+          </a:bodyPr>
+          <a:lstStyle/>
+          <a:p>
+            <a:r>
+              <a:rPr lang="en-US" dirty="0"/>
+              <a:t>YouTube Video</a:t>
+            </a:r>
+          </a:p>
+          <a:p>
+            <a:endParaRPr lang="en-US" dirty="0"/>
+          </a:p>
+          <a:p>
+            <a:endParaRPr lang="en-US" dirty="0"/>
+          </a:p>
+          <a:p>
+            <a:endParaRPr lang="en-US" dirty="0"/>
+          </a:p>
+        </p:txBody>
+      </p:sp>
+    </p:spTree>
+    <p:extLst>
+      <p:ext uri="{BB962C8B-B14F-4D97-AF65-F5344CB8AC3E}">
+        <p14:creationId xmlns:p14="http://schemas.microsoft.com/office/powerpoint/2010/main" val="2180021107"/>
+      </p:ext>
+    </p:extLst>
+  </p:cSld>
+  <p:clrMapOvr>
+    <a:masterClrMapping/>
+  </p:clrMapOvr>
+</p:sld>
+</file>
+
+<file path=ppt/slides/slide12.xml><?xml version="1.0" encoding="utf-8"?>
+<p:sld xmlns:a="http://schemas.openxmlformats.org/drawingml/2006/main" xmlns:r="http://schemas.openxmlformats.org/officeDocument/2006/relationships" xmlns:p="http://schemas.openxmlformats.org/presentationml/2006/main">
+  <p:cSld>
+    <p:spTree>
+      <p:nvGrpSpPr>
+        <p:cNvPr id="1" name=""/>
+        <p:cNvGrpSpPr/>
+        <p:nvPr/>
+      </p:nvGrpSpPr>
+      <p:grpSpPr>
+        <a:xfrm>
+          <a:off x="0" y="0"/>
+          <a:ext cx="0" cy="0"/>
+          <a:chOff x="0" y="0"/>
+          <a:chExt cx="0" cy="0"/>
+        </a:xfrm>
+      </p:grpSpPr>
+      <p:sp>
+        <p:nvSpPr>
+          <p:cNvPr id="16" name="Rectangle 15">
+            <a:extLst>
+              <a:ext uri="{FF2B5EF4-FFF2-40B4-BE49-F238E27FC236}">
+                <a16:creationId xmlns:a16="http://schemas.microsoft.com/office/drawing/2014/main" id="{4FEE3A92-030F-4779-9C80-FE9635BBBF3B}"/>
+              </a:ext>
+            </a:extLst>
+          </p:cNvPr>
+          <p:cNvSpPr/>
+          <p:nvPr/>
+        </p:nvSpPr>
+        <p:spPr>
+          <a:xfrm>
+            <a:off x="7934639" y="4874437"/>
+            <a:ext cx="3849758" cy="1252806"/>
+          </a:xfrm>
+          <a:prstGeom prst="rect">
+            <a:avLst/>
+          </a:prstGeom>
+        </p:spPr>
+        <p:style>
+          <a:lnRef idx="2">
+            <a:schemeClr val="accent1">
+              <a:shade val="50000"/>
+            </a:schemeClr>
+          </a:lnRef>
+          <a:fillRef idx="1">
+            <a:schemeClr val="accent1"/>
+          </a:fillRef>
+          <a:effectRef idx="0">
+            <a:schemeClr val="accent1"/>
+          </a:effectRef>
+          <a:fontRef idx="minor">
+            <a:schemeClr val="lt1"/>
+          </a:fontRef>
+        </p:style>
+        <p:txBody>
+          <a:bodyPr rtlCol="0" anchor="ctr"/>
+          <a:lstStyle/>
+          <a:p>
+            <a:pPr algn="ctr"/>
+            <a:endParaRPr lang="en-US" dirty="0"/>
+          </a:p>
+          <a:p>
+            <a:pPr algn="ctr"/>
+            <a:endParaRPr lang="en-US" dirty="0"/>
+          </a:p>
+        </p:txBody>
+      </p:sp>
+      <p:sp>
+        <p:nvSpPr>
+          <p:cNvPr id="2" name="Title 1">
+            <a:extLst>
+              <a:ext uri="{FF2B5EF4-FFF2-40B4-BE49-F238E27FC236}">
+                <a16:creationId xmlns:a16="http://schemas.microsoft.com/office/drawing/2014/main" id="{DE14EAC0-0A11-4EF0-8A99-561D30D8ADE6}"/>
+              </a:ext>
+            </a:extLst>
+          </p:cNvPr>
+          <p:cNvSpPr>
+            <a:spLocks noGrp="1"/>
+          </p:cNvSpPr>
+          <p:nvPr>
+            <p:ph type="title"/>
+          </p:nvPr>
+        </p:nvSpPr>
+        <p:spPr>
+          <a:xfrm>
+            <a:off x="838200" y="85999"/>
+            <a:ext cx="10515600" cy="1325563"/>
+          </a:xfrm>
+        </p:spPr>
+        <p:txBody>
+          <a:bodyPr/>
+          <a:lstStyle/>
+          <a:p>
+            <a:r>
+              <a:rPr lang="en-US" dirty="0"/>
+              <a:t>Search Result Page – Restaurant </a:t>
+            </a:r>
+          </a:p>
+        </p:txBody>
+      </p:sp>
+      <p:sp>
+        <p:nvSpPr>
+          <p:cNvPr id="4" name="TextBox 3">
+            <a:extLst>
+              <a:ext uri="{FF2B5EF4-FFF2-40B4-BE49-F238E27FC236}">
+                <a16:creationId xmlns:a16="http://schemas.microsoft.com/office/drawing/2014/main" id="{B4C2DDF9-5860-467F-8A86-9DA6BABFD4F4}"/>
+              </a:ext>
+            </a:extLst>
+          </p:cNvPr>
+          <p:cNvSpPr txBox="1"/>
+          <p:nvPr/>
+        </p:nvSpPr>
+        <p:spPr>
+          <a:xfrm>
+            <a:off x="972152" y="1164663"/>
+            <a:ext cx="6585634" cy="5632311"/>
+          </a:xfrm>
+          <a:prstGeom prst="rect">
+            <a:avLst/>
+          </a:prstGeom>
+          <a:noFill/>
+        </p:spPr>
+        <p:txBody>
+          <a:bodyPr wrap="square" rtlCol="0">
+            <a:spAutoFit/>
+          </a:bodyPr>
+          <a:lstStyle/>
+          <a:p>
+            <a:r>
+              <a:rPr lang="en-US" dirty="0"/>
+              <a:t>Navigation: Welcome &gt; Find Restaurant Button  &gt; Search Restaurant </a:t>
+            </a:r>
+          </a:p>
+          <a:p>
+            <a:endParaRPr lang="en-US" dirty="0"/>
+          </a:p>
+          <a:p>
+            <a:r>
+              <a:rPr lang="en-US" dirty="0"/>
+              <a:t>Lists of restaurant based on the cuisine type selected within their area code.</a:t>
+            </a:r>
+          </a:p>
+          <a:p>
+            <a:endParaRPr lang="en-US" dirty="0"/>
+          </a:p>
+          <a:p>
+            <a:r>
+              <a:rPr lang="en-US" dirty="0"/>
+              <a:t>MVP: list of x number of results within x miles of their area code.  Lists the restaurant name and URL to restaurant’s website or yelp page.</a:t>
+            </a:r>
+          </a:p>
+          <a:p>
+            <a:endParaRPr lang="en-US" dirty="0"/>
+          </a:p>
+          <a:p>
+            <a:r>
+              <a:rPr lang="en-US" dirty="0"/>
+              <a:t>Restaurant information:</a:t>
+            </a:r>
+          </a:p>
+          <a:p>
+            <a:pPr marL="285750" indent="-285750">
+              <a:buFont typeface="Arial" panose="020B0604020202020204" pitchFamily="34" charset="0"/>
+              <a:buChar char="•"/>
+            </a:pPr>
+            <a:r>
+              <a:rPr lang="en-US" dirty="0"/>
+              <a:t>Name</a:t>
+            </a:r>
+          </a:p>
+          <a:p>
+            <a:pPr marL="285750" indent="-285750">
+              <a:buFont typeface="Arial" panose="020B0604020202020204" pitchFamily="34" charset="0"/>
+              <a:buChar char="•"/>
+            </a:pPr>
+            <a:r>
+              <a:rPr lang="en-US" dirty="0"/>
+              <a:t>Address</a:t>
+            </a:r>
+          </a:p>
+          <a:p>
+            <a:endParaRPr lang="en-US" dirty="0"/>
+          </a:p>
+          <a:p>
+            <a:r>
+              <a:rPr lang="en-US" dirty="0"/>
+              <a:t>Potential add-on: </a:t>
+            </a:r>
+          </a:p>
+          <a:p>
+            <a:pPr marL="285750" indent="-285750">
+              <a:buFont typeface="Arial" panose="020B0604020202020204" pitchFamily="34" charset="0"/>
+              <a:buChar char="•"/>
+            </a:pPr>
+            <a:r>
+              <a:rPr lang="en-US" dirty="0"/>
+              <a:t>Navigation to Profile Page</a:t>
+            </a:r>
+          </a:p>
+          <a:p>
+            <a:pPr marL="285750" indent="-285750">
+              <a:buFont typeface="Arial" panose="020B0604020202020204" pitchFamily="34" charset="0"/>
+              <a:buChar char="•"/>
+            </a:pPr>
+            <a:r>
+              <a:rPr lang="en-US" dirty="0"/>
+              <a:t>Map showing locations of restaurants</a:t>
+            </a:r>
+          </a:p>
+          <a:p>
+            <a:pPr marL="285750" indent="-285750">
+              <a:buFont typeface="Arial" panose="020B0604020202020204" pitchFamily="34" charset="0"/>
+              <a:buChar char="•"/>
+            </a:pPr>
+            <a:r>
+              <a:rPr lang="en-US" dirty="0"/>
+              <a:t>Clicking address navigates user to Google map </a:t>
+            </a:r>
+          </a:p>
+          <a:p>
+            <a:pPr marL="285750" indent="-285750">
+              <a:buFont typeface="Arial" panose="020B0604020202020204" pitchFamily="34" charset="0"/>
+              <a:buChar char="•"/>
+            </a:pPr>
+            <a:endParaRPr lang="en-US" dirty="0"/>
+          </a:p>
+          <a:p>
+            <a:endParaRPr lang="en-US" dirty="0"/>
+          </a:p>
+          <a:p>
+            <a:endParaRPr lang="en-US" dirty="0"/>
+          </a:p>
+        </p:txBody>
+      </p:sp>
+      <p:sp>
+        <p:nvSpPr>
+          <p:cNvPr id="5" name="Rectangle 4">
+            <a:extLst>
+              <a:ext uri="{FF2B5EF4-FFF2-40B4-BE49-F238E27FC236}">
+                <a16:creationId xmlns:a16="http://schemas.microsoft.com/office/drawing/2014/main" id="{FE0372F8-BAA1-4F6C-A09F-2ABFC6A9CB6A}"/>
+              </a:ext>
+            </a:extLst>
+          </p:cNvPr>
+          <p:cNvSpPr/>
+          <p:nvPr/>
+        </p:nvSpPr>
+        <p:spPr>
+          <a:xfrm>
+            <a:off x="10430071" y="0"/>
+            <a:ext cx="1568058" cy="923330"/>
+          </a:xfrm>
+          <a:prstGeom prst="rect">
+            <a:avLst/>
+          </a:prstGeom>
+          <a:noFill/>
+        </p:spPr>
+        <p:txBody>
+          <a:bodyPr wrap="none" lIns="91440" tIns="45720" rIns="91440" bIns="45720">
+            <a:spAutoFit/>
+          </a:bodyPr>
+          <a:lstStyle/>
+          <a:p>
+            <a:pPr algn="ctr"/>
+            <a:r>
+              <a:rPr lang="en-US" sz="5400" b="1" cap="none" spc="0" dirty="0">
+                <a:ln w="22225">
+                  <a:solidFill>
+                    <a:schemeClr val="accent2"/>
+                  </a:solidFill>
+                  <a:prstDash val="solid"/>
+                </a:ln>
+                <a:solidFill>
+                  <a:schemeClr val="accent2">
+                    <a:lumMod val="40000"/>
+                    <a:lumOff val="60000"/>
+                  </a:schemeClr>
+                </a:solidFill>
+                <a:effectLst/>
+              </a:rPr>
+              <a:t>MVP</a:t>
+            </a:r>
+          </a:p>
+        </p:txBody>
+      </p:sp>
+      <p:sp>
+        <p:nvSpPr>
+          <p:cNvPr id="6" name="TextBox 5">
+            <a:extLst>
+              <a:ext uri="{FF2B5EF4-FFF2-40B4-BE49-F238E27FC236}">
+                <a16:creationId xmlns:a16="http://schemas.microsoft.com/office/drawing/2014/main" id="{42814619-01D8-4ECD-972C-2B95ED9387CB}"/>
+              </a:ext>
+            </a:extLst>
+          </p:cNvPr>
+          <p:cNvSpPr txBox="1"/>
+          <p:nvPr/>
+        </p:nvSpPr>
+        <p:spPr>
+          <a:xfrm>
+            <a:off x="7935241" y="1256261"/>
+            <a:ext cx="3849758" cy="789323"/>
+          </a:xfrm>
+          <a:prstGeom prst="rect">
+            <a:avLst/>
+          </a:prstGeom>
+          <a:solidFill>
+            <a:schemeClr val="accent1"/>
+          </a:solidFill>
+        </p:spPr>
+        <p:txBody>
+          <a:bodyPr wrap="square" rtlCol="0">
+            <a:spAutoFit/>
+          </a:bodyPr>
+          <a:lstStyle/>
+          <a:p>
+            <a:endParaRPr lang="en-US" dirty="0"/>
+          </a:p>
+        </p:txBody>
+      </p:sp>
+      <p:sp>
+        <p:nvSpPr>
+          <p:cNvPr id="7" name="Rectangle 6">
+            <a:extLst>
+              <a:ext uri="{FF2B5EF4-FFF2-40B4-BE49-F238E27FC236}">
+                <a16:creationId xmlns:a16="http://schemas.microsoft.com/office/drawing/2014/main" id="{B7E44E02-FB1D-4256-8E38-5F06DEF3FBF2}"/>
+              </a:ext>
+            </a:extLst>
+          </p:cNvPr>
+          <p:cNvSpPr/>
+          <p:nvPr/>
+        </p:nvSpPr>
+        <p:spPr>
+          <a:xfrm>
+            <a:off x="7935843" y="1256261"/>
+            <a:ext cx="3849758" cy="4870982"/>
+          </a:xfrm>
+          <a:prstGeom prst="rect">
+            <a:avLst/>
+          </a:prstGeom>
+          <a:noFill/>
+          <a:ln>
+            <a:solidFill>
+              <a:schemeClr val="tx1"/>
+            </a:solidFill>
+          </a:ln>
+        </p:spPr>
+        <p:style>
+          <a:lnRef idx="2">
+            <a:schemeClr val="accent6"/>
+          </a:lnRef>
+          <a:fillRef idx="1">
+            <a:schemeClr val="lt1"/>
+          </a:fillRef>
+          <a:effectRef idx="0">
+            <a:schemeClr val="accent6"/>
+          </a:effectRef>
+          <a:fontRef idx="minor">
+            <a:schemeClr val="dk1"/>
+          </a:fontRef>
+        </p:style>
+        <p:txBody>
+          <a:bodyPr rtlCol="0" anchor="ctr"/>
+          <a:lstStyle/>
+          <a:p>
+            <a:pPr algn="ctr"/>
+            <a:endParaRPr lang="en-US"/>
+          </a:p>
+        </p:txBody>
+      </p:sp>
+      <p:sp>
+        <p:nvSpPr>
+          <p:cNvPr id="10" name="TextBox 9">
+            <a:extLst>
+              <a:ext uri="{FF2B5EF4-FFF2-40B4-BE49-F238E27FC236}">
+                <a16:creationId xmlns:a16="http://schemas.microsoft.com/office/drawing/2014/main" id="{FB39F0D3-1E08-4E26-8AAB-A1E8997EC10E}"/>
+              </a:ext>
+            </a:extLst>
+          </p:cNvPr>
+          <p:cNvSpPr txBox="1"/>
+          <p:nvPr/>
+        </p:nvSpPr>
+        <p:spPr>
+          <a:xfrm>
+            <a:off x="7934639" y="1389312"/>
+            <a:ext cx="3850361" cy="523220"/>
+          </a:xfrm>
+          <a:prstGeom prst="rect">
+            <a:avLst/>
+          </a:prstGeom>
+          <a:noFill/>
+        </p:spPr>
+        <p:txBody>
+          <a:bodyPr wrap="square" rtlCol="0">
+            <a:spAutoFit/>
+          </a:bodyPr>
+          <a:lstStyle/>
+          <a:p>
+            <a:pPr algn="ctr"/>
+            <a:r>
+              <a:rPr lang="en-US" sz="2800" dirty="0">
+                <a:solidFill>
+                  <a:schemeClr val="bg1"/>
+                </a:solidFill>
+              </a:rPr>
+              <a:t>Restaurants In Your Area</a:t>
+            </a:r>
+          </a:p>
+        </p:txBody>
+      </p:sp>
+      <p:sp>
+        <p:nvSpPr>
+          <p:cNvPr id="11" name="TextBox 10">
+            <a:extLst>
+              <a:ext uri="{FF2B5EF4-FFF2-40B4-BE49-F238E27FC236}">
+                <a16:creationId xmlns:a16="http://schemas.microsoft.com/office/drawing/2014/main" id="{1A72FBF7-64B3-48F7-9A2B-6CA98050CDC0}"/>
+              </a:ext>
+            </a:extLst>
+          </p:cNvPr>
+          <p:cNvSpPr txBox="1"/>
+          <p:nvPr/>
+        </p:nvSpPr>
+        <p:spPr>
+          <a:xfrm>
+            <a:off x="8213757" y="2376018"/>
+            <a:ext cx="2806148" cy="646331"/>
+          </a:xfrm>
+          <a:prstGeom prst="rect">
+            <a:avLst/>
+          </a:prstGeom>
+          <a:noFill/>
+        </p:spPr>
+        <p:txBody>
+          <a:bodyPr wrap="square" rtlCol="0">
+            <a:spAutoFit/>
+          </a:bodyPr>
+          <a:lstStyle/>
+          <a:p>
+            <a:r>
+              <a:rPr lang="en-US" dirty="0"/>
+              <a:t>restaurant name</a:t>
+            </a:r>
+          </a:p>
+          <a:p>
+            <a:r>
+              <a:rPr lang="en-US" u="sng" dirty="0">
+                <a:solidFill>
+                  <a:srgbClr val="00B0F0"/>
+                </a:solidFill>
+              </a:rPr>
+              <a:t>address</a:t>
+            </a:r>
+          </a:p>
+        </p:txBody>
+      </p:sp>
+      <p:sp>
+        <p:nvSpPr>
+          <p:cNvPr id="14" name="TextBox 13">
+            <a:extLst>
+              <a:ext uri="{FF2B5EF4-FFF2-40B4-BE49-F238E27FC236}">
+                <a16:creationId xmlns:a16="http://schemas.microsoft.com/office/drawing/2014/main" id="{FB9B0D40-E905-43BB-A02A-508ABDDFF6C9}"/>
+              </a:ext>
+            </a:extLst>
+          </p:cNvPr>
+          <p:cNvSpPr txBox="1"/>
+          <p:nvPr/>
+        </p:nvSpPr>
+        <p:spPr>
+          <a:xfrm>
+            <a:off x="9254710" y="5000662"/>
+            <a:ext cx="1100214" cy="584775"/>
+          </a:xfrm>
+          <a:prstGeom prst="rect">
+            <a:avLst/>
+          </a:prstGeom>
+          <a:solidFill>
+            <a:schemeClr val="bg1"/>
+          </a:solidFill>
+          <a:ln>
+            <a:solidFill>
+              <a:schemeClr val="bg2">
+                <a:lumMod val="25000"/>
+              </a:schemeClr>
+            </a:solidFill>
+          </a:ln>
+        </p:spPr>
+        <p:txBody>
+          <a:bodyPr wrap="square" rtlCol="0">
+            <a:spAutoFit/>
+          </a:bodyPr>
+          <a:lstStyle/>
+          <a:p>
+            <a:pPr algn="ctr"/>
+            <a:r>
+              <a:rPr lang="en-US" sz="1600" dirty="0"/>
+              <a:t>Restaurant</a:t>
+            </a:r>
+          </a:p>
+          <a:p>
+            <a:pPr algn="ctr"/>
+            <a:r>
+              <a:rPr lang="en-US" sz="1600" dirty="0"/>
+              <a:t>search</a:t>
+            </a:r>
+          </a:p>
+        </p:txBody>
+      </p:sp>
+      <p:sp>
+        <p:nvSpPr>
+          <p:cNvPr id="15" name="TextBox 14">
+            <a:extLst>
+              <a:ext uri="{FF2B5EF4-FFF2-40B4-BE49-F238E27FC236}">
+                <a16:creationId xmlns:a16="http://schemas.microsoft.com/office/drawing/2014/main" id="{E8D92E2D-6D7D-44C3-AE4C-4A9CE5D6F7B9}"/>
+              </a:ext>
+            </a:extLst>
+          </p:cNvPr>
+          <p:cNvSpPr txBox="1"/>
+          <p:nvPr/>
+        </p:nvSpPr>
+        <p:spPr>
+          <a:xfrm>
+            <a:off x="10483585" y="4994719"/>
+            <a:ext cx="873441" cy="338554"/>
+          </a:xfrm>
+          <a:prstGeom prst="rect">
+            <a:avLst/>
+          </a:prstGeom>
+          <a:solidFill>
+            <a:schemeClr val="bg2">
+              <a:lumMod val="75000"/>
+            </a:schemeClr>
+          </a:solidFill>
+          <a:ln>
+            <a:solidFill>
+              <a:schemeClr val="bg2">
+                <a:lumMod val="25000"/>
+              </a:schemeClr>
+            </a:solidFill>
+          </a:ln>
+        </p:spPr>
+        <p:txBody>
+          <a:bodyPr wrap="square" rtlCol="0">
+            <a:spAutoFit/>
+          </a:bodyPr>
+          <a:lstStyle/>
+          <a:p>
+            <a:pPr algn="ctr"/>
+            <a:r>
+              <a:rPr lang="en-US" sz="1600" dirty="0"/>
+              <a:t>Profile</a:t>
+            </a:r>
+            <a:endParaRPr lang="en-US" dirty="0"/>
+          </a:p>
+        </p:txBody>
+      </p:sp>
+      <p:sp>
+        <p:nvSpPr>
+          <p:cNvPr id="17" name="TextBox 16">
+            <a:extLst>
+              <a:ext uri="{FF2B5EF4-FFF2-40B4-BE49-F238E27FC236}">
+                <a16:creationId xmlns:a16="http://schemas.microsoft.com/office/drawing/2014/main" id="{277939C8-D320-4E47-A2E4-902AD306AEEF}"/>
+              </a:ext>
+            </a:extLst>
+          </p:cNvPr>
+          <p:cNvSpPr txBox="1"/>
+          <p:nvPr/>
+        </p:nvSpPr>
+        <p:spPr>
+          <a:xfrm>
+            <a:off x="8213757" y="5007489"/>
+            <a:ext cx="826539" cy="369332"/>
+          </a:xfrm>
+          <a:prstGeom prst="rect">
+            <a:avLst/>
+          </a:prstGeom>
+          <a:solidFill>
+            <a:schemeClr val="bg1"/>
+          </a:solidFill>
+          <a:ln>
+            <a:solidFill>
+              <a:schemeClr val="bg2">
+                <a:lumMod val="25000"/>
+              </a:schemeClr>
+            </a:solidFill>
+          </a:ln>
+        </p:spPr>
+        <p:txBody>
+          <a:bodyPr wrap="square" rtlCol="0">
+            <a:spAutoFit/>
+          </a:bodyPr>
+          <a:lstStyle/>
+          <a:p>
+            <a:pPr algn="ctr"/>
+            <a:r>
+              <a:rPr lang="en-US" dirty="0"/>
+              <a:t>Home</a:t>
+            </a:r>
+          </a:p>
+        </p:txBody>
+      </p:sp>
+      <p:sp>
+        <p:nvSpPr>
+          <p:cNvPr id="18" name="Rectangle 17">
+            <a:extLst>
+              <a:ext uri="{FF2B5EF4-FFF2-40B4-BE49-F238E27FC236}">
+                <a16:creationId xmlns:a16="http://schemas.microsoft.com/office/drawing/2014/main" id="{6FBCD4ED-D29B-4550-97C8-A187E876D8C6}"/>
+              </a:ext>
+            </a:extLst>
+          </p:cNvPr>
+          <p:cNvSpPr/>
+          <p:nvPr/>
+        </p:nvSpPr>
+        <p:spPr>
+          <a:xfrm>
+            <a:off x="8817305" y="5639771"/>
+            <a:ext cx="1934727" cy="369332"/>
+          </a:xfrm>
+          <a:prstGeom prst="rect">
+            <a:avLst/>
+          </a:prstGeom>
+        </p:spPr>
+        <p:txBody>
+          <a:bodyPr wrap="square">
+            <a:spAutoFit/>
+          </a:bodyPr>
+          <a:lstStyle/>
+          <a:p>
+            <a:pPr algn="ctr"/>
+            <a:r>
+              <a:rPr lang="en-US" dirty="0">
+                <a:solidFill>
+                  <a:schemeClr val="bg1"/>
+                </a:solidFill>
+              </a:rPr>
+              <a:t>craving it!</a:t>
+            </a:r>
+          </a:p>
+        </p:txBody>
+      </p:sp>
+      <p:sp>
+        <p:nvSpPr>
+          <p:cNvPr id="21" name="TextBox 20">
+            <a:extLst>
+              <a:ext uri="{FF2B5EF4-FFF2-40B4-BE49-F238E27FC236}">
+                <a16:creationId xmlns:a16="http://schemas.microsoft.com/office/drawing/2014/main" id="{B1720789-4FCA-4049-9882-C111E28F9210}"/>
+              </a:ext>
+            </a:extLst>
+          </p:cNvPr>
+          <p:cNvSpPr txBox="1"/>
+          <p:nvPr/>
+        </p:nvSpPr>
+        <p:spPr>
+          <a:xfrm>
+            <a:off x="8224710" y="3070319"/>
+            <a:ext cx="2806148" cy="646331"/>
+          </a:xfrm>
+          <a:prstGeom prst="rect">
+            <a:avLst/>
+          </a:prstGeom>
+          <a:noFill/>
+        </p:spPr>
+        <p:txBody>
+          <a:bodyPr wrap="square" rtlCol="0">
+            <a:spAutoFit/>
+          </a:bodyPr>
+          <a:lstStyle/>
+          <a:p>
+            <a:r>
+              <a:rPr lang="en-US" dirty="0"/>
+              <a:t>restaurant name</a:t>
+            </a:r>
+          </a:p>
+          <a:p>
+            <a:r>
+              <a:rPr lang="en-US" u="sng" dirty="0">
+                <a:solidFill>
+                  <a:srgbClr val="00B0F0"/>
+                </a:solidFill>
+              </a:rPr>
+              <a:t>address</a:t>
+            </a:r>
+          </a:p>
+        </p:txBody>
+      </p:sp>
+      <p:sp>
+        <p:nvSpPr>
+          <p:cNvPr id="22" name="TextBox 21">
+            <a:extLst>
+              <a:ext uri="{FF2B5EF4-FFF2-40B4-BE49-F238E27FC236}">
+                <a16:creationId xmlns:a16="http://schemas.microsoft.com/office/drawing/2014/main" id="{C47F554A-13A9-483D-A58E-029A503F89B5}"/>
+              </a:ext>
+            </a:extLst>
+          </p:cNvPr>
+          <p:cNvSpPr txBox="1"/>
+          <p:nvPr/>
+        </p:nvSpPr>
+        <p:spPr>
+          <a:xfrm>
+            <a:off x="8224710" y="3746947"/>
+            <a:ext cx="2806148" cy="646331"/>
+          </a:xfrm>
+          <a:prstGeom prst="rect">
+            <a:avLst/>
+          </a:prstGeom>
+          <a:noFill/>
+        </p:spPr>
+        <p:txBody>
+          <a:bodyPr wrap="square" rtlCol="0">
+            <a:spAutoFit/>
+          </a:bodyPr>
+          <a:lstStyle/>
+          <a:p>
+            <a:r>
+              <a:rPr lang="en-US" dirty="0"/>
+              <a:t>restaurant name</a:t>
+            </a:r>
+          </a:p>
+          <a:p>
+            <a:r>
+              <a:rPr lang="en-US" u="sng" dirty="0">
+                <a:solidFill>
+                  <a:srgbClr val="00B0F0"/>
+                </a:solidFill>
+              </a:rPr>
+              <a:t>address</a:t>
+            </a:r>
+          </a:p>
+        </p:txBody>
+      </p:sp>
+    </p:spTree>
+    <p:extLst>
+      <p:ext uri="{BB962C8B-B14F-4D97-AF65-F5344CB8AC3E}">
+        <p14:creationId xmlns:p14="http://schemas.microsoft.com/office/powerpoint/2010/main" val="838666446"/>
+      </p:ext>
+    </p:extLst>
+  </p:cSld>
+  <p:clrMapOvr>
+    <a:masterClrMapping/>
+  </p:clrMapOvr>
+</p:sld>
+</file>
+
+<file path=ppt/slides/slide13.xml><?xml version="1.0" encoding="utf-8"?>
+<p:sld xmlns:a="http://schemas.openxmlformats.org/drawingml/2006/main" xmlns:r="http://schemas.openxmlformats.org/officeDocument/2006/relationships" xmlns:p="http://schemas.openxmlformats.org/presentationml/2006/main">
+  <p:cSld>
+    <p:spTree>
+      <p:nvGrpSpPr>
+        <p:cNvPr id="1" name=""/>
+        <p:cNvGrpSpPr/>
+        <p:nvPr/>
+      </p:nvGrpSpPr>
+      <p:grpSpPr>
+        <a:xfrm>
+          <a:off x="0" y="0"/>
+          <a:ext cx="0" cy="0"/>
+          <a:chOff x="0" y="0"/>
+          <a:chExt cx="0" cy="0"/>
+        </a:xfrm>
+      </p:grpSpPr>
+      <p:sp>
+        <p:nvSpPr>
+          <p:cNvPr id="2" name="Title 1">
+            <a:extLst>
+              <a:ext uri="{FF2B5EF4-FFF2-40B4-BE49-F238E27FC236}">
+                <a16:creationId xmlns:a16="http://schemas.microsoft.com/office/drawing/2014/main" id="{5B3D77D1-F75B-4346-974B-207F378265A9}"/>
+              </a:ext>
+            </a:extLst>
+          </p:cNvPr>
+          <p:cNvSpPr>
+            <a:spLocks noGrp="1"/>
+          </p:cNvSpPr>
+          <p:nvPr>
+            <p:ph type="title"/>
+          </p:nvPr>
+        </p:nvSpPr>
+        <p:spPr/>
+        <p:txBody>
+          <a:bodyPr/>
+          <a:lstStyle/>
+          <a:p>
+            <a:r>
+              <a:rPr lang="en-US" dirty="0"/>
+              <a:t>Saved Results Page - Recipes</a:t>
+            </a:r>
+          </a:p>
+        </p:txBody>
+      </p:sp>
+      <p:sp>
+        <p:nvSpPr>
+          <p:cNvPr id="5" name="TextBox 4">
+            <a:extLst>
+              <a:ext uri="{FF2B5EF4-FFF2-40B4-BE49-F238E27FC236}">
+                <a16:creationId xmlns:a16="http://schemas.microsoft.com/office/drawing/2014/main" id="{FEFAB416-813C-41DF-9D64-A56BA55314DF}"/>
+              </a:ext>
+            </a:extLst>
+          </p:cNvPr>
+          <p:cNvSpPr txBox="1"/>
+          <p:nvPr/>
+        </p:nvSpPr>
+        <p:spPr>
+          <a:xfrm>
+            <a:off x="956496" y="1363847"/>
+            <a:ext cx="6160258" cy="3416320"/>
+          </a:xfrm>
+          <a:prstGeom prst="rect">
+            <a:avLst/>
+          </a:prstGeom>
+          <a:noFill/>
+        </p:spPr>
+        <p:txBody>
+          <a:bodyPr wrap="square" rtlCol="0">
+            <a:spAutoFit/>
+          </a:bodyPr>
+          <a:lstStyle/>
+          <a:p>
+            <a:r>
+              <a:rPr lang="en-US" dirty="0"/>
+              <a:t>Navigation: Welcome &gt; x</a:t>
+            </a:r>
+          </a:p>
+          <a:p>
+            <a:endParaRPr lang="en-US" dirty="0"/>
+          </a:p>
+          <a:p>
+            <a:r>
+              <a:rPr lang="en-US" dirty="0"/>
+              <a:t>A page that a list of recipes the users saved.  The page provides a thumbnail picture of the dishes, the titles, link to recipe (navigates to recipe page).</a:t>
+            </a:r>
+          </a:p>
+          <a:p>
+            <a:endParaRPr lang="en-US" dirty="0"/>
+          </a:p>
+          <a:p>
+            <a:r>
+              <a:rPr lang="en-US" dirty="0"/>
+              <a:t>MVP: list of recipe that were saved by the user</a:t>
+            </a:r>
+          </a:p>
+          <a:p>
+            <a:endParaRPr lang="en-US" dirty="0"/>
+          </a:p>
+          <a:p>
+            <a:r>
+              <a:rPr lang="en-US" dirty="0"/>
+              <a:t>Potential add-on: </a:t>
+            </a:r>
+          </a:p>
+          <a:p>
+            <a:pPr marL="285750" indent="-285750">
+              <a:buFont typeface="Arial" panose="020B0604020202020204" pitchFamily="34" charset="0"/>
+              <a:buChar char="•"/>
+            </a:pPr>
+            <a:r>
+              <a:rPr lang="en-US" dirty="0"/>
+              <a:t>Button to remove the saved recipes</a:t>
+            </a:r>
+          </a:p>
+          <a:p>
+            <a:pPr marL="285750" indent="-285750">
+              <a:buFont typeface="Arial" panose="020B0604020202020204" pitchFamily="34" charset="0"/>
+              <a:buChar char="•"/>
+            </a:pPr>
+            <a:endParaRPr lang="en-US" dirty="0"/>
+          </a:p>
+          <a:p>
+            <a:endParaRPr lang="en-US" dirty="0"/>
+          </a:p>
+        </p:txBody>
+      </p:sp>
+    </p:spTree>
+    <p:extLst>
+      <p:ext uri="{BB962C8B-B14F-4D97-AF65-F5344CB8AC3E}">
+        <p14:creationId xmlns:p14="http://schemas.microsoft.com/office/powerpoint/2010/main" val="4193819524"/>
+      </p:ext>
+    </p:extLst>
+  </p:cSld>
+  <p:clrMapOvr>
+    <a:masterClrMapping/>
+  </p:clrMapOvr>
+</p:sld>
+</file>
+
+<file path=ppt/slides/slide2.xml><?xml version="1.0" encoding="utf-8"?>
+<p:sld xmlns:a="http://schemas.openxmlformats.org/drawingml/2006/main" xmlns:r="http://schemas.openxmlformats.org/officeDocument/2006/relationships" xmlns:p="http://schemas.openxmlformats.org/presentationml/2006/main">
+  <p:cSld>
+    <p:bg>
+      <p:bgPr>
+        <a:solidFill>
           <a:schemeClr val="bg1">
             <a:tint val="95000"/>
             <a:satMod val="170000"/>
@@ -11000,7 +13232,453 @@
 </p:sld>
 </file>
 
-<file path=ppt/slides/slide10.xml><?xml version="1.0" encoding="utf-8"?>
+<file path=ppt/slides/slide3.xml><?xml version="1.0" encoding="utf-8"?>
+<p:sld xmlns:a="http://schemas.openxmlformats.org/drawingml/2006/main" xmlns:r="http://schemas.openxmlformats.org/officeDocument/2006/relationships" xmlns:p="http://schemas.openxmlformats.org/presentationml/2006/main">
+  <p:cSld>
+    <p:spTree>
+      <p:nvGrpSpPr>
+        <p:cNvPr id="1" name=""/>
+        <p:cNvGrpSpPr/>
+        <p:nvPr/>
+      </p:nvGrpSpPr>
+      <p:grpSpPr>
+        <a:xfrm>
+          <a:off x="0" y="0"/>
+          <a:ext cx="0" cy="0"/>
+          <a:chOff x="0" y="0"/>
+          <a:chExt cx="0" cy="0"/>
+        </a:xfrm>
+      </p:grpSpPr>
+      <p:pic>
+        <p:nvPicPr>
+          <p:cNvPr id="5" name="Content Placeholder 4" descr="A picture containing food&#10;&#10;Description automatically generated">
+            <a:extLst>
+              <a:ext uri="{FF2B5EF4-FFF2-40B4-BE49-F238E27FC236}">
+                <a16:creationId xmlns:a16="http://schemas.microsoft.com/office/drawing/2014/main" id="{F278B806-BC97-4940-B770-18465A5FDB6C}"/>
+              </a:ext>
+            </a:extLst>
+          </p:cNvPr>
+          <p:cNvPicPr>
+            <a:picLocks noGrp="1" noChangeAspect="1"/>
+          </p:cNvPicPr>
+          <p:nvPr>
+            <p:ph idx="1"/>
+          </p:nvPr>
+        </p:nvPicPr>
+        <p:blipFill>
+          <a:blip r:embed="rId2">
+            <a:extLst>
+              <a:ext uri="{28A0092B-C50C-407E-A947-70E740481C1C}">
+                <a14:useLocalDpi xmlns:a14="http://schemas.microsoft.com/office/drawing/2010/main" val="0"/>
+              </a:ext>
+              <a:ext uri="{837473B0-CC2E-450A-ABE3-18F120FF3D39}">
+                <a1611:picAttrSrcUrl xmlns:a1611="http://schemas.microsoft.com/office/drawing/2016/11/main" r:id="rId3"/>
+              </a:ext>
+            </a:extLst>
+          </a:blip>
+          <a:stretch>
+            <a:fillRect/>
+          </a:stretch>
+        </p:blipFill>
+        <p:spPr>
+          <a:xfrm>
+            <a:off x="154013" y="0"/>
+            <a:ext cx="4514483" cy="3009655"/>
+          </a:xfrm>
+        </p:spPr>
+      </p:pic>
+      <p:sp>
+        <p:nvSpPr>
+          <p:cNvPr id="12" name="Rectangle 11">
+            <a:extLst>
+              <a:ext uri="{FF2B5EF4-FFF2-40B4-BE49-F238E27FC236}">
+                <a16:creationId xmlns:a16="http://schemas.microsoft.com/office/drawing/2014/main" id="{13A918B2-18BE-4179-AB2C-BEE16A3EF572}"/>
+              </a:ext>
+            </a:extLst>
+          </p:cNvPr>
+          <p:cNvSpPr/>
+          <p:nvPr/>
+        </p:nvSpPr>
+        <p:spPr>
+          <a:xfrm>
+            <a:off x="0" y="0"/>
+            <a:ext cx="4668496" cy="6858000"/>
+          </a:xfrm>
+          <a:prstGeom prst="rect">
+            <a:avLst/>
+          </a:prstGeom>
+          <a:noFill/>
+          <a:ln w="38100"/>
+        </p:spPr>
+        <p:style>
+          <a:lnRef idx="2">
+            <a:schemeClr val="accent1"/>
+          </a:lnRef>
+          <a:fillRef idx="1">
+            <a:schemeClr val="lt1"/>
+          </a:fillRef>
+          <a:effectRef idx="0">
+            <a:schemeClr val="accent1"/>
+          </a:effectRef>
+          <a:fontRef idx="minor">
+            <a:schemeClr val="dk1"/>
+          </a:fontRef>
+        </p:style>
+        <p:txBody>
+          <a:bodyPr rtlCol="0" anchor="ctr"/>
+          <a:lstStyle/>
+          <a:p>
+            <a:pPr algn="ctr"/>
+            <a:endParaRPr lang="en-US"/>
+          </a:p>
+        </p:txBody>
+      </p:sp>
+      <p:sp>
+        <p:nvSpPr>
+          <p:cNvPr id="6" name="TextBox 5">
+            <a:extLst>
+              <a:ext uri="{FF2B5EF4-FFF2-40B4-BE49-F238E27FC236}">
+                <a16:creationId xmlns:a16="http://schemas.microsoft.com/office/drawing/2014/main" id="{9D4EB3D3-62AA-4751-A6E9-8A22DAE1D266}"/>
+              </a:ext>
+            </a:extLst>
+          </p:cNvPr>
+          <p:cNvSpPr txBox="1"/>
+          <p:nvPr/>
+        </p:nvSpPr>
+        <p:spPr>
+          <a:xfrm>
+            <a:off x="9038087" y="7007312"/>
+            <a:ext cx="6527007" cy="230832"/>
+          </a:xfrm>
+          <a:prstGeom prst="rect">
+            <a:avLst/>
+          </a:prstGeom>
+          <a:noFill/>
+        </p:spPr>
+        <p:txBody>
+          <a:bodyPr wrap="square" rtlCol="0">
+            <a:spAutoFit/>
+          </a:bodyPr>
+          <a:lstStyle/>
+          <a:p>
+            <a:r>
+              <a:rPr lang="en-US" sz="900" dirty="0">
+                <a:hlinkClick r:id="rId3" tooltip="http://www.thebluediamondgallery.com/handwriting/p/process.html"/>
+              </a:rPr>
+              <a:t>This Photo</a:t>
+            </a:r>
+            <a:r>
+              <a:rPr lang="en-US" sz="900" dirty="0"/>
+              <a:t> by Unknown Author is licensed under </a:t>
+            </a:r>
+            <a:r>
+              <a:rPr lang="en-US" sz="900" dirty="0">
+                <a:hlinkClick r:id="rId4" tooltip="https://creativecommons.org/licenses/by-sa/3.0/"/>
+              </a:rPr>
+              <a:t>CC BY-SA</a:t>
+            </a:r>
+            <a:endParaRPr lang="en-US" sz="900" dirty="0"/>
+          </a:p>
+        </p:txBody>
+      </p:sp>
+      <p:sp>
+        <p:nvSpPr>
+          <p:cNvPr id="9" name="TextBox 8">
+            <a:extLst>
+              <a:ext uri="{FF2B5EF4-FFF2-40B4-BE49-F238E27FC236}">
+                <a16:creationId xmlns:a16="http://schemas.microsoft.com/office/drawing/2014/main" id="{0CAA1E5A-D341-4C01-9740-784C66E17091}"/>
+              </a:ext>
+            </a:extLst>
+          </p:cNvPr>
+          <p:cNvSpPr txBox="1"/>
+          <p:nvPr/>
+        </p:nvSpPr>
+        <p:spPr>
+          <a:xfrm>
+            <a:off x="5161656" y="205874"/>
+            <a:ext cx="6684448" cy="5693866"/>
+          </a:xfrm>
+          <a:prstGeom prst="rect">
+            <a:avLst/>
+          </a:prstGeom>
+          <a:noFill/>
+        </p:spPr>
+        <p:txBody>
+          <a:bodyPr wrap="square" rtlCol="0">
+            <a:spAutoFit/>
+          </a:bodyPr>
+          <a:lstStyle/>
+          <a:p>
+            <a:pPr marL="285750" indent="-285750">
+              <a:spcAft>
+                <a:spcPts val="1200"/>
+              </a:spcAft>
+              <a:buFont typeface="Arial" panose="020B0604020202020204" pitchFamily="34" charset="0"/>
+              <a:buChar char="•"/>
+            </a:pPr>
+            <a:r>
+              <a:rPr lang="en-US" sz="2400" dirty="0"/>
+              <a:t>Held brainstorming session</a:t>
+            </a:r>
+          </a:p>
+          <a:p>
+            <a:pPr marL="285750" indent="-285750">
+              <a:spcAft>
+                <a:spcPts val="1200"/>
+              </a:spcAft>
+              <a:buFont typeface="Arial" panose="020B0604020202020204" pitchFamily="34" charset="0"/>
+              <a:buChar char="•"/>
+            </a:pPr>
+            <a:r>
+              <a:rPr lang="en-US" sz="2400" dirty="0" err="1"/>
+              <a:t>Whiteboarded</a:t>
+            </a:r>
+            <a:r>
+              <a:rPr lang="en-US" sz="2400" dirty="0"/>
+              <a:t> the design and page navigation</a:t>
+            </a:r>
+          </a:p>
+          <a:p>
+            <a:pPr marL="285750" indent="-285750">
+              <a:spcAft>
+                <a:spcPts val="1200"/>
+              </a:spcAft>
+              <a:buFont typeface="Arial" panose="020B0604020202020204" pitchFamily="34" charset="0"/>
+              <a:buChar char="•"/>
+            </a:pPr>
+            <a:r>
+              <a:rPr lang="en-US" sz="2400" dirty="0"/>
+              <a:t>Determined MVP pages and features </a:t>
+            </a:r>
+          </a:p>
+          <a:p>
+            <a:pPr marL="285750" indent="-285750">
+              <a:spcAft>
+                <a:spcPts val="1200"/>
+              </a:spcAft>
+              <a:buFont typeface="Arial" panose="020B0604020202020204" pitchFamily="34" charset="0"/>
+              <a:buChar char="•"/>
+            </a:pPr>
+            <a:r>
+              <a:rPr lang="en-US" sz="2400" dirty="0"/>
+              <a:t>Built ‘wireframes’ to use as reference during build for alignment and clarity</a:t>
+            </a:r>
+          </a:p>
+          <a:p>
+            <a:pPr marL="285750" indent="-285750">
+              <a:spcAft>
+                <a:spcPts val="1200"/>
+              </a:spcAft>
+              <a:buFont typeface="Arial" panose="020B0604020202020204" pitchFamily="34" charset="0"/>
+              <a:buChar char="•"/>
+            </a:pPr>
+            <a:r>
+              <a:rPr lang="en-US" sz="2400" dirty="0"/>
+              <a:t>Decided overall site styling </a:t>
+            </a:r>
+          </a:p>
+          <a:p>
+            <a:pPr marL="285750" indent="-285750">
+              <a:spcAft>
+                <a:spcPts val="1200"/>
+              </a:spcAft>
+              <a:buFont typeface="Arial" panose="020B0604020202020204" pitchFamily="34" charset="0"/>
+              <a:buChar char="•"/>
+            </a:pPr>
+            <a:r>
+              <a:rPr lang="en-US" sz="2400" dirty="0"/>
+              <a:t>Created tasks and assigned</a:t>
+            </a:r>
+          </a:p>
+          <a:p>
+            <a:pPr marL="285750" indent="-285750">
+              <a:spcAft>
+                <a:spcPts val="1200"/>
+              </a:spcAft>
+              <a:buFont typeface="Arial" panose="020B0604020202020204" pitchFamily="34" charset="0"/>
+              <a:buChar char="•"/>
+            </a:pPr>
+            <a:r>
+              <a:rPr lang="en-US" sz="2400" dirty="0"/>
+              <a:t>As MVP tasks completed, referenced documented wireframes for ‘enhancement features’ on each page and created additional tasks for assignment</a:t>
+            </a:r>
+          </a:p>
+          <a:p>
+            <a:pPr marL="285750" indent="-285750">
+              <a:spcAft>
+                <a:spcPts val="1200"/>
+              </a:spcAft>
+              <a:buFont typeface="Arial" panose="020B0604020202020204" pitchFamily="34" charset="0"/>
+              <a:buChar char="•"/>
+            </a:pPr>
+            <a:r>
+              <a:rPr lang="en-US" sz="2400" dirty="0"/>
+              <a:t>Each new idea discussed and decided on by group </a:t>
+            </a:r>
+            <a:endParaRPr lang="en-US" dirty="0"/>
+          </a:p>
+          <a:p>
+            <a:endParaRPr lang="en-US" sz="2000" dirty="0"/>
+          </a:p>
+        </p:txBody>
+      </p:sp>
+      <p:sp>
+        <p:nvSpPr>
+          <p:cNvPr id="13" name="Rectangle 12">
+            <a:extLst>
+              <a:ext uri="{FF2B5EF4-FFF2-40B4-BE49-F238E27FC236}">
+                <a16:creationId xmlns:a16="http://schemas.microsoft.com/office/drawing/2014/main" id="{5B958FB5-54CC-4F39-A647-5A8338E55333}"/>
+              </a:ext>
+            </a:extLst>
+          </p:cNvPr>
+          <p:cNvSpPr/>
+          <p:nvPr/>
+        </p:nvSpPr>
+        <p:spPr>
+          <a:xfrm>
+            <a:off x="0" y="3009655"/>
+            <a:ext cx="4668496" cy="3848345"/>
+          </a:xfrm>
+          <a:prstGeom prst="rect">
+            <a:avLst/>
+          </a:prstGeom>
+          <a:solidFill>
+            <a:schemeClr val="accent1"/>
+          </a:solidFill>
+          <a:ln w="38100"/>
+        </p:spPr>
+        <p:style>
+          <a:lnRef idx="2">
+            <a:schemeClr val="accent1"/>
+          </a:lnRef>
+          <a:fillRef idx="1">
+            <a:schemeClr val="lt1"/>
+          </a:fillRef>
+          <a:effectRef idx="0">
+            <a:schemeClr val="accent1"/>
+          </a:effectRef>
+          <a:fontRef idx="minor">
+            <a:schemeClr val="dk1"/>
+          </a:fontRef>
+        </p:style>
+        <p:txBody>
+          <a:bodyPr rtlCol="0" anchor="ctr"/>
+          <a:lstStyle/>
+          <a:p>
+            <a:pPr algn="ctr"/>
+            <a:endParaRPr lang="en-US"/>
+          </a:p>
+        </p:txBody>
+      </p:sp>
+      <p:sp>
+        <p:nvSpPr>
+          <p:cNvPr id="14" name="TextBox 13">
+            <a:extLst>
+              <a:ext uri="{FF2B5EF4-FFF2-40B4-BE49-F238E27FC236}">
+                <a16:creationId xmlns:a16="http://schemas.microsoft.com/office/drawing/2014/main" id="{7FAFFD01-E7A7-4ABF-AA92-7E413BD425DA}"/>
+              </a:ext>
+            </a:extLst>
+          </p:cNvPr>
+          <p:cNvSpPr txBox="1"/>
+          <p:nvPr/>
+        </p:nvSpPr>
+        <p:spPr>
+          <a:xfrm>
+            <a:off x="195209" y="3286834"/>
+            <a:ext cx="4148443" cy="2108269"/>
+          </a:xfrm>
+          <a:prstGeom prst="rect">
+            <a:avLst/>
+          </a:prstGeom>
+          <a:noFill/>
+        </p:spPr>
+        <p:txBody>
+          <a:bodyPr wrap="square" rtlCol="0">
+            <a:spAutoFit/>
+          </a:bodyPr>
+          <a:lstStyle/>
+          <a:p>
+            <a:pPr>
+              <a:spcAft>
+                <a:spcPts val="600"/>
+              </a:spcAft>
+            </a:pPr>
+            <a:r>
+              <a:rPr lang="en-US" sz="2000" b="1" dirty="0">
+                <a:solidFill>
+                  <a:schemeClr val="bg1"/>
+                </a:solidFill>
+              </a:rPr>
+              <a:t>Technologies &amp; APIs Used</a:t>
+            </a:r>
+          </a:p>
+          <a:p>
+            <a:pPr marL="342900" indent="-342900">
+              <a:spcAft>
+                <a:spcPts val="600"/>
+              </a:spcAft>
+              <a:buFont typeface="Arial" panose="020B0604020202020204" pitchFamily="34" charset="0"/>
+              <a:buChar char="•"/>
+            </a:pPr>
+            <a:r>
+              <a:rPr lang="en-US" sz="2000" b="1" dirty="0">
+                <a:solidFill>
+                  <a:schemeClr val="bg1"/>
+                </a:solidFill>
+              </a:rPr>
+              <a:t>X</a:t>
+            </a:r>
+          </a:p>
+          <a:p>
+            <a:pPr marL="342900" indent="-342900">
+              <a:spcAft>
+                <a:spcPts val="600"/>
+              </a:spcAft>
+              <a:buFont typeface="Arial" panose="020B0604020202020204" pitchFamily="34" charset="0"/>
+              <a:buChar char="•"/>
+            </a:pPr>
+            <a:r>
+              <a:rPr lang="en-US" sz="2000" b="1" dirty="0">
+                <a:solidFill>
+                  <a:schemeClr val="bg1"/>
+                </a:solidFill>
+              </a:rPr>
+              <a:t>X</a:t>
+            </a:r>
+          </a:p>
+          <a:p>
+            <a:pPr marL="342900" indent="-342900">
+              <a:buFont typeface="Arial" panose="020B0604020202020204" pitchFamily="34" charset="0"/>
+              <a:buChar char="•"/>
+            </a:pPr>
+            <a:endParaRPr lang="en-US" sz="2000" b="1" dirty="0">
+              <a:solidFill>
+                <a:schemeClr val="bg1"/>
+              </a:solidFill>
+            </a:endParaRPr>
+          </a:p>
+          <a:p>
+            <a:endParaRPr lang="en-US" dirty="0"/>
+          </a:p>
+          <a:p>
+            <a:endParaRPr lang="en-US" dirty="0"/>
+          </a:p>
+        </p:txBody>
+      </p:sp>
+    </p:spTree>
+    <p:extLst>
+      <p:ext uri="{BB962C8B-B14F-4D97-AF65-F5344CB8AC3E}">
+        <p14:creationId xmlns:p14="http://schemas.microsoft.com/office/powerpoint/2010/main" val="4262990646"/>
+      </p:ext>
+    </p:extLst>
+  </p:cSld>
+  <p:clrMapOvr>
+    <a:masterClrMapping/>
+  </p:clrMapOvr>
+</p:sld>
+</file>
+
+<file path=ppt/slides/slide4.xml><?xml version="1.0" encoding="utf-8"?>
 <p:sld xmlns:a="http://schemas.openxmlformats.org/drawingml/2006/main" xmlns:r="http://schemas.openxmlformats.org/officeDocument/2006/relationships" xmlns:p="http://schemas.openxmlformats.org/presentationml/2006/main">
   <p:cSld>
     <p:bg>
@@ -11190,7 +13868,7 @@
                   <a:srgbClr val="FFFFFF"/>
                 </a:solidFill>
               </a:rPr>
-              <a:t>LEARNINGS</a:t>
+              <a:t>Challenges &amp; Successes</a:t>
             </a:r>
           </a:p>
         </p:txBody>
@@ -11213,8 +13891,8 @@
         </p:nvSpPr>
         <p:spPr>
           <a:xfrm>
-            <a:off x="1179226" y="3092970"/>
-            <a:ext cx="9833548" cy="2693976"/>
+            <a:off x="1179226" y="2753936"/>
+            <a:ext cx="9833548" cy="3033010"/>
           </a:xfrm>
         </p:spPr>
         <p:txBody>
@@ -11223,11 +13901,14 @@
           </a:bodyPr>
           <a:lstStyle/>
           <a:p>
-            <a:endParaRPr lang="en-US" sz="2000" dirty="0">
-              <a:solidFill>
-                <a:srgbClr val="000000"/>
-              </a:solidFill>
-            </a:endParaRPr>
+            <a:r>
+              <a:rPr lang="en-US" sz="2000" dirty="0">
+                <a:solidFill>
+                  <a:srgbClr val="000000"/>
+                </a:solidFill>
+              </a:rPr>
+              <a:t>Created pages that could be used for either restaurant or recipe search due to time constraints</a:t>
+            </a:r>
           </a:p>
         </p:txBody>
       </p:sp>
@@ -11244,17 +13925,9 @@
 </p:sld>
 </file>
 
-<file path=ppt/slides/slide11.xml><?xml version="1.0" encoding="utf-8"?>
+<file path=ppt/slides/slide5.xml><?xml version="1.0" encoding="utf-8"?>
 <p:sld xmlns:a="http://schemas.openxmlformats.org/drawingml/2006/main" xmlns:r="http://schemas.openxmlformats.org/officeDocument/2006/relationships" xmlns:p="http://schemas.openxmlformats.org/presentationml/2006/main">
   <p:cSld>
-    <p:bg>
-      <p:bgPr>
-        <a:solidFill>
-          <a:schemeClr val="bg1"/>
-        </a:solidFill>
-        <a:effectLst/>
-      </p:bgPr>
-    </p:bg>
     <p:spTree>
       <p:nvGrpSpPr>
         <p:cNvPr id="1" name=""/>
@@ -11269,634 +13942,46 @@
           <a:chExt cx="0" cy="0"/>
         </a:xfrm>
       </p:grpSpPr>
-      <p:pic>
-        <p:nvPicPr>
-          <p:cNvPr id="4" name="Content Placeholder 3">
+      <p:sp>
+        <p:nvSpPr>
+          <p:cNvPr id="2" name="Title 1">
             <a:extLst>
               <a:ext uri="{FF2B5EF4-FFF2-40B4-BE49-F238E27FC236}">
-                <a16:creationId xmlns:a16="http://schemas.microsoft.com/office/drawing/2014/main" id="{C833557D-996D-45C2-8EF6-F4299D5A9349}"/>
+                <a16:creationId xmlns:a16="http://schemas.microsoft.com/office/drawing/2014/main" id="{93908ACE-BB25-41BC-8E4B-115C8595CC58}"/>
               </a:ext>
             </a:extLst>
           </p:cNvPr>
-          <p:cNvPicPr>
-            <a:picLocks noGrp="1" noChangeAspect="1"/>
-          </p:cNvPicPr>
+          <p:cNvSpPr>
+            <a:spLocks noGrp="1"/>
+          </p:cNvSpPr>
           <p:nvPr>
-            <p:ph idx="1"/>
+            <p:ph type="title"/>
           </p:nvPr>
-        </p:nvPicPr>
-        <p:blipFill rotWithShape="1">
-          <a:blip r:embed="rId2"/>
-          <a:srcRect t="23347" r="-1" b="10057"/>
-          <a:stretch/>
-        </p:blipFill>
+        </p:nvSpPr>
         <p:spPr>
           <a:xfrm>
-            <a:off x="20" y="10"/>
-            <a:ext cx="12009284" cy="6857990"/>
+            <a:off x="688369" y="365125"/>
+            <a:ext cx="10665431" cy="5686354"/>
           </a:xfrm>
-          <a:custGeom>
-            <a:avLst/>
-            <a:gdLst>
-              <a:gd name="connsiteX0" fmla="*/ 8239723 w 12009304"/>
-              <a:gd name="connsiteY0" fmla="*/ 5083103 h 6858000"/>
-              <a:gd name="connsiteX1" fmla="*/ 9505105 w 12009304"/>
-              <a:gd name="connsiteY1" fmla="*/ 5083103 h 6858000"/>
-              <a:gd name="connsiteX2" fmla="*/ 9564676 w 12009304"/>
-              <a:gd name="connsiteY2" fmla="*/ 5091016 h 6858000"/>
-              <a:gd name="connsiteX3" fmla="*/ 9605648 w 12009304"/>
-              <a:gd name="connsiteY3" fmla="*/ 5108194 h 6858000"/>
-              <a:gd name="connsiteX4" fmla="*/ 9580608 w 12009304"/>
-              <a:gd name="connsiteY4" fmla="*/ 5151499 h 6858000"/>
-              <a:gd name="connsiteX5" fmla="*/ 8693486 w 12009304"/>
-              <a:gd name="connsiteY5" fmla="*/ 6685800 h 6858000"/>
-              <a:gd name="connsiteX6" fmla="*/ 8595419 w 12009304"/>
-              <a:gd name="connsiteY6" fmla="*/ 6814017 h 6858000"/>
-              <a:gd name="connsiteX7" fmla="*/ 8545620 w 12009304"/>
-              <a:gd name="connsiteY7" fmla="*/ 6858000 h 6858000"/>
-              <a:gd name="connsiteX8" fmla="*/ 7612173 w 12009304"/>
-              <a:gd name="connsiteY8" fmla="*/ 6858000 h 6858000"/>
-              <a:gd name="connsiteX9" fmla="*/ 7591825 w 12009304"/>
-              <a:gd name="connsiteY9" fmla="*/ 6822959 h 6858000"/>
-              <a:gd name="connsiteX10" fmla="*/ 7411622 w 12009304"/>
-              <a:gd name="connsiteY10" fmla="*/ 6512633 h 6858000"/>
-              <a:gd name="connsiteX11" fmla="*/ 7411622 w 12009304"/>
-              <a:gd name="connsiteY11" fmla="*/ 6289354 h 6858000"/>
-              <a:gd name="connsiteX12" fmla="*/ 8045680 w 12009304"/>
-              <a:gd name="connsiteY12" fmla="*/ 5197465 h 6858000"/>
-              <a:gd name="connsiteX13" fmla="*/ 8239723 w 12009304"/>
-              <a:gd name="connsiteY13" fmla="*/ 5083103 h 6858000"/>
-              <a:gd name="connsiteX14" fmla="*/ 10622296 w 12009304"/>
-              <a:gd name="connsiteY14" fmla="*/ 1326563 h 6858000"/>
-              <a:gd name="connsiteX15" fmla="*/ 11448522 w 12009304"/>
-              <a:gd name="connsiteY15" fmla="*/ 1326563 h 6858000"/>
-              <a:gd name="connsiteX16" fmla="*/ 11577006 w 12009304"/>
-              <a:gd name="connsiteY16" fmla="*/ 1401233 h 6858000"/>
-              <a:gd name="connsiteX17" fmla="*/ 11989228 w 12009304"/>
-              <a:gd name="connsiteY17" fmla="*/ 2114179 h 6858000"/>
-              <a:gd name="connsiteX18" fmla="*/ 11989228 w 12009304"/>
-              <a:gd name="connsiteY18" fmla="*/ 2259969 h 6858000"/>
-              <a:gd name="connsiteX19" fmla="*/ 11577006 w 12009304"/>
-              <a:gd name="connsiteY19" fmla="*/ 2972914 h 6858000"/>
-              <a:gd name="connsiteX20" fmla="*/ 11448522 w 12009304"/>
-              <a:gd name="connsiteY20" fmla="*/ 3047587 h 6858000"/>
-              <a:gd name="connsiteX21" fmla="*/ 10622296 w 12009304"/>
-              <a:gd name="connsiteY21" fmla="*/ 3047587 h 6858000"/>
-              <a:gd name="connsiteX22" fmla="*/ 10495594 w 12009304"/>
-              <a:gd name="connsiteY22" fmla="*/ 2972914 h 6858000"/>
-              <a:gd name="connsiteX23" fmla="*/ 10081589 w 12009304"/>
-              <a:gd name="connsiteY23" fmla="*/ 2259969 h 6858000"/>
-              <a:gd name="connsiteX24" fmla="*/ 10081589 w 12009304"/>
-              <a:gd name="connsiteY24" fmla="*/ 2114179 h 6858000"/>
-              <a:gd name="connsiteX25" fmla="*/ 10495594 w 12009304"/>
-              <a:gd name="connsiteY25" fmla="*/ 1401233 h 6858000"/>
-              <a:gd name="connsiteX26" fmla="*/ 10622296 w 12009304"/>
-              <a:gd name="connsiteY26" fmla="*/ 1326563 h 6858000"/>
-              <a:gd name="connsiteX27" fmla="*/ 0 w 12009304"/>
-              <a:gd name="connsiteY27" fmla="*/ 0 h 6858000"/>
-              <a:gd name="connsiteX28" fmla="*/ 4457990 w 12009304"/>
-              <a:gd name="connsiteY28" fmla="*/ 0 h 6858000"/>
-              <a:gd name="connsiteX29" fmla="*/ 5902610 w 12009304"/>
-              <a:gd name="connsiteY29" fmla="*/ 0 h 6858000"/>
-              <a:gd name="connsiteX30" fmla="*/ 8476869 w 12009304"/>
-              <a:gd name="connsiteY30" fmla="*/ 0 h 6858000"/>
-              <a:gd name="connsiteX31" fmla="*/ 8535933 w 12009304"/>
-              <a:gd name="connsiteY31" fmla="*/ 39849 h 6858000"/>
-              <a:gd name="connsiteX32" fmla="*/ 8693486 w 12009304"/>
-              <a:gd name="connsiteY32" fmla="*/ 220603 h 6858000"/>
-              <a:gd name="connsiteX33" fmla="*/ 10389180 w 12009304"/>
-              <a:gd name="connsiteY33" fmla="*/ 3153347 h 6858000"/>
-              <a:gd name="connsiteX34" fmla="*/ 10389180 w 12009304"/>
-              <a:gd name="connsiteY34" fmla="*/ 3753061 h 6858000"/>
-              <a:gd name="connsiteX35" fmla="*/ 9759557 w 12009304"/>
-              <a:gd name="connsiteY35" fmla="*/ 4842009 h 6858000"/>
-              <a:gd name="connsiteX36" fmla="*/ 9706493 w 12009304"/>
-              <a:gd name="connsiteY36" fmla="*/ 4933778 h 6858000"/>
-              <a:gd name="connsiteX37" fmla="*/ 9708360 w 12009304"/>
-              <a:gd name="connsiteY37" fmla="*/ 4934561 h 6858000"/>
-              <a:gd name="connsiteX38" fmla="*/ 9802002 w 12009304"/>
-              <a:gd name="connsiteY38" fmla="*/ 5029008 h 6858000"/>
-              <a:gd name="connsiteX39" fmla="*/ 10514131 w 12009304"/>
-              <a:gd name="connsiteY39" fmla="*/ 6260653 h 6858000"/>
-              <a:gd name="connsiteX40" fmla="*/ 10514131 w 12009304"/>
-              <a:gd name="connsiteY40" fmla="*/ 6512512 h 6858000"/>
-              <a:gd name="connsiteX41" fmla="*/ 10340271 w 12009304"/>
-              <a:gd name="connsiteY41" fmla="*/ 6813206 h 6858000"/>
-              <a:gd name="connsiteX42" fmla="*/ 10314372 w 12009304"/>
-              <a:gd name="connsiteY42" fmla="*/ 6858000 h 6858000"/>
-              <a:gd name="connsiteX43" fmla="*/ 10119136 w 12009304"/>
-              <a:gd name="connsiteY43" fmla="*/ 6858000 h 6858000"/>
-              <a:gd name="connsiteX44" fmla="*/ 10122008 w 12009304"/>
-              <a:gd name="connsiteY44" fmla="*/ 6853033 h 6858000"/>
-              <a:gd name="connsiteX45" fmla="*/ 10327158 w 12009304"/>
-              <a:gd name="connsiteY45" fmla="*/ 6498223 h 6858000"/>
-              <a:gd name="connsiteX46" fmla="*/ 10327158 w 12009304"/>
-              <a:gd name="connsiteY46" fmla="*/ 6274942 h 6858000"/>
-              <a:gd name="connsiteX47" fmla="*/ 9695832 w 12009304"/>
-              <a:gd name="connsiteY47" fmla="*/ 5183053 h 6858000"/>
-              <a:gd name="connsiteX48" fmla="*/ 9612819 w 12009304"/>
-              <a:gd name="connsiteY48" fmla="*/ 5099323 h 6858000"/>
-              <a:gd name="connsiteX49" fmla="*/ 9603213 w 12009304"/>
-              <a:gd name="connsiteY49" fmla="*/ 5095298 h 6858000"/>
-              <a:gd name="connsiteX50" fmla="*/ 9654707 w 12009304"/>
-              <a:gd name="connsiteY50" fmla="*/ 5006238 h 6858000"/>
-              <a:gd name="connsiteX51" fmla="*/ 9693004 w 12009304"/>
-              <a:gd name="connsiteY51" fmla="*/ 4940002 h 6858000"/>
-              <a:gd name="connsiteX52" fmla="*/ 9653283 w 12009304"/>
-              <a:gd name="connsiteY52" fmla="*/ 4923348 h 6858000"/>
-              <a:gd name="connsiteX53" fmla="*/ 9586087 w 12009304"/>
-              <a:gd name="connsiteY53" fmla="*/ 4914420 h 6858000"/>
-              <a:gd name="connsiteX54" fmla="*/ 8158743 w 12009304"/>
-              <a:gd name="connsiteY54" fmla="*/ 4914420 h 6858000"/>
-              <a:gd name="connsiteX55" fmla="*/ 7939863 w 12009304"/>
-              <a:gd name="connsiteY55" fmla="*/ 5043420 h 6858000"/>
-              <a:gd name="connsiteX56" fmla="*/ 7224650 w 12009304"/>
-              <a:gd name="connsiteY56" fmla="*/ 6275065 h 6858000"/>
-              <a:gd name="connsiteX57" fmla="*/ 7224650 w 12009304"/>
-              <a:gd name="connsiteY57" fmla="*/ 6526922 h 6858000"/>
-              <a:gd name="connsiteX58" fmla="*/ 7350544 w 12009304"/>
-              <a:gd name="connsiteY58" fmla="*/ 6743723 h 6858000"/>
-              <a:gd name="connsiteX59" fmla="*/ 7416905 w 12009304"/>
-              <a:gd name="connsiteY59" fmla="*/ 6858000 h 6858000"/>
-              <a:gd name="connsiteX60" fmla="*/ 5902610 w 12009304"/>
-              <a:gd name="connsiteY60" fmla="*/ 6858000 h 6858000"/>
-              <a:gd name="connsiteX61" fmla="*/ 4389358 w 12009304"/>
-              <a:gd name="connsiteY61" fmla="*/ 6858000 h 6858000"/>
-              <a:gd name="connsiteX62" fmla="*/ 0 w 12009304"/>
-              <a:gd name="connsiteY62" fmla="*/ 6858000 h 6858000"/>
-            </a:gdLst>
-            <a:ahLst/>
-            <a:cxnLst>
-              <a:cxn ang="0">
-                <a:pos x="connsiteX0" y="connsiteY0"/>
-              </a:cxn>
-              <a:cxn ang="0">
-                <a:pos x="connsiteX1" y="connsiteY1"/>
-              </a:cxn>
-              <a:cxn ang="0">
-                <a:pos x="connsiteX2" y="connsiteY2"/>
-              </a:cxn>
-              <a:cxn ang="0">
-                <a:pos x="connsiteX3" y="connsiteY3"/>
-              </a:cxn>
-              <a:cxn ang="0">
-                <a:pos x="connsiteX4" y="connsiteY4"/>
-              </a:cxn>
-              <a:cxn ang="0">
-                <a:pos x="connsiteX5" y="connsiteY5"/>
-              </a:cxn>
-              <a:cxn ang="0">
-                <a:pos x="connsiteX6" y="connsiteY6"/>
-              </a:cxn>
-              <a:cxn ang="0">
-                <a:pos x="connsiteX7" y="connsiteY7"/>
-              </a:cxn>
-              <a:cxn ang="0">
-                <a:pos x="connsiteX8" y="connsiteY8"/>
-              </a:cxn>
-              <a:cxn ang="0">
-                <a:pos x="connsiteX9" y="connsiteY9"/>
-              </a:cxn>
-              <a:cxn ang="0">
-                <a:pos x="connsiteX10" y="connsiteY10"/>
-              </a:cxn>
-              <a:cxn ang="0">
-                <a:pos x="connsiteX11" y="connsiteY11"/>
-              </a:cxn>
-              <a:cxn ang="0">
-                <a:pos x="connsiteX12" y="connsiteY12"/>
-              </a:cxn>
-              <a:cxn ang="0">
-                <a:pos x="connsiteX13" y="connsiteY13"/>
-              </a:cxn>
-              <a:cxn ang="0">
-                <a:pos x="connsiteX14" y="connsiteY14"/>
-              </a:cxn>
-              <a:cxn ang="0">
-                <a:pos x="connsiteX15" y="connsiteY15"/>
-              </a:cxn>
-              <a:cxn ang="0">
-                <a:pos x="connsiteX16" y="connsiteY16"/>
-              </a:cxn>
-              <a:cxn ang="0">
-                <a:pos x="connsiteX17" y="connsiteY17"/>
-              </a:cxn>
-              <a:cxn ang="0">
-                <a:pos x="connsiteX18" y="connsiteY18"/>
-              </a:cxn>
-              <a:cxn ang="0">
-                <a:pos x="connsiteX19" y="connsiteY19"/>
-              </a:cxn>
-              <a:cxn ang="0">
-                <a:pos x="connsiteX20" y="connsiteY20"/>
-              </a:cxn>
-              <a:cxn ang="0">
-                <a:pos x="connsiteX21" y="connsiteY21"/>
-              </a:cxn>
-              <a:cxn ang="0">
-                <a:pos x="connsiteX22" y="connsiteY22"/>
-              </a:cxn>
-              <a:cxn ang="0">
-                <a:pos x="connsiteX23" y="connsiteY23"/>
-              </a:cxn>
-              <a:cxn ang="0">
-                <a:pos x="connsiteX24" y="connsiteY24"/>
-              </a:cxn>
-              <a:cxn ang="0">
-                <a:pos x="connsiteX25" y="connsiteY25"/>
-              </a:cxn>
-              <a:cxn ang="0">
-                <a:pos x="connsiteX26" y="connsiteY26"/>
-              </a:cxn>
-              <a:cxn ang="0">
-                <a:pos x="connsiteX27" y="connsiteY27"/>
-              </a:cxn>
-              <a:cxn ang="0">
-                <a:pos x="connsiteX28" y="connsiteY28"/>
-              </a:cxn>
-              <a:cxn ang="0">
-                <a:pos x="connsiteX29" y="connsiteY29"/>
-              </a:cxn>
-              <a:cxn ang="0">
-                <a:pos x="connsiteX30" y="connsiteY30"/>
-              </a:cxn>
-              <a:cxn ang="0">
-                <a:pos x="connsiteX31" y="connsiteY31"/>
-              </a:cxn>
-              <a:cxn ang="0">
-                <a:pos x="connsiteX32" y="connsiteY32"/>
-              </a:cxn>
-              <a:cxn ang="0">
-                <a:pos x="connsiteX33" y="connsiteY33"/>
-              </a:cxn>
-              <a:cxn ang="0">
-                <a:pos x="connsiteX34" y="connsiteY34"/>
-              </a:cxn>
-              <a:cxn ang="0">
-                <a:pos x="connsiteX35" y="connsiteY35"/>
-              </a:cxn>
-              <a:cxn ang="0">
-                <a:pos x="connsiteX36" y="connsiteY36"/>
-              </a:cxn>
-              <a:cxn ang="0">
-                <a:pos x="connsiteX37" y="connsiteY37"/>
-              </a:cxn>
-              <a:cxn ang="0">
-                <a:pos x="connsiteX38" y="connsiteY38"/>
-              </a:cxn>
-              <a:cxn ang="0">
-                <a:pos x="connsiteX39" y="connsiteY39"/>
-              </a:cxn>
-              <a:cxn ang="0">
-                <a:pos x="connsiteX40" y="connsiteY40"/>
-              </a:cxn>
-              <a:cxn ang="0">
-                <a:pos x="connsiteX41" y="connsiteY41"/>
-              </a:cxn>
-              <a:cxn ang="0">
-                <a:pos x="connsiteX42" y="connsiteY42"/>
-              </a:cxn>
-              <a:cxn ang="0">
-                <a:pos x="connsiteX43" y="connsiteY43"/>
-              </a:cxn>
-              <a:cxn ang="0">
-                <a:pos x="connsiteX44" y="connsiteY44"/>
-              </a:cxn>
-              <a:cxn ang="0">
-                <a:pos x="connsiteX45" y="connsiteY45"/>
-              </a:cxn>
-              <a:cxn ang="0">
-                <a:pos x="connsiteX46" y="connsiteY46"/>
-              </a:cxn>
-              <a:cxn ang="0">
-                <a:pos x="connsiteX47" y="connsiteY47"/>
-              </a:cxn>
-              <a:cxn ang="0">
-                <a:pos x="connsiteX48" y="connsiteY48"/>
-              </a:cxn>
-              <a:cxn ang="0">
-                <a:pos x="connsiteX49" y="connsiteY49"/>
-              </a:cxn>
-              <a:cxn ang="0">
-                <a:pos x="connsiteX50" y="connsiteY50"/>
-              </a:cxn>
-              <a:cxn ang="0">
-                <a:pos x="connsiteX51" y="connsiteY51"/>
-              </a:cxn>
-              <a:cxn ang="0">
-                <a:pos x="connsiteX52" y="connsiteY52"/>
-              </a:cxn>
-              <a:cxn ang="0">
-                <a:pos x="connsiteX53" y="connsiteY53"/>
-              </a:cxn>
-              <a:cxn ang="0">
-                <a:pos x="connsiteX54" y="connsiteY54"/>
-              </a:cxn>
-              <a:cxn ang="0">
-                <a:pos x="connsiteX55" y="connsiteY55"/>
-              </a:cxn>
-              <a:cxn ang="0">
-                <a:pos x="connsiteX56" y="connsiteY56"/>
-              </a:cxn>
-              <a:cxn ang="0">
-                <a:pos x="connsiteX57" y="connsiteY57"/>
-              </a:cxn>
-              <a:cxn ang="0">
-                <a:pos x="connsiteX58" y="connsiteY58"/>
-              </a:cxn>
-              <a:cxn ang="0">
-                <a:pos x="connsiteX59" y="connsiteY59"/>
-              </a:cxn>
-              <a:cxn ang="0">
-                <a:pos x="connsiteX60" y="connsiteY60"/>
-              </a:cxn>
-              <a:cxn ang="0">
-                <a:pos x="connsiteX61" y="connsiteY61"/>
-              </a:cxn>
-              <a:cxn ang="0">
-                <a:pos x="connsiteX62" y="connsiteY62"/>
-              </a:cxn>
-            </a:cxnLst>
-            <a:rect l="l" t="t" r="r" b="b"/>
-            <a:pathLst>
-              <a:path w="12009304" h="6858000">
-                <a:moveTo>
-                  <a:pt x="8239723" y="5083103"/>
-                </a:moveTo>
-                <a:cubicBezTo>
-                  <a:pt x="8239723" y="5083103"/>
-                  <a:pt x="8239723" y="5083103"/>
-                  <a:pt x="9505105" y="5083103"/>
-                </a:cubicBezTo>
-                <a:cubicBezTo>
-                  <a:pt x="9525601" y="5083103"/>
-                  <a:pt x="9545588" y="5085825"/>
-                  <a:pt x="9564676" y="5091016"/>
-                </a:cubicBezTo>
-                <a:lnTo>
-                  <a:pt x="9605648" y="5108194"/>
-                </a:lnTo>
-                <a:lnTo>
-                  <a:pt x="9580608" y="5151499"/>
-                </a:lnTo>
-                <a:cubicBezTo>
-                  <a:pt x="9354208" y="5543062"/>
-                  <a:pt x="9064418" y="6044264"/>
-                  <a:pt x="8693486" y="6685800"/>
-                </a:cubicBezTo>
-                <a:cubicBezTo>
-                  <a:pt x="8665958" y="6733339"/>
-                  <a:pt x="8632925" y="6776306"/>
-                  <a:pt x="8595419" y="6814017"/>
-                </a:cubicBezTo>
-                <a:lnTo>
-                  <a:pt x="8545620" y="6858000"/>
-                </a:lnTo>
-                <a:lnTo>
-                  <a:pt x="7612173" y="6858000"/>
-                </a:lnTo>
-                <a:lnTo>
-                  <a:pt x="7591825" y="6822959"/>
-                </a:lnTo>
-                <a:cubicBezTo>
-                  <a:pt x="7538315" y="6730809"/>
-                  <a:pt x="7478495" y="6627794"/>
-                  <a:pt x="7411622" y="6512633"/>
-                </a:cubicBezTo>
-                <a:cubicBezTo>
-                  <a:pt x="7370628" y="6444560"/>
-                  <a:pt x="7370628" y="6357427"/>
-                  <a:pt x="7411622" y="6289354"/>
-                </a:cubicBezTo>
-                <a:cubicBezTo>
-                  <a:pt x="7411622" y="6289354"/>
-                  <a:pt x="7411622" y="6289354"/>
-                  <a:pt x="8045680" y="5197465"/>
-                </a:cubicBezTo>
-                <a:cubicBezTo>
-                  <a:pt x="8083943" y="5126669"/>
-                  <a:pt x="8160465" y="5083103"/>
-                  <a:pt x="8239723" y="5083103"/>
-                </a:cubicBezTo>
-                <a:close/>
-                <a:moveTo>
-                  <a:pt x="10622296" y="1326563"/>
-                </a:moveTo>
-                <a:cubicBezTo>
-                  <a:pt x="10622296" y="1326563"/>
-                  <a:pt x="10622296" y="1326563"/>
-                  <a:pt x="11448522" y="1326563"/>
-                </a:cubicBezTo>
-                <a:cubicBezTo>
-                  <a:pt x="11502058" y="1326563"/>
-                  <a:pt x="11550238" y="1355009"/>
-                  <a:pt x="11577006" y="1401233"/>
-                </a:cubicBezTo>
-                <a:cubicBezTo>
-                  <a:pt x="11577006" y="1401233"/>
-                  <a:pt x="11577006" y="1401233"/>
-                  <a:pt x="11989228" y="2114179"/>
-                </a:cubicBezTo>
-                <a:cubicBezTo>
-                  <a:pt x="12015996" y="2158629"/>
-                  <a:pt x="12015996" y="2215522"/>
-                  <a:pt x="11989228" y="2259969"/>
-                </a:cubicBezTo>
-                <a:cubicBezTo>
-                  <a:pt x="11989228" y="2259969"/>
-                  <a:pt x="11989228" y="2259969"/>
-                  <a:pt x="11577006" y="2972914"/>
-                </a:cubicBezTo>
-                <a:cubicBezTo>
-                  <a:pt x="11550238" y="3019141"/>
-                  <a:pt x="11502058" y="3047587"/>
-                  <a:pt x="11448522" y="3047587"/>
-                </a:cubicBezTo>
-                <a:cubicBezTo>
-                  <a:pt x="11448522" y="3047587"/>
-                  <a:pt x="11448522" y="3047587"/>
-                  <a:pt x="10622296" y="3047587"/>
-                </a:cubicBezTo>
-                <a:cubicBezTo>
-                  <a:pt x="10570544" y="3047587"/>
-                  <a:pt x="10520578" y="3019141"/>
-                  <a:pt x="10495594" y="2972914"/>
-                </a:cubicBezTo>
-                <a:cubicBezTo>
-                  <a:pt x="10495594" y="2972914"/>
-                  <a:pt x="10495594" y="2972914"/>
-                  <a:pt x="10081589" y="2259969"/>
-                </a:cubicBezTo>
-                <a:cubicBezTo>
-                  <a:pt x="10054821" y="2215522"/>
-                  <a:pt x="10054821" y="2158629"/>
-                  <a:pt x="10081589" y="2114179"/>
-                </a:cubicBezTo>
-                <a:cubicBezTo>
-                  <a:pt x="10081589" y="2114179"/>
-                  <a:pt x="10081589" y="2114179"/>
-                  <a:pt x="10495594" y="1401233"/>
-                </a:cubicBezTo>
-                <a:cubicBezTo>
-                  <a:pt x="10520578" y="1355009"/>
-                  <a:pt x="10570544" y="1326563"/>
-                  <a:pt x="10622296" y="1326563"/>
-                </a:cubicBezTo>
-                <a:close/>
-                <a:moveTo>
-                  <a:pt x="0" y="0"/>
-                </a:moveTo>
-                <a:lnTo>
-                  <a:pt x="4457990" y="0"/>
-                </a:lnTo>
-                <a:lnTo>
-                  <a:pt x="5902610" y="0"/>
-                </a:lnTo>
-                <a:lnTo>
-                  <a:pt x="8476869" y="0"/>
-                </a:lnTo>
-                <a:lnTo>
-                  <a:pt x="8535933" y="39849"/>
-                </a:lnTo>
-                <a:cubicBezTo>
-                  <a:pt x="8598516" y="88273"/>
-                  <a:pt x="8652195" y="149296"/>
-                  <a:pt x="8693486" y="220603"/>
-                </a:cubicBezTo>
-                <a:cubicBezTo>
-                  <a:pt x="8693486" y="220603"/>
-                  <a:pt x="8693486" y="220603"/>
-                  <a:pt x="10389180" y="3153347"/>
-                </a:cubicBezTo>
-                <a:cubicBezTo>
-                  <a:pt x="10499291" y="3336185"/>
-                  <a:pt x="10499291" y="3570221"/>
-                  <a:pt x="10389180" y="3753061"/>
-                </a:cubicBezTo>
-                <a:cubicBezTo>
-                  <a:pt x="10389180" y="3753061"/>
-                  <a:pt x="10389180" y="3753061"/>
-                  <a:pt x="9759557" y="4842009"/>
-                </a:cubicBezTo>
-                <a:lnTo>
-                  <a:pt x="9706493" y="4933778"/>
-                </a:lnTo>
-                <a:lnTo>
-                  <a:pt x="9708360" y="4934561"/>
-                </a:lnTo>
-                <a:cubicBezTo>
-                  <a:pt x="9746510" y="4956830"/>
-                  <a:pt x="9778880" y="4989078"/>
-                  <a:pt x="9802002" y="5029008"/>
-                </a:cubicBezTo>
-                <a:cubicBezTo>
-                  <a:pt x="9802002" y="5029008"/>
-                  <a:pt x="9802002" y="5029008"/>
-                  <a:pt x="10514131" y="6260653"/>
-                </a:cubicBezTo>
-                <a:cubicBezTo>
-                  <a:pt x="10560376" y="6337439"/>
-                  <a:pt x="10560376" y="6435725"/>
-                  <a:pt x="10514131" y="6512512"/>
-                </a:cubicBezTo>
-                <a:cubicBezTo>
-                  <a:pt x="10514131" y="6512512"/>
-                  <a:pt x="10514131" y="6512512"/>
-                  <a:pt x="10340271" y="6813206"/>
-                </a:cubicBezTo>
-                <a:lnTo>
-                  <a:pt x="10314372" y="6858000"/>
-                </a:lnTo>
-                <a:lnTo>
-                  <a:pt x="10119136" y="6858000"/>
-                </a:lnTo>
-                <a:lnTo>
-                  <a:pt x="10122008" y="6853033"/>
-                </a:lnTo>
-                <a:cubicBezTo>
-                  <a:pt x="10327158" y="6498223"/>
-                  <a:pt x="10327158" y="6498223"/>
-                  <a:pt x="10327158" y="6498223"/>
-                </a:cubicBezTo>
-                <a:cubicBezTo>
-                  <a:pt x="10368154" y="6430148"/>
-                  <a:pt x="10368154" y="6343015"/>
-                  <a:pt x="10327158" y="6274942"/>
-                </a:cubicBezTo>
-                <a:cubicBezTo>
-                  <a:pt x="9695832" y="5183053"/>
-                  <a:pt x="9695832" y="5183053"/>
-                  <a:pt x="9695832" y="5183053"/>
-                </a:cubicBezTo>
-                <a:cubicBezTo>
-                  <a:pt x="9675334" y="5147654"/>
-                  <a:pt x="9646640" y="5119063"/>
-                  <a:pt x="9612819" y="5099323"/>
-                </a:cubicBezTo>
-                <a:lnTo>
-                  <a:pt x="9603213" y="5095298"/>
-                </a:lnTo>
-                <a:lnTo>
-                  <a:pt x="9654707" y="5006238"/>
-                </a:lnTo>
-                <a:lnTo>
-                  <a:pt x="9693004" y="4940002"/>
-                </a:lnTo>
-                <a:lnTo>
-                  <a:pt x="9653283" y="4923348"/>
-                </a:lnTo>
-                <a:cubicBezTo>
-                  <a:pt x="9631750" y="4917491"/>
-                  <a:pt x="9609208" y="4914420"/>
-                  <a:pt x="9586087" y="4914420"/>
-                </a:cubicBezTo>
-                <a:cubicBezTo>
-                  <a:pt x="8158743" y="4914420"/>
-                  <a:pt x="8158743" y="4914420"/>
-                  <a:pt x="8158743" y="4914420"/>
-                </a:cubicBezTo>
-                <a:cubicBezTo>
-                  <a:pt x="8069341" y="4914420"/>
-                  <a:pt x="7983024" y="4963563"/>
-                  <a:pt x="7939863" y="5043420"/>
-                </a:cubicBezTo>
-                <a:cubicBezTo>
-                  <a:pt x="7224650" y="6275065"/>
-                  <a:pt x="7224650" y="6275065"/>
-                  <a:pt x="7224650" y="6275065"/>
-                </a:cubicBezTo>
-                <a:cubicBezTo>
-                  <a:pt x="7178407" y="6351849"/>
-                  <a:pt x="7178407" y="6450135"/>
-                  <a:pt x="7224650" y="6526922"/>
-                </a:cubicBezTo>
-                <a:cubicBezTo>
-                  <a:pt x="7269350" y="6603900"/>
-                  <a:pt x="7311257" y="6676067"/>
-                  <a:pt x="7350544" y="6743723"/>
-                </a:cubicBezTo>
-                <a:lnTo>
-                  <a:pt x="7416905" y="6858000"/>
-                </a:lnTo>
-                <a:lnTo>
-                  <a:pt x="5902610" y="6858000"/>
-                </a:lnTo>
-                <a:lnTo>
-                  <a:pt x="4389358" y="6858000"/>
-                </a:lnTo>
-                <a:lnTo>
-                  <a:pt x="0" y="6858000"/>
-                </a:lnTo>
-                <a:close/>
-              </a:path>
-            </a:pathLst>
-          </a:custGeom>
         </p:spPr>
-      </p:pic>
+        <p:txBody>
+          <a:bodyPr>
+            <a:normAutofit/>
+          </a:bodyPr>
+          <a:lstStyle/>
+          <a:p>
+            <a:pPr algn="ctr"/>
+            <a:r>
+              <a:rPr lang="en-US" sz="7200" dirty="0"/>
+              <a:t>Appendix</a:t>
+            </a:r>
+          </a:p>
+        </p:txBody>
+      </p:sp>
     </p:spTree>
     <p:extLst>
       <p:ext uri="{BB962C8B-B14F-4D97-AF65-F5344CB8AC3E}">
-        <p14:creationId xmlns:p14="http://schemas.microsoft.com/office/powerpoint/2010/main" val="2340477385"/>
+        <p14:creationId xmlns:p14="http://schemas.microsoft.com/office/powerpoint/2010/main" val="2485561491"/>
       </p:ext>
     </p:extLst>
   </p:cSld>
@@ -11906,7 +13991,7 @@
 </p:sld>
 </file>
 
-<file path=ppt/slides/slide2.xml><?xml version="1.0" encoding="utf-8"?>
+<file path=ppt/slides/slide6.xml><?xml version="1.0" encoding="utf-8"?>
 <p:sld xmlns:a="http://schemas.openxmlformats.org/drawingml/2006/main" xmlns:r="http://schemas.openxmlformats.org/officeDocument/2006/relationships" xmlns:p="http://schemas.openxmlformats.org/presentationml/2006/main">
   <p:cSld>
     <p:spTree>
@@ -24170,7 +26255,7 @@
 </p:sld>
 </file>
 
-<file path=ppt/slides/slide3.xml><?xml version="1.0" encoding="utf-8"?>
+<file path=ppt/slides/slide7.xml><?xml version="1.0" encoding="utf-8"?>
 <p:sld xmlns:a="http://schemas.openxmlformats.org/drawingml/2006/main" xmlns:r="http://schemas.openxmlformats.org/officeDocument/2006/relationships" xmlns:p="http://schemas.openxmlformats.org/presentationml/2006/main">
   <p:cSld>
     <p:spTree>
@@ -24737,7 +26822,7 @@
 </p:sld>
 </file>
 
-<file path=ppt/slides/slide4.xml><?xml version="1.0" encoding="utf-8"?>
+<file path=ppt/slides/slide8.xml><?xml version="1.0" encoding="utf-8"?>
 <p:sld xmlns:a="http://schemas.openxmlformats.org/drawingml/2006/main" xmlns:r="http://schemas.openxmlformats.org/officeDocument/2006/relationships" xmlns:p="http://schemas.openxmlformats.org/presentationml/2006/main">
   <p:cSld>
     <p:spTree>
@@ -25751,7 +27836,7 @@
 </p:sld>
 </file>
 
-<file path=ppt/slides/slide5.xml><?xml version="1.0" encoding="utf-8"?>
+<file path=ppt/slides/slide9.xml><?xml version="1.0" encoding="utf-8"?>
 <p:sld xmlns:a="http://schemas.openxmlformats.org/drawingml/2006/main" xmlns:r="http://schemas.openxmlformats.org/officeDocument/2006/relationships" xmlns:p="http://schemas.openxmlformats.org/presentationml/2006/main">
   <p:cSld>
     <p:spTree>
@@ -26849,1969 +28934,6 @@
     <p:extLst>
       <p:ext uri="{BB962C8B-B14F-4D97-AF65-F5344CB8AC3E}">
         <p14:creationId xmlns:p14="http://schemas.microsoft.com/office/powerpoint/2010/main" val="3660841309"/>
-      </p:ext>
-    </p:extLst>
-  </p:cSld>
-  <p:clrMapOvr>
-    <a:masterClrMapping/>
-  </p:clrMapOvr>
-</p:sld>
-</file>
-
-<file path=ppt/slides/slide6.xml><?xml version="1.0" encoding="utf-8"?>
-<p:sld xmlns:a="http://schemas.openxmlformats.org/drawingml/2006/main" xmlns:r="http://schemas.openxmlformats.org/officeDocument/2006/relationships" xmlns:p="http://schemas.openxmlformats.org/presentationml/2006/main">
-  <p:cSld>
-    <p:spTree>
-      <p:nvGrpSpPr>
-        <p:cNvPr id="1" name=""/>
-        <p:cNvGrpSpPr/>
-        <p:nvPr/>
-      </p:nvGrpSpPr>
-      <p:grpSpPr>
-        <a:xfrm>
-          <a:off x="0" y="0"/>
-          <a:ext cx="0" cy="0"/>
-          <a:chOff x="0" y="0"/>
-          <a:chExt cx="0" cy="0"/>
-        </a:xfrm>
-      </p:grpSpPr>
-      <p:sp>
-        <p:nvSpPr>
-          <p:cNvPr id="2" name="Title 1">
-            <a:extLst>
-              <a:ext uri="{FF2B5EF4-FFF2-40B4-BE49-F238E27FC236}">
-                <a16:creationId xmlns:a16="http://schemas.microsoft.com/office/drawing/2014/main" id="{5B3D77D1-F75B-4346-974B-207F378265A9}"/>
-              </a:ext>
-            </a:extLst>
-          </p:cNvPr>
-          <p:cNvSpPr>
-            <a:spLocks noGrp="1"/>
-          </p:cNvSpPr>
-          <p:nvPr>
-            <p:ph type="title"/>
-          </p:nvPr>
-        </p:nvSpPr>
-        <p:spPr/>
-        <p:txBody>
-          <a:bodyPr/>
-          <a:lstStyle/>
-          <a:p>
-            <a:r>
-              <a:rPr lang="en-US" dirty="0"/>
-              <a:t>Search Result Page - Recipes</a:t>
-            </a:r>
-          </a:p>
-        </p:txBody>
-      </p:sp>
-      <p:sp>
-        <p:nvSpPr>
-          <p:cNvPr id="5" name="TextBox 4">
-            <a:extLst>
-              <a:ext uri="{FF2B5EF4-FFF2-40B4-BE49-F238E27FC236}">
-                <a16:creationId xmlns:a16="http://schemas.microsoft.com/office/drawing/2014/main" id="{FEFAB416-813C-41DF-9D64-A56BA55314DF}"/>
-              </a:ext>
-            </a:extLst>
-          </p:cNvPr>
-          <p:cNvSpPr txBox="1"/>
-          <p:nvPr/>
-        </p:nvSpPr>
-        <p:spPr>
-          <a:xfrm>
-            <a:off x="956496" y="1363847"/>
-            <a:ext cx="6160258" cy="3970318"/>
-          </a:xfrm>
-          <a:prstGeom prst="rect">
-            <a:avLst/>
-          </a:prstGeom>
-          <a:noFill/>
-        </p:spPr>
-        <p:txBody>
-          <a:bodyPr wrap="square" rtlCol="0">
-            <a:spAutoFit/>
-          </a:bodyPr>
-          <a:lstStyle/>
-          <a:p>
-            <a:r>
-              <a:rPr lang="en-US" dirty="0"/>
-              <a:t>Navigation: Welcome &gt; Find Recipe Button (future)</a:t>
-            </a:r>
-          </a:p>
-          <a:p>
-            <a:endParaRPr lang="en-US" dirty="0"/>
-          </a:p>
-          <a:p>
-            <a:r>
-              <a:rPr lang="en-US" dirty="0"/>
-              <a:t>A page that provides a thumbnail picture of the dishes, the titles, link to recipe (navigates to recipe page).</a:t>
-            </a:r>
-          </a:p>
-          <a:p>
-            <a:endParaRPr lang="en-US" dirty="0"/>
-          </a:p>
-          <a:p>
-            <a:r>
-              <a:rPr lang="en-US" dirty="0"/>
-              <a:t>MVP: list of recipe options</a:t>
-            </a:r>
-          </a:p>
-          <a:p>
-            <a:endParaRPr lang="en-US" dirty="0"/>
-          </a:p>
-          <a:p>
-            <a:r>
-              <a:rPr lang="en-US" dirty="0"/>
-              <a:t>Potential add-on: </a:t>
-            </a:r>
-          </a:p>
-          <a:p>
-            <a:pPr marL="285750" indent="-285750">
-              <a:buFont typeface="Arial" panose="020B0604020202020204" pitchFamily="34" charset="0"/>
-              <a:buChar char="•"/>
-            </a:pPr>
-            <a:r>
-              <a:rPr lang="en-US" dirty="0"/>
-              <a:t>Favorite recipes that saves and can be viewed in the “saved” recipe page</a:t>
-            </a:r>
-          </a:p>
-          <a:p>
-            <a:pPr marL="285750" indent="-285750">
-              <a:buFont typeface="Arial" panose="020B0604020202020204" pitchFamily="34" charset="0"/>
-              <a:buChar char="•"/>
-            </a:pPr>
-            <a:endParaRPr lang="en-US" dirty="0"/>
-          </a:p>
-          <a:p>
-            <a:endParaRPr lang="en-US" dirty="0"/>
-          </a:p>
-          <a:p>
-            <a:endParaRPr lang="en-US" dirty="0"/>
-          </a:p>
-          <a:p>
-            <a:endParaRPr lang="en-US" dirty="0"/>
-          </a:p>
-        </p:txBody>
-      </p:sp>
-    </p:spTree>
-    <p:extLst>
-      <p:ext uri="{BB962C8B-B14F-4D97-AF65-F5344CB8AC3E}">
-        <p14:creationId xmlns:p14="http://schemas.microsoft.com/office/powerpoint/2010/main" val="156822397"/>
-      </p:ext>
-    </p:extLst>
-  </p:cSld>
-  <p:clrMapOvr>
-    <a:masterClrMapping/>
-  </p:clrMapOvr>
-</p:sld>
-</file>
-
-<file path=ppt/slides/slide7.xml><?xml version="1.0" encoding="utf-8"?>
-<p:sld xmlns:a="http://schemas.openxmlformats.org/drawingml/2006/main" xmlns:r="http://schemas.openxmlformats.org/officeDocument/2006/relationships" xmlns:p="http://schemas.openxmlformats.org/presentationml/2006/main">
-  <p:cSld>
-    <p:spTree>
-      <p:nvGrpSpPr>
-        <p:cNvPr id="1" name=""/>
-        <p:cNvGrpSpPr/>
-        <p:nvPr/>
-      </p:nvGrpSpPr>
-      <p:grpSpPr>
-        <a:xfrm>
-          <a:off x="0" y="0"/>
-          <a:ext cx="0" cy="0"/>
-          <a:chOff x="0" y="0"/>
-          <a:chExt cx="0" cy="0"/>
-        </a:xfrm>
-      </p:grpSpPr>
-      <p:sp>
-        <p:nvSpPr>
-          <p:cNvPr id="2" name="Title 1">
-            <a:extLst>
-              <a:ext uri="{FF2B5EF4-FFF2-40B4-BE49-F238E27FC236}">
-                <a16:creationId xmlns:a16="http://schemas.microsoft.com/office/drawing/2014/main" id="{F6A2DEDB-C12C-4590-9166-BFA8D1EB1F38}"/>
-              </a:ext>
-            </a:extLst>
-          </p:cNvPr>
-          <p:cNvSpPr>
-            <a:spLocks noGrp="1"/>
-          </p:cNvSpPr>
-          <p:nvPr>
-            <p:ph type="title"/>
-          </p:nvPr>
-        </p:nvSpPr>
-        <p:spPr>
-          <a:xfrm>
-            <a:off x="596901" y="0"/>
-            <a:ext cx="10756899" cy="1325563"/>
-          </a:xfrm>
-        </p:spPr>
-        <p:txBody>
-          <a:bodyPr/>
-          <a:lstStyle/>
-          <a:p>
-            <a:r>
-              <a:rPr lang="en-US" dirty="0"/>
-              <a:t>Recipe Page</a:t>
-            </a:r>
-          </a:p>
-        </p:txBody>
-      </p:sp>
-      <p:sp>
-        <p:nvSpPr>
-          <p:cNvPr id="4" name="Rectangle 3">
-            <a:extLst>
-              <a:ext uri="{FF2B5EF4-FFF2-40B4-BE49-F238E27FC236}">
-                <a16:creationId xmlns:a16="http://schemas.microsoft.com/office/drawing/2014/main" id="{8386C750-E58F-4A13-8927-F4B85B1C9A00}"/>
-              </a:ext>
-            </a:extLst>
-          </p:cNvPr>
-          <p:cNvSpPr/>
-          <p:nvPr/>
-        </p:nvSpPr>
-        <p:spPr>
-          <a:xfrm>
-            <a:off x="10379271" y="0"/>
-            <a:ext cx="1568058" cy="923330"/>
-          </a:xfrm>
-          <a:prstGeom prst="rect">
-            <a:avLst/>
-          </a:prstGeom>
-          <a:noFill/>
-        </p:spPr>
-        <p:txBody>
-          <a:bodyPr wrap="none" lIns="91440" tIns="45720" rIns="91440" bIns="45720">
-            <a:spAutoFit/>
-          </a:bodyPr>
-          <a:lstStyle/>
-          <a:p>
-            <a:pPr algn="ctr"/>
-            <a:r>
-              <a:rPr lang="en-US" sz="5400" b="1" cap="none" spc="0" dirty="0">
-                <a:ln w="22225">
-                  <a:solidFill>
-                    <a:schemeClr val="accent2"/>
-                  </a:solidFill>
-                  <a:prstDash val="solid"/>
-                </a:ln>
-                <a:solidFill>
-                  <a:schemeClr val="accent2">
-                    <a:lumMod val="40000"/>
-                    <a:lumOff val="60000"/>
-                  </a:schemeClr>
-                </a:solidFill>
-                <a:effectLst/>
-              </a:rPr>
-              <a:t>MVP</a:t>
-            </a:r>
-          </a:p>
-        </p:txBody>
-      </p:sp>
-      <p:pic>
-        <p:nvPicPr>
-          <p:cNvPr id="5" name="Picture 4" descr="A plate of food on a table&#10;&#10;Description automatically generated">
-            <a:extLst>
-              <a:ext uri="{FF2B5EF4-FFF2-40B4-BE49-F238E27FC236}">
-                <a16:creationId xmlns:a16="http://schemas.microsoft.com/office/drawing/2014/main" id="{86F32A7C-C6DC-4993-B4FE-6ADF22289A77}"/>
-              </a:ext>
-            </a:extLst>
-          </p:cNvPr>
-          <p:cNvPicPr>
-            <a:picLocks noChangeAspect="1"/>
-          </p:cNvPicPr>
-          <p:nvPr/>
-        </p:nvPicPr>
-        <p:blipFill>
-          <a:blip r:embed="rId2">
-            <a:extLst>
-              <a:ext uri="{28A0092B-C50C-407E-A947-70E740481C1C}">
-                <a14:useLocalDpi xmlns:a14="http://schemas.microsoft.com/office/drawing/2010/main" val="0"/>
-              </a:ext>
-              <a:ext uri="{837473B0-CC2E-450A-ABE3-18F120FF3D39}">
-                <a1611:picAttrSrcUrl xmlns:a1611="http://schemas.microsoft.com/office/drawing/2016/11/main" r:id="rId3"/>
-              </a:ext>
-            </a:extLst>
-          </a:blip>
-          <a:stretch>
-            <a:fillRect/>
-          </a:stretch>
-        </p:blipFill>
-        <p:spPr>
-          <a:xfrm>
-            <a:off x="7092222" y="2102107"/>
-            <a:ext cx="2336097" cy="1752074"/>
-          </a:xfrm>
-          <a:prstGeom prst="rect">
-            <a:avLst/>
-          </a:prstGeom>
-        </p:spPr>
-      </p:pic>
-      <p:sp>
-        <p:nvSpPr>
-          <p:cNvPr id="6" name="TextBox 5">
-            <a:extLst>
-              <a:ext uri="{FF2B5EF4-FFF2-40B4-BE49-F238E27FC236}">
-                <a16:creationId xmlns:a16="http://schemas.microsoft.com/office/drawing/2014/main" id="{22509A8C-36D5-484D-B43B-0E3FDA23FE0D}"/>
-              </a:ext>
-            </a:extLst>
-          </p:cNvPr>
-          <p:cNvSpPr txBox="1"/>
-          <p:nvPr/>
-        </p:nvSpPr>
-        <p:spPr>
-          <a:xfrm>
-            <a:off x="596901" y="1086445"/>
-            <a:ext cx="6160258" cy="4801314"/>
-          </a:xfrm>
-          <a:prstGeom prst="rect">
-            <a:avLst/>
-          </a:prstGeom>
-          <a:noFill/>
-        </p:spPr>
-        <p:txBody>
-          <a:bodyPr wrap="square" rtlCol="0">
-            <a:spAutoFit/>
-          </a:bodyPr>
-          <a:lstStyle/>
-          <a:p>
-            <a:r>
-              <a:rPr lang="en-US" dirty="0"/>
-              <a:t>Navigation: Welcome &gt; Find Restaurant Button &gt; Cuisine Selected</a:t>
-            </a:r>
-          </a:p>
-          <a:p>
-            <a:endParaRPr lang="en-US" dirty="0"/>
-          </a:p>
-          <a:p>
-            <a:r>
-              <a:rPr lang="en-US" dirty="0"/>
-              <a:t>A page that provides a picture of the dish, the list of ingredients needed with their quantities and instructions on how to cook it.</a:t>
-            </a:r>
-          </a:p>
-          <a:p>
-            <a:endParaRPr lang="en-US" dirty="0"/>
-          </a:p>
-          <a:p>
-            <a:r>
-              <a:rPr lang="en-US" dirty="0"/>
-              <a:t>MVP: recipe with cooking instructions</a:t>
-            </a:r>
-          </a:p>
-          <a:p>
-            <a:endParaRPr lang="en-US" dirty="0"/>
-          </a:p>
-          <a:p>
-            <a:r>
-              <a:rPr lang="en-US" dirty="0"/>
-              <a:t>Potential add-on: </a:t>
-            </a:r>
-          </a:p>
-          <a:p>
-            <a:pPr marL="285750" indent="-285750">
-              <a:buFont typeface="Arial" panose="020B0604020202020204" pitchFamily="34" charset="0"/>
-              <a:buChar char="•"/>
-            </a:pPr>
-            <a:r>
-              <a:rPr lang="en-US" dirty="0"/>
-              <a:t>Setting button in navigation that takes the user to the profile page</a:t>
-            </a:r>
-          </a:p>
-          <a:p>
-            <a:pPr marL="285750" indent="-285750">
-              <a:buFont typeface="Arial" panose="020B0604020202020204" pitchFamily="34" charset="0"/>
-              <a:buChar char="•"/>
-            </a:pPr>
-            <a:r>
-              <a:rPr lang="en-US" dirty="0"/>
-              <a:t>Navigation to Profile Page</a:t>
-            </a:r>
-          </a:p>
-          <a:p>
-            <a:pPr marL="285750" indent="-285750">
-              <a:buFont typeface="Arial" panose="020B0604020202020204" pitchFamily="34" charset="0"/>
-              <a:buChar char="•"/>
-            </a:pPr>
-            <a:r>
-              <a:rPr lang="en-US" dirty="0"/>
-              <a:t>Embedded YouTube video for how to cook the recipe</a:t>
-            </a:r>
-          </a:p>
-          <a:p>
-            <a:pPr marL="285750" indent="-285750">
-              <a:buFont typeface="Arial" panose="020B0604020202020204" pitchFamily="34" charset="0"/>
-              <a:buChar char="•"/>
-            </a:pPr>
-            <a:endParaRPr lang="en-US" dirty="0"/>
-          </a:p>
-          <a:p>
-            <a:endParaRPr lang="en-US" dirty="0"/>
-          </a:p>
-          <a:p>
-            <a:endParaRPr lang="en-US" dirty="0"/>
-          </a:p>
-          <a:p>
-            <a:endParaRPr lang="en-US" dirty="0"/>
-          </a:p>
-        </p:txBody>
-      </p:sp>
-      <p:sp>
-        <p:nvSpPr>
-          <p:cNvPr id="9" name="TextBox 8">
-            <a:extLst>
-              <a:ext uri="{FF2B5EF4-FFF2-40B4-BE49-F238E27FC236}">
-                <a16:creationId xmlns:a16="http://schemas.microsoft.com/office/drawing/2014/main" id="{283F3FFA-92DE-4191-9E54-A81B8CBB612B}"/>
-              </a:ext>
-            </a:extLst>
-          </p:cNvPr>
-          <p:cNvSpPr txBox="1"/>
-          <p:nvPr/>
-        </p:nvSpPr>
-        <p:spPr>
-          <a:xfrm>
-            <a:off x="6924389" y="1067991"/>
-            <a:ext cx="5124446" cy="789323"/>
-          </a:xfrm>
-          <a:prstGeom prst="rect">
-            <a:avLst/>
-          </a:prstGeom>
-          <a:solidFill>
-            <a:schemeClr val="accent1"/>
-          </a:solidFill>
-        </p:spPr>
-        <p:txBody>
-          <a:bodyPr wrap="square" rtlCol="0">
-            <a:spAutoFit/>
-          </a:bodyPr>
-          <a:lstStyle/>
-          <a:p>
-            <a:endParaRPr lang="en-US" dirty="0"/>
-          </a:p>
-        </p:txBody>
-      </p:sp>
-      <p:sp>
-        <p:nvSpPr>
-          <p:cNvPr id="10" name="Rectangle 9">
-            <a:extLst>
-              <a:ext uri="{FF2B5EF4-FFF2-40B4-BE49-F238E27FC236}">
-                <a16:creationId xmlns:a16="http://schemas.microsoft.com/office/drawing/2014/main" id="{5560072D-9FA3-49AD-9234-74C8A528EE7A}"/>
-              </a:ext>
-            </a:extLst>
-          </p:cNvPr>
-          <p:cNvSpPr/>
-          <p:nvPr/>
-        </p:nvSpPr>
-        <p:spPr>
-          <a:xfrm>
-            <a:off x="6924991" y="1067990"/>
-            <a:ext cx="5124446" cy="5596509"/>
-          </a:xfrm>
-          <a:prstGeom prst="rect">
-            <a:avLst/>
-          </a:prstGeom>
-          <a:noFill/>
-          <a:ln>
-            <a:solidFill>
-              <a:schemeClr val="tx1"/>
-            </a:solidFill>
-          </a:ln>
-        </p:spPr>
-        <p:style>
-          <a:lnRef idx="2">
-            <a:schemeClr val="accent6"/>
-          </a:lnRef>
-          <a:fillRef idx="1">
-            <a:schemeClr val="lt1"/>
-          </a:fillRef>
-          <a:effectRef idx="0">
-            <a:schemeClr val="accent6"/>
-          </a:effectRef>
-          <a:fontRef idx="minor">
-            <a:schemeClr val="dk1"/>
-          </a:fontRef>
-        </p:style>
-        <p:txBody>
-          <a:bodyPr rtlCol="0" anchor="ctr"/>
-          <a:lstStyle/>
-          <a:p>
-            <a:pPr algn="ctr"/>
-            <a:endParaRPr lang="en-US"/>
-          </a:p>
-        </p:txBody>
-      </p:sp>
-      <p:sp>
-        <p:nvSpPr>
-          <p:cNvPr id="12" name="TextBox 11">
-            <a:extLst>
-              <a:ext uri="{FF2B5EF4-FFF2-40B4-BE49-F238E27FC236}">
-                <a16:creationId xmlns:a16="http://schemas.microsoft.com/office/drawing/2014/main" id="{3B06780D-F820-405E-9AE3-BFE1C8FFD6FA}"/>
-              </a:ext>
-            </a:extLst>
-          </p:cNvPr>
-          <p:cNvSpPr txBox="1"/>
-          <p:nvPr/>
-        </p:nvSpPr>
-        <p:spPr>
-          <a:xfrm>
-            <a:off x="6924390" y="1201042"/>
-            <a:ext cx="5124445" cy="523220"/>
-          </a:xfrm>
-          <a:prstGeom prst="rect">
-            <a:avLst/>
-          </a:prstGeom>
-          <a:noFill/>
-        </p:spPr>
-        <p:txBody>
-          <a:bodyPr wrap="square" rtlCol="0">
-            <a:spAutoFit/>
-          </a:bodyPr>
-          <a:lstStyle/>
-          <a:p>
-            <a:pPr algn="ctr"/>
-            <a:r>
-              <a:rPr lang="en-US" sz="2800" dirty="0">
-                <a:solidFill>
-                  <a:schemeClr val="bg1"/>
-                </a:solidFill>
-              </a:rPr>
-              <a:t>Title</a:t>
-            </a:r>
-          </a:p>
-        </p:txBody>
-      </p:sp>
-      <p:sp>
-        <p:nvSpPr>
-          <p:cNvPr id="13" name="Rectangle 12">
-            <a:extLst>
-              <a:ext uri="{FF2B5EF4-FFF2-40B4-BE49-F238E27FC236}">
-                <a16:creationId xmlns:a16="http://schemas.microsoft.com/office/drawing/2014/main" id="{E1477F0C-8A49-432E-B999-7B050F5AA3ED}"/>
-              </a:ext>
-            </a:extLst>
-          </p:cNvPr>
-          <p:cNvSpPr/>
-          <p:nvPr/>
-        </p:nvSpPr>
-        <p:spPr>
-          <a:xfrm>
-            <a:off x="6924389" y="5523626"/>
-            <a:ext cx="5124446" cy="1140873"/>
-          </a:xfrm>
-          <a:prstGeom prst="rect">
-            <a:avLst/>
-          </a:prstGeom>
-        </p:spPr>
-        <p:style>
-          <a:lnRef idx="2">
-            <a:schemeClr val="accent1">
-              <a:shade val="50000"/>
-            </a:schemeClr>
-          </a:lnRef>
-          <a:fillRef idx="1">
-            <a:schemeClr val="accent1"/>
-          </a:fillRef>
-          <a:effectRef idx="0">
-            <a:schemeClr val="accent1"/>
-          </a:effectRef>
-          <a:fontRef idx="minor">
-            <a:schemeClr val="lt1"/>
-          </a:fontRef>
-        </p:style>
-        <p:txBody>
-          <a:bodyPr rtlCol="0" anchor="ctr"/>
-          <a:lstStyle/>
-          <a:p>
-            <a:pPr algn="ctr"/>
-            <a:endParaRPr lang="en-US" dirty="0"/>
-          </a:p>
-          <a:p>
-            <a:pPr algn="ctr"/>
-            <a:endParaRPr lang="en-US" dirty="0"/>
-          </a:p>
-        </p:txBody>
-      </p:sp>
-      <p:sp>
-        <p:nvSpPr>
-          <p:cNvPr id="19" name="TextBox 18">
-            <a:extLst>
-              <a:ext uri="{FF2B5EF4-FFF2-40B4-BE49-F238E27FC236}">
-                <a16:creationId xmlns:a16="http://schemas.microsoft.com/office/drawing/2014/main" id="{A2C7E73E-A5D8-4AB3-864F-D969F77EAE7F}"/>
-              </a:ext>
-            </a:extLst>
-          </p:cNvPr>
-          <p:cNvSpPr txBox="1"/>
-          <p:nvPr/>
-        </p:nvSpPr>
-        <p:spPr>
-          <a:xfrm>
-            <a:off x="7769834" y="5691519"/>
-            <a:ext cx="1100214" cy="369332"/>
-          </a:xfrm>
-          <a:prstGeom prst="rect">
-            <a:avLst/>
-          </a:prstGeom>
-          <a:solidFill>
-            <a:schemeClr val="bg1"/>
-          </a:solidFill>
-          <a:ln>
-            <a:solidFill>
-              <a:schemeClr val="bg2">
-                <a:lumMod val="25000"/>
-              </a:schemeClr>
-            </a:solidFill>
-          </a:ln>
-        </p:spPr>
-        <p:txBody>
-          <a:bodyPr wrap="square" rtlCol="0">
-            <a:spAutoFit/>
-          </a:bodyPr>
-          <a:lstStyle/>
-          <a:p>
-            <a:pPr algn="ctr"/>
-            <a:r>
-              <a:rPr lang="en-US" dirty="0"/>
-              <a:t>Home</a:t>
-            </a:r>
-          </a:p>
-        </p:txBody>
-      </p:sp>
-      <p:sp>
-        <p:nvSpPr>
-          <p:cNvPr id="22" name="Rectangle 21">
-            <a:extLst>
-              <a:ext uri="{FF2B5EF4-FFF2-40B4-BE49-F238E27FC236}">
-                <a16:creationId xmlns:a16="http://schemas.microsoft.com/office/drawing/2014/main" id="{9728990E-0620-439F-B262-1AA8254FE709}"/>
-              </a:ext>
-            </a:extLst>
-          </p:cNvPr>
-          <p:cNvSpPr/>
-          <p:nvPr/>
-        </p:nvSpPr>
-        <p:spPr>
-          <a:xfrm>
-            <a:off x="8981047" y="6285234"/>
-            <a:ext cx="1110624" cy="369332"/>
-          </a:xfrm>
-          <a:prstGeom prst="rect">
-            <a:avLst/>
-          </a:prstGeom>
-        </p:spPr>
-        <p:txBody>
-          <a:bodyPr wrap="none">
-            <a:spAutoFit/>
-          </a:bodyPr>
-          <a:lstStyle/>
-          <a:p>
-            <a:pPr algn="ctr"/>
-            <a:r>
-              <a:rPr lang="en-US" dirty="0">
-                <a:solidFill>
-                  <a:schemeClr val="bg1"/>
-                </a:solidFill>
-              </a:rPr>
-              <a:t>craving it!</a:t>
-            </a:r>
-          </a:p>
-        </p:txBody>
-      </p:sp>
-      <p:sp>
-        <p:nvSpPr>
-          <p:cNvPr id="23" name="TextBox 22">
-            <a:extLst>
-              <a:ext uri="{FF2B5EF4-FFF2-40B4-BE49-F238E27FC236}">
-                <a16:creationId xmlns:a16="http://schemas.microsoft.com/office/drawing/2014/main" id="{D956482E-8830-4F39-B8CE-01955A481BA9}"/>
-              </a:ext>
-            </a:extLst>
-          </p:cNvPr>
-          <p:cNvSpPr txBox="1"/>
-          <p:nvPr/>
-        </p:nvSpPr>
-        <p:spPr>
-          <a:xfrm>
-            <a:off x="8998709" y="5682604"/>
-            <a:ext cx="1100214" cy="584775"/>
-          </a:xfrm>
-          <a:prstGeom prst="rect">
-            <a:avLst/>
-          </a:prstGeom>
-          <a:solidFill>
-            <a:schemeClr val="bg1"/>
-          </a:solidFill>
-          <a:ln>
-            <a:solidFill>
-              <a:schemeClr val="bg2">
-                <a:lumMod val="25000"/>
-              </a:schemeClr>
-            </a:solidFill>
-          </a:ln>
-        </p:spPr>
-        <p:txBody>
-          <a:bodyPr wrap="square" rtlCol="0">
-            <a:spAutoFit/>
-          </a:bodyPr>
-          <a:lstStyle/>
-          <a:p>
-            <a:pPr algn="ctr"/>
-            <a:r>
-              <a:rPr lang="en-US" sz="1600" dirty="0"/>
-              <a:t>Recipe Search</a:t>
-            </a:r>
-          </a:p>
-        </p:txBody>
-      </p:sp>
-      <p:sp>
-        <p:nvSpPr>
-          <p:cNvPr id="24" name="TextBox 23">
-            <a:extLst>
-              <a:ext uri="{FF2B5EF4-FFF2-40B4-BE49-F238E27FC236}">
-                <a16:creationId xmlns:a16="http://schemas.microsoft.com/office/drawing/2014/main" id="{E6575498-A61A-4F94-92C8-867E7C31F519}"/>
-              </a:ext>
-            </a:extLst>
-          </p:cNvPr>
-          <p:cNvSpPr txBox="1"/>
-          <p:nvPr/>
-        </p:nvSpPr>
-        <p:spPr>
-          <a:xfrm>
-            <a:off x="10227584" y="5676661"/>
-            <a:ext cx="873441" cy="338554"/>
-          </a:xfrm>
-          <a:prstGeom prst="rect">
-            <a:avLst/>
-          </a:prstGeom>
-          <a:solidFill>
-            <a:schemeClr val="bg2">
-              <a:lumMod val="75000"/>
-            </a:schemeClr>
-          </a:solidFill>
-          <a:ln>
-            <a:solidFill>
-              <a:schemeClr val="bg2">
-                <a:lumMod val="25000"/>
-              </a:schemeClr>
-            </a:solidFill>
-          </a:ln>
-        </p:spPr>
-        <p:txBody>
-          <a:bodyPr wrap="square" rtlCol="0">
-            <a:spAutoFit/>
-          </a:bodyPr>
-          <a:lstStyle/>
-          <a:p>
-            <a:pPr algn="ctr"/>
-            <a:r>
-              <a:rPr lang="en-US" sz="1600" dirty="0"/>
-              <a:t>Profile</a:t>
-            </a:r>
-            <a:endParaRPr lang="en-US" dirty="0"/>
-          </a:p>
-        </p:txBody>
-      </p:sp>
-      <p:graphicFrame>
-        <p:nvGraphicFramePr>
-          <p:cNvPr id="26" name="Table 26">
-            <a:extLst>
-              <a:ext uri="{FF2B5EF4-FFF2-40B4-BE49-F238E27FC236}">
-                <a16:creationId xmlns:a16="http://schemas.microsoft.com/office/drawing/2014/main" id="{1B9965BB-47CE-4B92-93B2-14A9B9C4D7D8}"/>
-              </a:ext>
-            </a:extLst>
-          </p:cNvPr>
-          <p:cNvGraphicFramePr>
-            <a:graphicFrameLocks noGrp="1"/>
-          </p:cNvGraphicFramePr>
-          <p:nvPr>
-            <p:extLst>
-              <p:ext uri="{D42A27DB-BD31-4B8C-83A1-F6EECF244321}">
-                <p14:modId xmlns:p14="http://schemas.microsoft.com/office/powerpoint/2010/main" val="1220641873"/>
-              </p:ext>
-            </p:extLst>
-          </p:nvPr>
-        </p:nvGraphicFramePr>
-        <p:xfrm>
-          <a:off x="9595550" y="2102107"/>
-          <a:ext cx="2354418" cy="1478280"/>
-        </p:xfrm>
-        <a:graphic>
-          <a:graphicData uri="http://schemas.openxmlformats.org/drawingml/2006/table">
-            <a:tbl>
-              <a:tblPr firstRow="1" bandRow="1">
-                <a:tableStyleId>{616DA210-FB5B-4158-B5E0-FEB733F419BA}</a:tableStyleId>
-              </a:tblPr>
-              <a:tblGrid>
-                <a:gridCol w="1274918">
-                  <a:extLst>
-                    <a:ext uri="{9D8B030D-6E8A-4147-A177-3AD203B41FA5}">
-                      <a16:colId xmlns:a16="http://schemas.microsoft.com/office/drawing/2014/main" val="1653782959"/>
-                    </a:ext>
-                  </a:extLst>
-                </a:gridCol>
-                <a:gridCol w="1079500">
-                  <a:extLst>
-                    <a:ext uri="{9D8B030D-6E8A-4147-A177-3AD203B41FA5}">
-                      <a16:colId xmlns:a16="http://schemas.microsoft.com/office/drawing/2014/main" val="2287788365"/>
-                    </a:ext>
-                  </a:extLst>
-                </a:gridCol>
-              </a:tblGrid>
-              <a:tr h="148115">
-                <a:tc>
-                  <a:txBody>
-                    <a:bodyPr/>
-                    <a:lstStyle/>
-                    <a:p>
-                      <a:r>
-                        <a:rPr lang="en-US" b="0" dirty="0"/>
-                        <a:t>Ingredient</a:t>
-                      </a:r>
-                    </a:p>
-                  </a:txBody>
-                  <a:tcPr>
-                    <a:noFill/>
-                  </a:tcPr>
-                </a:tc>
-                <a:tc>
-                  <a:txBody>
-                    <a:bodyPr/>
-                    <a:lstStyle/>
-                    <a:p>
-                      <a:pPr marL="0" marR="0" lvl="0" indent="0" algn="l" defTabSz="914400" rtl="0" eaLnBrk="1" fontAlgn="auto" latinLnBrk="0" hangingPunct="1">
-                        <a:lnSpc>
-                          <a:spcPct val="100000"/>
-                        </a:lnSpc>
-                        <a:spcBef>
-                          <a:spcPts val="0"/>
-                        </a:spcBef>
-                        <a:spcAft>
-                          <a:spcPts val="0"/>
-                        </a:spcAft>
-                        <a:buClrTx/>
-                        <a:buSzTx/>
-                        <a:buFontTx/>
-                        <a:buNone/>
-                        <a:tabLst/>
-                        <a:defRPr/>
-                      </a:pPr>
-                      <a:r>
-                        <a:rPr lang="en-US" b="0" dirty="0"/>
-                        <a:t>Quantity </a:t>
-                      </a:r>
-                    </a:p>
-                  </a:txBody>
-                  <a:tcPr>
-                    <a:noFill/>
-                  </a:tcPr>
-                </a:tc>
-                <a:extLst>
-                  <a:ext uri="{0D108BD9-81ED-4DB2-BD59-A6C34878D82A}">
-                    <a16:rowId xmlns:a16="http://schemas.microsoft.com/office/drawing/2014/main" val="273868306"/>
-                  </a:ext>
-                </a:extLst>
-              </a:tr>
-              <a:tr h="370840">
-                <a:tc>
-                  <a:txBody>
-                    <a:bodyPr/>
-                    <a:lstStyle/>
-                    <a:p>
-                      <a:r>
-                        <a:rPr lang="en-US" b="0" dirty="0"/>
-                        <a:t>Ingredient</a:t>
-                      </a:r>
-                    </a:p>
-                  </a:txBody>
-                  <a:tcPr>
-                    <a:noFill/>
-                  </a:tcPr>
-                </a:tc>
-                <a:tc>
-                  <a:txBody>
-                    <a:bodyPr/>
-                    <a:lstStyle/>
-                    <a:p>
-                      <a:r>
-                        <a:rPr lang="en-US" b="0" dirty="0"/>
-                        <a:t>Quantity </a:t>
-                      </a:r>
-                    </a:p>
-                  </a:txBody>
-                  <a:tcPr>
-                    <a:noFill/>
-                  </a:tcPr>
-                </a:tc>
-                <a:extLst>
-                  <a:ext uri="{0D108BD9-81ED-4DB2-BD59-A6C34878D82A}">
-                    <a16:rowId xmlns:a16="http://schemas.microsoft.com/office/drawing/2014/main" val="2730835107"/>
-                  </a:ext>
-                </a:extLst>
-              </a:tr>
-              <a:tr h="370840">
-                <a:tc>
-                  <a:txBody>
-                    <a:bodyPr/>
-                    <a:lstStyle/>
-                    <a:p>
-                      <a:r>
-                        <a:rPr lang="en-US" b="0" dirty="0"/>
-                        <a:t>Ingredient</a:t>
-                      </a:r>
-                    </a:p>
-                  </a:txBody>
-                  <a:tcPr>
-                    <a:noFill/>
-                  </a:tcPr>
-                </a:tc>
-                <a:tc>
-                  <a:txBody>
-                    <a:bodyPr/>
-                    <a:lstStyle/>
-                    <a:p>
-                      <a:r>
-                        <a:rPr lang="en-US" b="0" dirty="0"/>
-                        <a:t>Quantity</a:t>
-                      </a:r>
-                    </a:p>
-                  </a:txBody>
-                  <a:tcPr>
-                    <a:noFill/>
-                  </a:tcPr>
-                </a:tc>
-                <a:extLst>
-                  <a:ext uri="{0D108BD9-81ED-4DB2-BD59-A6C34878D82A}">
-                    <a16:rowId xmlns:a16="http://schemas.microsoft.com/office/drawing/2014/main" val="4018246160"/>
-                  </a:ext>
-                </a:extLst>
-              </a:tr>
-              <a:tr h="370840">
-                <a:tc>
-                  <a:txBody>
-                    <a:bodyPr/>
-                    <a:lstStyle/>
-                    <a:p>
-                      <a:r>
-                        <a:rPr lang="en-US" b="0" dirty="0"/>
-                        <a:t>Ingredient</a:t>
-                      </a:r>
-                    </a:p>
-                  </a:txBody>
-                  <a:tcPr>
-                    <a:noFill/>
-                  </a:tcPr>
-                </a:tc>
-                <a:tc>
-                  <a:txBody>
-                    <a:bodyPr/>
-                    <a:lstStyle/>
-                    <a:p>
-                      <a:r>
-                        <a:rPr lang="en-US" b="0" dirty="0"/>
-                        <a:t>Quantity</a:t>
-                      </a:r>
-                    </a:p>
-                  </a:txBody>
-                  <a:tcPr>
-                    <a:noFill/>
-                  </a:tcPr>
-                </a:tc>
-                <a:extLst>
-                  <a:ext uri="{0D108BD9-81ED-4DB2-BD59-A6C34878D82A}">
-                    <a16:rowId xmlns:a16="http://schemas.microsoft.com/office/drawing/2014/main" val="2413163268"/>
-                  </a:ext>
-                </a:extLst>
-              </a:tr>
-            </a:tbl>
-          </a:graphicData>
-        </a:graphic>
-      </p:graphicFrame>
-      <p:sp>
-        <p:nvSpPr>
-          <p:cNvPr id="28" name="TextBox 27">
-            <a:extLst>
-              <a:ext uri="{FF2B5EF4-FFF2-40B4-BE49-F238E27FC236}">
-                <a16:creationId xmlns:a16="http://schemas.microsoft.com/office/drawing/2014/main" id="{24634602-7119-43A6-B41F-3A08F90E71C7}"/>
-              </a:ext>
-            </a:extLst>
-          </p:cNvPr>
-          <p:cNvSpPr txBox="1"/>
-          <p:nvPr/>
-        </p:nvSpPr>
-        <p:spPr>
-          <a:xfrm>
-            <a:off x="7092222" y="4007215"/>
-            <a:ext cx="3287049" cy="1477328"/>
-          </a:xfrm>
-          <a:prstGeom prst="rect">
-            <a:avLst/>
-          </a:prstGeom>
-          <a:noFill/>
-        </p:spPr>
-        <p:txBody>
-          <a:bodyPr wrap="square" rtlCol="0">
-            <a:spAutoFit/>
-          </a:bodyPr>
-          <a:lstStyle/>
-          <a:p>
-            <a:r>
-              <a:rPr lang="en-US" dirty="0"/>
-              <a:t>Instructions:</a:t>
-            </a:r>
-          </a:p>
-          <a:p>
-            <a:pPr marL="342900" indent="-342900">
-              <a:buAutoNum type="arabicPeriod"/>
-            </a:pPr>
-            <a:r>
-              <a:rPr lang="en-US" dirty="0"/>
-              <a:t>---------------------------------------</a:t>
-            </a:r>
-          </a:p>
-          <a:p>
-            <a:pPr marL="342900" indent="-342900">
-              <a:buAutoNum type="arabicPeriod"/>
-            </a:pPr>
-            <a:r>
-              <a:rPr lang="en-US" dirty="0"/>
-              <a:t>---------------------------------------------------------------------------</a:t>
-            </a:r>
-          </a:p>
-          <a:p>
-            <a:pPr marL="342900" indent="-342900">
-              <a:buAutoNum type="arabicPeriod"/>
-            </a:pPr>
-            <a:r>
-              <a:rPr lang="en-US" dirty="0"/>
-              <a:t>---------------------------------------</a:t>
-            </a:r>
-          </a:p>
-        </p:txBody>
-      </p:sp>
-      <p:sp>
-        <p:nvSpPr>
-          <p:cNvPr id="29" name="TextBox 28">
-            <a:extLst>
-              <a:ext uri="{FF2B5EF4-FFF2-40B4-BE49-F238E27FC236}">
-                <a16:creationId xmlns:a16="http://schemas.microsoft.com/office/drawing/2014/main" id="{75C46BA4-47B1-4B07-8A1C-0105D47056A4}"/>
-              </a:ext>
-            </a:extLst>
-          </p:cNvPr>
-          <p:cNvSpPr txBox="1"/>
-          <p:nvPr/>
-        </p:nvSpPr>
-        <p:spPr>
-          <a:xfrm>
-            <a:off x="10379271" y="4167527"/>
-            <a:ext cx="1568058" cy="1200329"/>
-          </a:xfrm>
-          <a:prstGeom prst="rect">
-            <a:avLst/>
-          </a:prstGeom>
-          <a:noFill/>
-          <a:ln>
-            <a:solidFill>
-              <a:srgbClr val="C00000"/>
-            </a:solidFill>
-          </a:ln>
-        </p:spPr>
-        <p:txBody>
-          <a:bodyPr wrap="square" rtlCol="0">
-            <a:spAutoFit/>
-          </a:bodyPr>
-          <a:lstStyle/>
-          <a:p>
-            <a:r>
-              <a:rPr lang="en-US" dirty="0"/>
-              <a:t>YouTube Video</a:t>
-            </a:r>
-          </a:p>
-          <a:p>
-            <a:endParaRPr lang="en-US" dirty="0"/>
-          </a:p>
-          <a:p>
-            <a:endParaRPr lang="en-US" dirty="0"/>
-          </a:p>
-          <a:p>
-            <a:endParaRPr lang="en-US" dirty="0"/>
-          </a:p>
-        </p:txBody>
-      </p:sp>
-    </p:spTree>
-    <p:extLst>
-      <p:ext uri="{BB962C8B-B14F-4D97-AF65-F5344CB8AC3E}">
-        <p14:creationId xmlns:p14="http://schemas.microsoft.com/office/powerpoint/2010/main" val="2180021107"/>
-      </p:ext>
-    </p:extLst>
-  </p:cSld>
-  <p:clrMapOvr>
-    <a:masterClrMapping/>
-  </p:clrMapOvr>
-</p:sld>
-</file>
-
-<file path=ppt/slides/slide8.xml><?xml version="1.0" encoding="utf-8"?>
-<p:sld xmlns:a="http://schemas.openxmlformats.org/drawingml/2006/main" xmlns:r="http://schemas.openxmlformats.org/officeDocument/2006/relationships" xmlns:p="http://schemas.openxmlformats.org/presentationml/2006/main">
-  <p:cSld>
-    <p:spTree>
-      <p:nvGrpSpPr>
-        <p:cNvPr id="1" name=""/>
-        <p:cNvGrpSpPr/>
-        <p:nvPr/>
-      </p:nvGrpSpPr>
-      <p:grpSpPr>
-        <a:xfrm>
-          <a:off x="0" y="0"/>
-          <a:ext cx="0" cy="0"/>
-          <a:chOff x="0" y="0"/>
-          <a:chExt cx="0" cy="0"/>
-        </a:xfrm>
-      </p:grpSpPr>
-      <p:sp>
-        <p:nvSpPr>
-          <p:cNvPr id="16" name="Rectangle 15">
-            <a:extLst>
-              <a:ext uri="{FF2B5EF4-FFF2-40B4-BE49-F238E27FC236}">
-                <a16:creationId xmlns:a16="http://schemas.microsoft.com/office/drawing/2014/main" id="{4FEE3A92-030F-4779-9C80-FE9635BBBF3B}"/>
-              </a:ext>
-            </a:extLst>
-          </p:cNvPr>
-          <p:cNvSpPr/>
-          <p:nvPr/>
-        </p:nvSpPr>
-        <p:spPr>
-          <a:xfrm>
-            <a:off x="7934639" y="4874437"/>
-            <a:ext cx="3849758" cy="1252806"/>
-          </a:xfrm>
-          <a:prstGeom prst="rect">
-            <a:avLst/>
-          </a:prstGeom>
-        </p:spPr>
-        <p:style>
-          <a:lnRef idx="2">
-            <a:schemeClr val="accent1">
-              <a:shade val="50000"/>
-            </a:schemeClr>
-          </a:lnRef>
-          <a:fillRef idx="1">
-            <a:schemeClr val="accent1"/>
-          </a:fillRef>
-          <a:effectRef idx="0">
-            <a:schemeClr val="accent1"/>
-          </a:effectRef>
-          <a:fontRef idx="minor">
-            <a:schemeClr val="lt1"/>
-          </a:fontRef>
-        </p:style>
-        <p:txBody>
-          <a:bodyPr rtlCol="0" anchor="ctr"/>
-          <a:lstStyle/>
-          <a:p>
-            <a:pPr algn="ctr"/>
-            <a:endParaRPr lang="en-US" dirty="0"/>
-          </a:p>
-          <a:p>
-            <a:pPr algn="ctr"/>
-            <a:endParaRPr lang="en-US" dirty="0"/>
-          </a:p>
-        </p:txBody>
-      </p:sp>
-      <p:sp>
-        <p:nvSpPr>
-          <p:cNvPr id="2" name="Title 1">
-            <a:extLst>
-              <a:ext uri="{FF2B5EF4-FFF2-40B4-BE49-F238E27FC236}">
-                <a16:creationId xmlns:a16="http://schemas.microsoft.com/office/drawing/2014/main" id="{DE14EAC0-0A11-4EF0-8A99-561D30D8ADE6}"/>
-              </a:ext>
-            </a:extLst>
-          </p:cNvPr>
-          <p:cNvSpPr>
-            <a:spLocks noGrp="1"/>
-          </p:cNvSpPr>
-          <p:nvPr>
-            <p:ph type="title"/>
-          </p:nvPr>
-        </p:nvSpPr>
-        <p:spPr>
-          <a:xfrm>
-            <a:off x="838200" y="85999"/>
-            <a:ext cx="10515600" cy="1325563"/>
-          </a:xfrm>
-        </p:spPr>
-        <p:txBody>
-          <a:bodyPr/>
-          <a:lstStyle/>
-          <a:p>
-            <a:r>
-              <a:rPr lang="en-US" dirty="0"/>
-              <a:t>Search Result Page – Restaurant </a:t>
-            </a:r>
-          </a:p>
-        </p:txBody>
-      </p:sp>
-      <p:sp>
-        <p:nvSpPr>
-          <p:cNvPr id="4" name="TextBox 3">
-            <a:extLst>
-              <a:ext uri="{FF2B5EF4-FFF2-40B4-BE49-F238E27FC236}">
-                <a16:creationId xmlns:a16="http://schemas.microsoft.com/office/drawing/2014/main" id="{B4C2DDF9-5860-467F-8A86-9DA6BABFD4F4}"/>
-              </a:ext>
-            </a:extLst>
-          </p:cNvPr>
-          <p:cNvSpPr txBox="1"/>
-          <p:nvPr/>
-        </p:nvSpPr>
-        <p:spPr>
-          <a:xfrm>
-            <a:off x="972152" y="1164663"/>
-            <a:ext cx="6585634" cy="5632311"/>
-          </a:xfrm>
-          <a:prstGeom prst="rect">
-            <a:avLst/>
-          </a:prstGeom>
-          <a:noFill/>
-        </p:spPr>
-        <p:txBody>
-          <a:bodyPr wrap="square" rtlCol="0">
-            <a:spAutoFit/>
-          </a:bodyPr>
-          <a:lstStyle/>
-          <a:p>
-            <a:r>
-              <a:rPr lang="en-US" dirty="0"/>
-              <a:t>Navigation: Welcome &gt; Find Restaurant Button  &gt; Search Restaurant </a:t>
-            </a:r>
-          </a:p>
-          <a:p>
-            <a:endParaRPr lang="en-US" dirty="0"/>
-          </a:p>
-          <a:p>
-            <a:r>
-              <a:rPr lang="en-US" dirty="0"/>
-              <a:t>Lists of restaurant based on the cuisine type selected within their area code.</a:t>
-            </a:r>
-          </a:p>
-          <a:p>
-            <a:endParaRPr lang="en-US" dirty="0"/>
-          </a:p>
-          <a:p>
-            <a:r>
-              <a:rPr lang="en-US" dirty="0"/>
-              <a:t>MVP: list of x number of results within x miles of their area code.  Lists the restaurant name and URL to restaurant’s website or yelp page.</a:t>
-            </a:r>
-          </a:p>
-          <a:p>
-            <a:endParaRPr lang="en-US" dirty="0"/>
-          </a:p>
-          <a:p>
-            <a:r>
-              <a:rPr lang="en-US" dirty="0"/>
-              <a:t>Restaurant information:</a:t>
-            </a:r>
-          </a:p>
-          <a:p>
-            <a:pPr marL="285750" indent="-285750">
-              <a:buFont typeface="Arial" panose="020B0604020202020204" pitchFamily="34" charset="0"/>
-              <a:buChar char="•"/>
-            </a:pPr>
-            <a:r>
-              <a:rPr lang="en-US" dirty="0"/>
-              <a:t>Name</a:t>
-            </a:r>
-          </a:p>
-          <a:p>
-            <a:pPr marL="285750" indent="-285750">
-              <a:buFont typeface="Arial" panose="020B0604020202020204" pitchFamily="34" charset="0"/>
-              <a:buChar char="•"/>
-            </a:pPr>
-            <a:r>
-              <a:rPr lang="en-US" dirty="0"/>
-              <a:t>Address</a:t>
-            </a:r>
-          </a:p>
-          <a:p>
-            <a:endParaRPr lang="en-US" dirty="0"/>
-          </a:p>
-          <a:p>
-            <a:r>
-              <a:rPr lang="en-US" dirty="0"/>
-              <a:t>Potential add-on: </a:t>
-            </a:r>
-          </a:p>
-          <a:p>
-            <a:pPr marL="285750" indent="-285750">
-              <a:buFont typeface="Arial" panose="020B0604020202020204" pitchFamily="34" charset="0"/>
-              <a:buChar char="•"/>
-            </a:pPr>
-            <a:r>
-              <a:rPr lang="en-US" dirty="0"/>
-              <a:t>Navigation to Profile Page</a:t>
-            </a:r>
-          </a:p>
-          <a:p>
-            <a:pPr marL="285750" indent="-285750">
-              <a:buFont typeface="Arial" panose="020B0604020202020204" pitchFamily="34" charset="0"/>
-              <a:buChar char="•"/>
-            </a:pPr>
-            <a:r>
-              <a:rPr lang="en-US" dirty="0"/>
-              <a:t>Map showing locations of restaurants</a:t>
-            </a:r>
-          </a:p>
-          <a:p>
-            <a:pPr marL="285750" indent="-285750">
-              <a:buFont typeface="Arial" panose="020B0604020202020204" pitchFamily="34" charset="0"/>
-              <a:buChar char="•"/>
-            </a:pPr>
-            <a:r>
-              <a:rPr lang="en-US" dirty="0"/>
-              <a:t>Clicking address navigates user to Google map </a:t>
-            </a:r>
-          </a:p>
-          <a:p>
-            <a:pPr marL="285750" indent="-285750">
-              <a:buFont typeface="Arial" panose="020B0604020202020204" pitchFamily="34" charset="0"/>
-              <a:buChar char="•"/>
-            </a:pPr>
-            <a:endParaRPr lang="en-US" dirty="0"/>
-          </a:p>
-          <a:p>
-            <a:endParaRPr lang="en-US" dirty="0"/>
-          </a:p>
-          <a:p>
-            <a:endParaRPr lang="en-US" dirty="0"/>
-          </a:p>
-        </p:txBody>
-      </p:sp>
-      <p:sp>
-        <p:nvSpPr>
-          <p:cNvPr id="5" name="Rectangle 4">
-            <a:extLst>
-              <a:ext uri="{FF2B5EF4-FFF2-40B4-BE49-F238E27FC236}">
-                <a16:creationId xmlns:a16="http://schemas.microsoft.com/office/drawing/2014/main" id="{FE0372F8-BAA1-4F6C-A09F-2ABFC6A9CB6A}"/>
-              </a:ext>
-            </a:extLst>
-          </p:cNvPr>
-          <p:cNvSpPr/>
-          <p:nvPr/>
-        </p:nvSpPr>
-        <p:spPr>
-          <a:xfrm>
-            <a:off x="10430071" y="0"/>
-            <a:ext cx="1568058" cy="923330"/>
-          </a:xfrm>
-          <a:prstGeom prst="rect">
-            <a:avLst/>
-          </a:prstGeom>
-          <a:noFill/>
-        </p:spPr>
-        <p:txBody>
-          <a:bodyPr wrap="none" lIns="91440" tIns="45720" rIns="91440" bIns="45720">
-            <a:spAutoFit/>
-          </a:bodyPr>
-          <a:lstStyle/>
-          <a:p>
-            <a:pPr algn="ctr"/>
-            <a:r>
-              <a:rPr lang="en-US" sz="5400" b="1" cap="none" spc="0" dirty="0">
-                <a:ln w="22225">
-                  <a:solidFill>
-                    <a:schemeClr val="accent2"/>
-                  </a:solidFill>
-                  <a:prstDash val="solid"/>
-                </a:ln>
-                <a:solidFill>
-                  <a:schemeClr val="accent2">
-                    <a:lumMod val="40000"/>
-                    <a:lumOff val="60000"/>
-                  </a:schemeClr>
-                </a:solidFill>
-                <a:effectLst/>
-              </a:rPr>
-              <a:t>MVP</a:t>
-            </a:r>
-          </a:p>
-        </p:txBody>
-      </p:sp>
-      <p:sp>
-        <p:nvSpPr>
-          <p:cNvPr id="6" name="TextBox 5">
-            <a:extLst>
-              <a:ext uri="{FF2B5EF4-FFF2-40B4-BE49-F238E27FC236}">
-                <a16:creationId xmlns:a16="http://schemas.microsoft.com/office/drawing/2014/main" id="{42814619-01D8-4ECD-972C-2B95ED9387CB}"/>
-              </a:ext>
-            </a:extLst>
-          </p:cNvPr>
-          <p:cNvSpPr txBox="1"/>
-          <p:nvPr/>
-        </p:nvSpPr>
-        <p:spPr>
-          <a:xfrm>
-            <a:off x="7935241" y="1256261"/>
-            <a:ext cx="3849758" cy="789323"/>
-          </a:xfrm>
-          <a:prstGeom prst="rect">
-            <a:avLst/>
-          </a:prstGeom>
-          <a:solidFill>
-            <a:schemeClr val="accent1"/>
-          </a:solidFill>
-        </p:spPr>
-        <p:txBody>
-          <a:bodyPr wrap="square" rtlCol="0">
-            <a:spAutoFit/>
-          </a:bodyPr>
-          <a:lstStyle/>
-          <a:p>
-            <a:endParaRPr lang="en-US" dirty="0"/>
-          </a:p>
-        </p:txBody>
-      </p:sp>
-      <p:sp>
-        <p:nvSpPr>
-          <p:cNvPr id="7" name="Rectangle 6">
-            <a:extLst>
-              <a:ext uri="{FF2B5EF4-FFF2-40B4-BE49-F238E27FC236}">
-                <a16:creationId xmlns:a16="http://schemas.microsoft.com/office/drawing/2014/main" id="{B7E44E02-FB1D-4256-8E38-5F06DEF3FBF2}"/>
-              </a:ext>
-            </a:extLst>
-          </p:cNvPr>
-          <p:cNvSpPr/>
-          <p:nvPr/>
-        </p:nvSpPr>
-        <p:spPr>
-          <a:xfrm>
-            <a:off x="7935843" y="1256261"/>
-            <a:ext cx="3849758" cy="4870982"/>
-          </a:xfrm>
-          <a:prstGeom prst="rect">
-            <a:avLst/>
-          </a:prstGeom>
-          <a:noFill/>
-          <a:ln>
-            <a:solidFill>
-              <a:schemeClr val="tx1"/>
-            </a:solidFill>
-          </a:ln>
-        </p:spPr>
-        <p:style>
-          <a:lnRef idx="2">
-            <a:schemeClr val="accent6"/>
-          </a:lnRef>
-          <a:fillRef idx="1">
-            <a:schemeClr val="lt1"/>
-          </a:fillRef>
-          <a:effectRef idx="0">
-            <a:schemeClr val="accent6"/>
-          </a:effectRef>
-          <a:fontRef idx="minor">
-            <a:schemeClr val="dk1"/>
-          </a:fontRef>
-        </p:style>
-        <p:txBody>
-          <a:bodyPr rtlCol="0" anchor="ctr"/>
-          <a:lstStyle/>
-          <a:p>
-            <a:pPr algn="ctr"/>
-            <a:endParaRPr lang="en-US"/>
-          </a:p>
-        </p:txBody>
-      </p:sp>
-      <p:sp>
-        <p:nvSpPr>
-          <p:cNvPr id="10" name="TextBox 9">
-            <a:extLst>
-              <a:ext uri="{FF2B5EF4-FFF2-40B4-BE49-F238E27FC236}">
-                <a16:creationId xmlns:a16="http://schemas.microsoft.com/office/drawing/2014/main" id="{FB39F0D3-1E08-4E26-8AAB-A1E8997EC10E}"/>
-              </a:ext>
-            </a:extLst>
-          </p:cNvPr>
-          <p:cNvSpPr txBox="1"/>
-          <p:nvPr/>
-        </p:nvSpPr>
-        <p:spPr>
-          <a:xfrm>
-            <a:off x="7934639" y="1389312"/>
-            <a:ext cx="3850361" cy="523220"/>
-          </a:xfrm>
-          <a:prstGeom prst="rect">
-            <a:avLst/>
-          </a:prstGeom>
-          <a:noFill/>
-        </p:spPr>
-        <p:txBody>
-          <a:bodyPr wrap="square" rtlCol="0">
-            <a:spAutoFit/>
-          </a:bodyPr>
-          <a:lstStyle/>
-          <a:p>
-            <a:pPr algn="ctr"/>
-            <a:r>
-              <a:rPr lang="en-US" sz="2800" dirty="0">
-                <a:solidFill>
-                  <a:schemeClr val="bg1"/>
-                </a:solidFill>
-              </a:rPr>
-              <a:t>Restaurants In Your Area</a:t>
-            </a:r>
-          </a:p>
-        </p:txBody>
-      </p:sp>
-      <p:sp>
-        <p:nvSpPr>
-          <p:cNvPr id="11" name="TextBox 10">
-            <a:extLst>
-              <a:ext uri="{FF2B5EF4-FFF2-40B4-BE49-F238E27FC236}">
-                <a16:creationId xmlns:a16="http://schemas.microsoft.com/office/drawing/2014/main" id="{1A72FBF7-64B3-48F7-9A2B-6CA98050CDC0}"/>
-              </a:ext>
-            </a:extLst>
-          </p:cNvPr>
-          <p:cNvSpPr txBox="1"/>
-          <p:nvPr/>
-        </p:nvSpPr>
-        <p:spPr>
-          <a:xfrm>
-            <a:off x="8213757" y="2376018"/>
-            <a:ext cx="2806148" cy="646331"/>
-          </a:xfrm>
-          <a:prstGeom prst="rect">
-            <a:avLst/>
-          </a:prstGeom>
-          <a:noFill/>
-        </p:spPr>
-        <p:txBody>
-          <a:bodyPr wrap="square" rtlCol="0">
-            <a:spAutoFit/>
-          </a:bodyPr>
-          <a:lstStyle/>
-          <a:p>
-            <a:r>
-              <a:rPr lang="en-US" dirty="0"/>
-              <a:t>restaurant name</a:t>
-            </a:r>
-          </a:p>
-          <a:p>
-            <a:r>
-              <a:rPr lang="en-US" u="sng" dirty="0">
-                <a:solidFill>
-                  <a:srgbClr val="00B0F0"/>
-                </a:solidFill>
-              </a:rPr>
-              <a:t>address</a:t>
-            </a:r>
-          </a:p>
-        </p:txBody>
-      </p:sp>
-      <p:sp>
-        <p:nvSpPr>
-          <p:cNvPr id="14" name="TextBox 13">
-            <a:extLst>
-              <a:ext uri="{FF2B5EF4-FFF2-40B4-BE49-F238E27FC236}">
-                <a16:creationId xmlns:a16="http://schemas.microsoft.com/office/drawing/2014/main" id="{FB9B0D40-E905-43BB-A02A-508ABDDFF6C9}"/>
-              </a:ext>
-            </a:extLst>
-          </p:cNvPr>
-          <p:cNvSpPr txBox="1"/>
-          <p:nvPr/>
-        </p:nvSpPr>
-        <p:spPr>
-          <a:xfrm>
-            <a:off x="9254710" y="5000662"/>
-            <a:ext cx="1100214" cy="584775"/>
-          </a:xfrm>
-          <a:prstGeom prst="rect">
-            <a:avLst/>
-          </a:prstGeom>
-          <a:solidFill>
-            <a:schemeClr val="bg1"/>
-          </a:solidFill>
-          <a:ln>
-            <a:solidFill>
-              <a:schemeClr val="bg2">
-                <a:lumMod val="25000"/>
-              </a:schemeClr>
-            </a:solidFill>
-          </a:ln>
-        </p:spPr>
-        <p:txBody>
-          <a:bodyPr wrap="square" rtlCol="0">
-            <a:spAutoFit/>
-          </a:bodyPr>
-          <a:lstStyle/>
-          <a:p>
-            <a:pPr algn="ctr"/>
-            <a:r>
-              <a:rPr lang="en-US" sz="1600" dirty="0"/>
-              <a:t>Restaurant</a:t>
-            </a:r>
-          </a:p>
-          <a:p>
-            <a:pPr algn="ctr"/>
-            <a:r>
-              <a:rPr lang="en-US" sz="1600" dirty="0"/>
-              <a:t>search</a:t>
-            </a:r>
-          </a:p>
-        </p:txBody>
-      </p:sp>
-      <p:sp>
-        <p:nvSpPr>
-          <p:cNvPr id="15" name="TextBox 14">
-            <a:extLst>
-              <a:ext uri="{FF2B5EF4-FFF2-40B4-BE49-F238E27FC236}">
-                <a16:creationId xmlns:a16="http://schemas.microsoft.com/office/drawing/2014/main" id="{E8D92E2D-6D7D-44C3-AE4C-4A9CE5D6F7B9}"/>
-              </a:ext>
-            </a:extLst>
-          </p:cNvPr>
-          <p:cNvSpPr txBox="1"/>
-          <p:nvPr/>
-        </p:nvSpPr>
-        <p:spPr>
-          <a:xfrm>
-            <a:off x="10483585" y="4994719"/>
-            <a:ext cx="873441" cy="338554"/>
-          </a:xfrm>
-          <a:prstGeom prst="rect">
-            <a:avLst/>
-          </a:prstGeom>
-          <a:solidFill>
-            <a:schemeClr val="bg2">
-              <a:lumMod val="75000"/>
-            </a:schemeClr>
-          </a:solidFill>
-          <a:ln>
-            <a:solidFill>
-              <a:schemeClr val="bg2">
-                <a:lumMod val="25000"/>
-              </a:schemeClr>
-            </a:solidFill>
-          </a:ln>
-        </p:spPr>
-        <p:txBody>
-          <a:bodyPr wrap="square" rtlCol="0">
-            <a:spAutoFit/>
-          </a:bodyPr>
-          <a:lstStyle/>
-          <a:p>
-            <a:pPr algn="ctr"/>
-            <a:r>
-              <a:rPr lang="en-US" sz="1600" dirty="0"/>
-              <a:t>Profile</a:t>
-            </a:r>
-            <a:endParaRPr lang="en-US" dirty="0"/>
-          </a:p>
-        </p:txBody>
-      </p:sp>
-      <p:sp>
-        <p:nvSpPr>
-          <p:cNvPr id="17" name="TextBox 16">
-            <a:extLst>
-              <a:ext uri="{FF2B5EF4-FFF2-40B4-BE49-F238E27FC236}">
-                <a16:creationId xmlns:a16="http://schemas.microsoft.com/office/drawing/2014/main" id="{277939C8-D320-4E47-A2E4-902AD306AEEF}"/>
-              </a:ext>
-            </a:extLst>
-          </p:cNvPr>
-          <p:cNvSpPr txBox="1"/>
-          <p:nvPr/>
-        </p:nvSpPr>
-        <p:spPr>
-          <a:xfrm>
-            <a:off x="8213757" y="5007489"/>
-            <a:ext cx="826539" cy="369332"/>
-          </a:xfrm>
-          <a:prstGeom prst="rect">
-            <a:avLst/>
-          </a:prstGeom>
-          <a:solidFill>
-            <a:schemeClr val="bg1"/>
-          </a:solidFill>
-          <a:ln>
-            <a:solidFill>
-              <a:schemeClr val="bg2">
-                <a:lumMod val="25000"/>
-              </a:schemeClr>
-            </a:solidFill>
-          </a:ln>
-        </p:spPr>
-        <p:txBody>
-          <a:bodyPr wrap="square" rtlCol="0">
-            <a:spAutoFit/>
-          </a:bodyPr>
-          <a:lstStyle/>
-          <a:p>
-            <a:pPr algn="ctr"/>
-            <a:r>
-              <a:rPr lang="en-US" dirty="0"/>
-              <a:t>Home</a:t>
-            </a:r>
-          </a:p>
-        </p:txBody>
-      </p:sp>
-      <p:sp>
-        <p:nvSpPr>
-          <p:cNvPr id="18" name="Rectangle 17">
-            <a:extLst>
-              <a:ext uri="{FF2B5EF4-FFF2-40B4-BE49-F238E27FC236}">
-                <a16:creationId xmlns:a16="http://schemas.microsoft.com/office/drawing/2014/main" id="{6FBCD4ED-D29B-4550-97C8-A187E876D8C6}"/>
-              </a:ext>
-            </a:extLst>
-          </p:cNvPr>
-          <p:cNvSpPr/>
-          <p:nvPr/>
-        </p:nvSpPr>
-        <p:spPr>
-          <a:xfrm>
-            <a:off x="8817305" y="5639771"/>
-            <a:ext cx="1934727" cy="369332"/>
-          </a:xfrm>
-          <a:prstGeom prst="rect">
-            <a:avLst/>
-          </a:prstGeom>
-        </p:spPr>
-        <p:txBody>
-          <a:bodyPr wrap="square">
-            <a:spAutoFit/>
-          </a:bodyPr>
-          <a:lstStyle/>
-          <a:p>
-            <a:pPr algn="ctr"/>
-            <a:r>
-              <a:rPr lang="en-US" dirty="0">
-                <a:solidFill>
-                  <a:schemeClr val="bg1"/>
-                </a:solidFill>
-              </a:rPr>
-              <a:t>craving it!</a:t>
-            </a:r>
-          </a:p>
-        </p:txBody>
-      </p:sp>
-      <p:sp>
-        <p:nvSpPr>
-          <p:cNvPr id="21" name="TextBox 20">
-            <a:extLst>
-              <a:ext uri="{FF2B5EF4-FFF2-40B4-BE49-F238E27FC236}">
-                <a16:creationId xmlns:a16="http://schemas.microsoft.com/office/drawing/2014/main" id="{B1720789-4FCA-4049-9882-C111E28F9210}"/>
-              </a:ext>
-            </a:extLst>
-          </p:cNvPr>
-          <p:cNvSpPr txBox="1"/>
-          <p:nvPr/>
-        </p:nvSpPr>
-        <p:spPr>
-          <a:xfrm>
-            <a:off x="8224710" y="3070319"/>
-            <a:ext cx="2806148" cy="646331"/>
-          </a:xfrm>
-          <a:prstGeom prst="rect">
-            <a:avLst/>
-          </a:prstGeom>
-          <a:noFill/>
-        </p:spPr>
-        <p:txBody>
-          <a:bodyPr wrap="square" rtlCol="0">
-            <a:spAutoFit/>
-          </a:bodyPr>
-          <a:lstStyle/>
-          <a:p>
-            <a:r>
-              <a:rPr lang="en-US" dirty="0"/>
-              <a:t>restaurant name</a:t>
-            </a:r>
-          </a:p>
-          <a:p>
-            <a:r>
-              <a:rPr lang="en-US" u="sng" dirty="0">
-                <a:solidFill>
-                  <a:srgbClr val="00B0F0"/>
-                </a:solidFill>
-              </a:rPr>
-              <a:t>address</a:t>
-            </a:r>
-          </a:p>
-        </p:txBody>
-      </p:sp>
-      <p:sp>
-        <p:nvSpPr>
-          <p:cNvPr id="22" name="TextBox 21">
-            <a:extLst>
-              <a:ext uri="{FF2B5EF4-FFF2-40B4-BE49-F238E27FC236}">
-                <a16:creationId xmlns:a16="http://schemas.microsoft.com/office/drawing/2014/main" id="{C47F554A-13A9-483D-A58E-029A503F89B5}"/>
-              </a:ext>
-            </a:extLst>
-          </p:cNvPr>
-          <p:cNvSpPr txBox="1"/>
-          <p:nvPr/>
-        </p:nvSpPr>
-        <p:spPr>
-          <a:xfrm>
-            <a:off x="8224710" y="3746947"/>
-            <a:ext cx="2806148" cy="646331"/>
-          </a:xfrm>
-          <a:prstGeom prst="rect">
-            <a:avLst/>
-          </a:prstGeom>
-          <a:noFill/>
-        </p:spPr>
-        <p:txBody>
-          <a:bodyPr wrap="square" rtlCol="0">
-            <a:spAutoFit/>
-          </a:bodyPr>
-          <a:lstStyle/>
-          <a:p>
-            <a:r>
-              <a:rPr lang="en-US" dirty="0"/>
-              <a:t>restaurant name</a:t>
-            </a:r>
-          </a:p>
-          <a:p>
-            <a:r>
-              <a:rPr lang="en-US" u="sng" dirty="0">
-                <a:solidFill>
-                  <a:srgbClr val="00B0F0"/>
-                </a:solidFill>
-              </a:rPr>
-              <a:t>address</a:t>
-            </a:r>
-          </a:p>
-        </p:txBody>
-      </p:sp>
-    </p:spTree>
-    <p:extLst>
-      <p:ext uri="{BB962C8B-B14F-4D97-AF65-F5344CB8AC3E}">
-        <p14:creationId xmlns:p14="http://schemas.microsoft.com/office/powerpoint/2010/main" val="838666446"/>
-      </p:ext>
-    </p:extLst>
-  </p:cSld>
-  <p:clrMapOvr>
-    <a:masterClrMapping/>
-  </p:clrMapOvr>
-</p:sld>
-</file>
-
-<file path=ppt/slides/slide9.xml><?xml version="1.0" encoding="utf-8"?>
-<p:sld xmlns:a="http://schemas.openxmlformats.org/drawingml/2006/main" xmlns:r="http://schemas.openxmlformats.org/officeDocument/2006/relationships" xmlns:p="http://schemas.openxmlformats.org/presentationml/2006/main">
-  <p:cSld>
-    <p:spTree>
-      <p:nvGrpSpPr>
-        <p:cNvPr id="1" name=""/>
-        <p:cNvGrpSpPr/>
-        <p:nvPr/>
-      </p:nvGrpSpPr>
-      <p:grpSpPr>
-        <a:xfrm>
-          <a:off x="0" y="0"/>
-          <a:ext cx="0" cy="0"/>
-          <a:chOff x="0" y="0"/>
-          <a:chExt cx="0" cy="0"/>
-        </a:xfrm>
-      </p:grpSpPr>
-      <p:sp>
-        <p:nvSpPr>
-          <p:cNvPr id="2" name="Title 1">
-            <a:extLst>
-              <a:ext uri="{FF2B5EF4-FFF2-40B4-BE49-F238E27FC236}">
-                <a16:creationId xmlns:a16="http://schemas.microsoft.com/office/drawing/2014/main" id="{5B3D77D1-F75B-4346-974B-207F378265A9}"/>
-              </a:ext>
-            </a:extLst>
-          </p:cNvPr>
-          <p:cNvSpPr>
-            <a:spLocks noGrp="1"/>
-          </p:cNvSpPr>
-          <p:nvPr>
-            <p:ph type="title"/>
-          </p:nvPr>
-        </p:nvSpPr>
-        <p:spPr/>
-        <p:txBody>
-          <a:bodyPr/>
-          <a:lstStyle/>
-          <a:p>
-            <a:r>
-              <a:rPr lang="en-US" dirty="0"/>
-              <a:t>Saved Results Page - Recipes</a:t>
-            </a:r>
-          </a:p>
-        </p:txBody>
-      </p:sp>
-      <p:sp>
-        <p:nvSpPr>
-          <p:cNvPr id="5" name="TextBox 4">
-            <a:extLst>
-              <a:ext uri="{FF2B5EF4-FFF2-40B4-BE49-F238E27FC236}">
-                <a16:creationId xmlns:a16="http://schemas.microsoft.com/office/drawing/2014/main" id="{FEFAB416-813C-41DF-9D64-A56BA55314DF}"/>
-              </a:ext>
-            </a:extLst>
-          </p:cNvPr>
-          <p:cNvSpPr txBox="1"/>
-          <p:nvPr/>
-        </p:nvSpPr>
-        <p:spPr>
-          <a:xfrm>
-            <a:off x="956496" y="1363847"/>
-            <a:ext cx="6160258" cy="3416320"/>
-          </a:xfrm>
-          <a:prstGeom prst="rect">
-            <a:avLst/>
-          </a:prstGeom>
-          <a:noFill/>
-        </p:spPr>
-        <p:txBody>
-          <a:bodyPr wrap="square" rtlCol="0">
-            <a:spAutoFit/>
-          </a:bodyPr>
-          <a:lstStyle/>
-          <a:p>
-            <a:r>
-              <a:rPr lang="en-US" dirty="0"/>
-              <a:t>Navigation: Welcome &gt; x</a:t>
-            </a:r>
-          </a:p>
-          <a:p>
-            <a:endParaRPr lang="en-US" dirty="0"/>
-          </a:p>
-          <a:p>
-            <a:r>
-              <a:rPr lang="en-US" dirty="0"/>
-              <a:t>A page that a list of recipes the users saved.  The page provides a thumbnail picture of the dishes, the titles, link to recipe (navigates to recipe page).</a:t>
-            </a:r>
-          </a:p>
-          <a:p>
-            <a:endParaRPr lang="en-US" dirty="0"/>
-          </a:p>
-          <a:p>
-            <a:r>
-              <a:rPr lang="en-US" dirty="0"/>
-              <a:t>MVP: list of recipe that were saved by the user</a:t>
-            </a:r>
-          </a:p>
-          <a:p>
-            <a:endParaRPr lang="en-US" dirty="0"/>
-          </a:p>
-          <a:p>
-            <a:r>
-              <a:rPr lang="en-US" dirty="0"/>
-              <a:t>Potential add-on: </a:t>
-            </a:r>
-          </a:p>
-          <a:p>
-            <a:pPr marL="285750" indent="-285750">
-              <a:buFont typeface="Arial" panose="020B0604020202020204" pitchFamily="34" charset="0"/>
-              <a:buChar char="•"/>
-            </a:pPr>
-            <a:r>
-              <a:rPr lang="en-US" dirty="0"/>
-              <a:t>Button to remove the saved recipes</a:t>
-            </a:r>
-          </a:p>
-          <a:p>
-            <a:pPr marL="285750" indent="-285750">
-              <a:buFont typeface="Arial" panose="020B0604020202020204" pitchFamily="34" charset="0"/>
-              <a:buChar char="•"/>
-            </a:pPr>
-            <a:endParaRPr lang="en-US" dirty="0"/>
-          </a:p>
-          <a:p>
-            <a:endParaRPr lang="en-US" dirty="0"/>
-          </a:p>
-        </p:txBody>
-      </p:sp>
-    </p:spTree>
-    <p:extLst>
-      <p:ext uri="{BB962C8B-B14F-4D97-AF65-F5344CB8AC3E}">
-        <p14:creationId xmlns:p14="http://schemas.microsoft.com/office/powerpoint/2010/main" val="4193819524"/>
       </p:ext>
     </p:extLst>
   </p:cSld>

--- a/WireFrames.pptx
+++ b/WireFrames.pptx
@@ -10894,6 +10894,447 @@
           </a:p>
         </p:txBody>
       </p:sp>
+      <p:sp>
+        <p:nvSpPr>
+          <p:cNvPr id="4" name="Rectangle 3">
+            <a:extLst>
+              <a:ext uri="{FF2B5EF4-FFF2-40B4-BE49-F238E27FC236}">
+                <a16:creationId xmlns:a16="http://schemas.microsoft.com/office/drawing/2014/main" id="{E9C4E7A2-51FF-43F3-867B-784457F553E0}"/>
+              </a:ext>
+            </a:extLst>
+          </p:cNvPr>
+          <p:cNvSpPr/>
+          <p:nvPr/>
+        </p:nvSpPr>
+        <p:spPr>
+          <a:xfrm>
+            <a:off x="7934639" y="4874437"/>
+            <a:ext cx="3849758" cy="1252806"/>
+          </a:xfrm>
+          <a:prstGeom prst="rect">
+            <a:avLst/>
+          </a:prstGeom>
+        </p:spPr>
+        <p:style>
+          <a:lnRef idx="2">
+            <a:schemeClr val="accent1">
+              <a:shade val="50000"/>
+            </a:schemeClr>
+          </a:lnRef>
+          <a:fillRef idx="1">
+            <a:schemeClr val="accent1"/>
+          </a:fillRef>
+          <a:effectRef idx="0">
+            <a:schemeClr val="accent1"/>
+          </a:effectRef>
+          <a:fontRef idx="minor">
+            <a:schemeClr val="lt1"/>
+          </a:fontRef>
+        </p:style>
+        <p:txBody>
+          <a:bodyPr rtlCol="0" anchor="ctr"/>
+          <a:lstStyle/>
+          <a:p>
+            <a:pPr algn="ctr"/>
+            <a:endParaRPr lang="en-US" dirty="0"/>
+          </a:p>
+          <a:p>
+            <a:pPr algn="ctr"/>
+            <a:endParaRPr lang="en-US" dirty="0"/>
+          </a:p>
+        </p:txBody>
+      </p:sp>
+      <p:sp>
+        <p:nvSpPr>
+          <p:cNvPr id="6" name="TextBox 5">
+            <a:extLst>
+              <a:ext uri="{FF2B5EF4-FFF2-40B4-BE49-F238E27FC236}">
+                <a16:creationId xmlns:a16="http://schemas.microsoft.com/office/drawing/2014/main" id="{C2820C98-1553-4E29-89CF-857A60EC052C}"/>
+              </a:ext>
+            </a:extLst>
+          </p:cNvPr>
+          <p:cNvSpPr txBox="1"/>
+          <p:nvPr/>
+        </p:nvSpPr>
+        <p:spPr>
+          <a:xfrm>
+            <a:off x="7935241" y="1256261"/>
+            <a:ext cx="3849758" cy="789323"/>
+          </a:xfrm>
+          <a:prstGeom prst="rect">
+            <a:avLst/>
+          </a:prstGeom>
+          <a:solidFill>
+            <a:schemeClr val="accent1"/>
+          </a:solidFill>
+        </p:spPr>
+        <p:txBody>
+          <a:bodyPr wrap="square" rtlCol="0">
+            <a:spAutoFit/>
+          </a:bodyPr>
+          <a:lstStyle/>
+          <a:p>
+            <a:endParaRPr lang="en-US" dirty="0"/>
+          </a:p>
+        </p:txBody>
+      </p:sp>
+      <p:sp>
+        <p:nvSpPr>
+          <p:cNvPr id="7" name="Rectangle 6">
+            <a:extLst>
+              <a:ext uri="{FF2B5EF4-FFF2-40B4-BE49-F238E27FC236}">
+                <a16:creationId xmlns:a16="http://schemas.microsoft.com/office/drawing/2014/main" id="{533914AA-567E-46F8-82AB-9CE358E21432}"/>
+              </a:ext>
+            </a:extLst>
+          </p:cNvPr>
+          <p:cNvSpPr/>
+          <p:nvPr/>
+        </p:nvSpPr>
+        <p:spPr>
+          <a:xfrm>
+            <a:off x="7935843" y="1256261"/>
+            <a:ext cx="3849758" cy="4870982"/>
+          </a:xfrm>
+          <a:prstGeom prst="rect">
+            <a:avLst/>
+          </a:prstGeom>
+          <a:noFill/>
+          <a:ln>
+            <a:solidFill>
+              <a:schemeClr val="tx1"/>
+            </a:solidFill>
+          </a:ln>
+        </p:spPr>
+        <p:style>
+          <a:lnRef idx="2">
+            <a:schemeClr val="accent6"/>
+          </a:lnRef>
+          <a:fillRef idx="1">
+            <a:schemeClr val="lt1"/>
+          </a:fillRef>
+          <a:effectRef idx="0">
+            <a:schemeClr val="accent6"/>
+          </a:effectRef>
+          <a:fontRef idx="minor">
+            <a:schemeClr val="dk1"/>
+          </a:fontRef>
+        </p:style>
+        <p:txBody>
+          <a:bodyPr rtlCol="0" anchor="ctr"/>
+          <a:lstStyle/>
+          <a:p>
+            <a:pPr algn="ctr"/>
+            <a:endParaRPr lang="en-US"/>
+          </a:p>
+        </p:txBody>
+      </p:sp>
+      <p:sp>
+        <p:nvSpPr>
+          <p:cNvPr id="8" name="TextBox 7">
+            <a:extLst>
+              <a:ext uri="{FF2B5EF4-FFF2-40B4-BE49-F238E27FC236}">
+                <a16:creationId xmlns:a16="http://schemas.microsoft.com/office/drawing/2014/main" id="{A0D50056-5C10-4974-A422-0F2E85F72992}"/>
+              </a:ext>
+            </a:extLst>
+          </p:cNvPr>
+          <p:cNvSpPr txBox="1"/>
+          <p:nvPr/>
+        </p:nvSpPr>
+        <p:spPr>
+          <a:xfrm>
+            <a:off x="7934639" y="1389312"/>
+            <a:ext cx="3850361" cy="523220"/>
+          </a:xfrm>
+          <a:prstGeom prst="rect">
+            <a:avLst/>
+          </a:prstGeom>
+          <a:noFill/>
+        </p:spPr>
+        <p:txBody>
+          <a:bodyPr wrap="square" rtlCol="0">
+            <a:spAutoFit/>
+          </a:bodyPr>
+          <a:lstStyle/>
+          <a:p>
+            <a:pPr algn="ctr"/>
+            <a:r>
+              <a:rPr lang="en-US" sz="2800" dirty="0">
+                <a:solidFill>
+                  <a:schemeClr val="bg1"/>
+                </a:solidFill>
+              </a:rPr>
+              <a:t>[Type] Recipes</a:t>
+            </a:r>
+          </a:p>
+        </p:txBody>
+      </p:sp>
+      <p:sp>
+        <p:nvSpPr>
+          <p:cNvPr id="9" name="TextBox 8">
+            <a:extLst>
+              <a:ext uri="{FF2B5EF4-FFF2-40B4-BE49-F238E27FC236}">
+                <a16:creationId xmlns:a16="http://schemas.microsoft.com/office/drawing/2014/main" id="{768B73E3-A01B-4538-AB6E-29E0E69F0061}"/>
+              </a:ext>
+            </a:extLst>
+          </p:cNvPr>
+          <p:cNvSpPr txBox="1"/>
+          <p:nvPr/>
+        </p:nvSpPr>
+        <p:spPr>
+          <a:xfrm>
+            <a:off x="8213757" y="2376018"/>
+            <a:ext cx="2806148" cy="646331"/>
+          </a:xfrm>
+          <a:prstGeom prst="rect">
+            <a:avLst/>
+          </a:prstGeom>
+          <a:noFill/>
+        </p:spPr>
+        <p:txBody>
+          <a:bodyPr wrap="square" rtlCol="0">
+            <a:spAutoFit/>
+          </a:bodyPr>
+          <a:lstStyle/>
+          <a:p>
+            <a:r>
+              <a:rPr lang="en-US" dirty="0"/>
+              <a:t>Dish name</a:t>
+            </a:r>
+          </a:p>
+          <a:p>
+            <a:r>
+              <a:rPr lang="en-US" u="sng" dirty="0">
+                <a:solidFill>
+                  <a:srgbClr val="00B0F0"/>
+                </a:solidFill>
+              </a:rPr>
+              <a:t>recipe</a:t>
+            </a:r>
+          </a:p>
+        </p:txBody>
+      </p:sp>
+      <p:sp>
+        <p:nvSpPr>
+          <p:cNvPr id="11" name="TextBox 10">
+            <a:extLst>
+              <a:ext uri="{FF2B5EF4-FFF2-40B4-BE49-F238E27FC236}">
+                <a16:creationId xmlns:a16="http://schemas.microsoft.com/office/drawing/2014/main" id="{8092754E-0212-4B33-9FFA-328795C75D14}"/>
+              </a:ext>
+            </a:extLst>
+          </p:cNvPr>
+          <p:cNvSpPr txBox="1"/>
+          <p:nvPr/>
+        </p:nvSpPr>
+        <p:spPr>
+          <a:xfrm>
+            <a:off x="10483585" y="4994719"/>
+            <a:ext cx="873441" cy="338554"/>
+          </a:xfrm>
+          <a:prstGeom prst="rect">
+            <a:avLst/>
+          </a:prstGeom>
+          <a:solidFill>
+            <a:schemeClr val="bg2">
+              <a:lumMod val="75000"/>
+            </a:schemeClr>
+          </a:solidFill>
+          <a:ln>
+            <a:solidFill>
+              <a:schemeClr val="bg2">
+                <a:lumMod val="25000"/>
+              </a:schemeClr>
+            </a:solidFill>
+          </a:ln>
+        </p:spPr>
+        <p:txBody>
+          <a:bodyPr wrap="square" rtlCol="0">
+            <a:spAutoFit/>
+          </a:bodyPr>
+          <a:lstStyle/>
+          <a:p>
+            <a:pPr algn="ctr"/>
+            <a:r>
+              <a:rPr lang="en-US" sz="1600" dirty="0"/>
+              <a:t>Profile</a:t>
+            </a:r>
+            <a:endParaRPr lang="en-US" dirty="0"/>
+          </a:p>
+        </p:txBody>
+      </p:sp>
+      <p:sp>
+        <p:nvSpPr>
+          <p:cNvPr id="12" name="TextBox 11">
+            <a:extLst>
+              <a:ext uri="{FF2B5EF4-FFF2-40B4-BE49-F238E27FC236}">
+                <a16:creationId xmlns:a16="http://schemas.microsoft.com/office/drawing/2014/main" id="{B1213E40-455A-4CF1-B9BF-7C486C7D7F5F}"/>
+              </a:ext>
+            </a:extLst>
+          </p:cNvPr>
+          <p:cNvSpPr txBox="1"/>
+          <p:nvPr/>
+        </p:nvSpPr>
+        <p:spPr>
+          <a:xfrm>
+            <a:off x="8213757" y="5007489"/>
+            <a:ext cx="826539" cy="369332"/>
+          </a:xfrm>
+          <a:prstGeom prst="rect">
+            <a:avLst/>
+          </a:prstGeom>
+          <a:solidFill>
+            <a:schemeClr val="bg1"/>
+          </a:solidFill>
+          <a:ln>
+            <a:solidFill>
+              <a:schemeClr val="bg2">
+                <a:lumMod val="25000"/>
+              </a:schemeClr>
+            </a:solidFill>
+          </a:ln>
+        </p:spPr>
+        <p:txBody>
+          <a:bodyPr wrap="square" rtlCol="0">
+            <a:spAutoFit/>
+          </a:bodyPr>
+          <a:lstStyle/>
+          <a:p>
+            <a:pPr algn="ctr"/>
+            <a:r>
+              <a:rPr lang="en-US" dirty="0"/>
+              <a:t>Home</a:t>
+            </a:r>
+          </a:p>
+        </p:txBody>
+      </p:sp>
+      <p:sp>
+        <p:nvSpPr>
+          <p:cNvPr id="13" name="Rectangle 12">
+            <a:extLst>
+              <a:ext uri="{FF2B5EF4-FFF2-40B4-BE49-F238E27FC236}">
+                <a16:creationId xmlns:a16="http://schemas.microsoft.com/office/drawing/2014/main" id="{005311E8-ADAC-4EEC-AB77-9A86DD70A2C6}"/>
+              </a:ext>
+            </a:extLst>
+          </p:cNvPr>
+          <p:cNvSpPr/>
+          <p:nvPr/>
+        </p:nvSpPr>
+        <p:spPr>
+          <a:xfrm>
+            <a:off x="8817305" y="5639771"/>
+            <a:ext cx="1934727" cy="369332"/>
+          </a:xfrm>
+          <a:prstGeom prst="rect">
+            <a:avLst/>
+          </a:prstGeom>
+        </p:spPr>
+        <p:txBody>
+          <a:bodyPr wrap="square">
+            <a:spAutoFit/>
+          </a:bodyPr>
+          <a:lstStyle/>
+          <a:p>
+            <a:pPr algn="ctr"/>
+            <a:r>
+              <a:rPr lang="en-US" dirty="0">
+                <a:solidFill>
+                  <a:schemeClr val="bg1"/>
+                </a:solidFill>
+              </a:rPr>
+              <a:t>craving it!</a:t>
+            </a:r>
+          </a:p>
+        </p:txBody>
+      </p:sp>
+      <p:sp>
+        <p:nvSpPr>
+          <p:cNvPr id="14" name="TextBox 13">
+            <a:extLst>
+              <a:ext uri="{FF2B5EF4-FFF2-40B4-BE49-F238E27FC236}">
+                <a16:creationId xmlns:a16="http://schemas.microsoft.com/office/drawing/2014/main" id="{F6100009-C83F-469D-9956-A0FAFC96410B}"/>
+              </a:ext>
+            </a:extLst>
+          </p:cNvPr>
+          <p:cNvSpPr txBox="1"/>
+          <p:nvPr/>
+        </p:nvSpPr>
+        <p:spPr>
+          <a:xfrm>
+            <a:off x="8224710" y="3070319"/>
+            <a:ext cx="2806148" cy="646331"/>
+          </a:xfrm>
+          <a:prstGeom prst="rect">
+            <a:avLst/>
+          </a:prstGeom>
+          <a:noFill/>
+        </p:spPr>
+        <p:txBody>
+          <a:bodyPr wrap="square" rtlCol="0">
+            <a:spAutoFit/>
+          </a:bodyPr>
+          <a:lstStyle/>
+          <a:p>
+            <a:r>
+              <a:rPr lang="en-US" dirty="0"/>
+              <a:t>Dish name</a:t>
+            </a:r>
+          </a:p>
+          <a:p>
+            <a:r>
+              <a:rPr lang="en-US" u="sng" dirty="0">
+                <a:solidFill>
+                  <a:srgbClr val="00B0F0"/>
+                </a:solidFill>
+              </a:rPr>
+              <a:t>recipe</a:t>
+            </a:r>
+          </a:p>
+        </p:txBody>
+      </p:sp>
+      <p:sp>
+        <p:nvSpPr>
+          <p:cNvPr id="15" name="TextBox 14">
+            <a:extLst>
+              <a:ext uri="{FF2B5EF4-FFF2-40B4-BE49-F238E27FC236}">
+                <a16:creationId xmlns:a16="http://schemas.microsoft.com/office/drawing/2014/main" id="{1AFC759B-5109-4204-B1DD-46FEBAF9FCE2}"/>
+              </a:ext>
+            </a:extLst>
+          </p:cNvPr>
+          <p:cNvSpPr txBox="1"/>
+          <p:nvPr/>
+        </p:nvSpPr>
+        <p:spPr>
+          <a:xfrm>
+            <a:off x="8224710" y="3746947"/>
+            <a:ext cx="2806148" cy="646331"/>
+          </a:xfrm>
+          <a:prstGeom prst="rect">
+            <a:avLst/>
+          </a:prstGeom>
+          <a:noFill/>
+        </p:spPr>
+        <p:txBody>
+          <a:bodyPr wrap="square" rtlCol="0">
+            <a:spAutoFit/>
+          </a:bodyPr>
+          <a:lstStyle/>
+          <a:p>
+            <a:r>
+              <a:rPr lang="en-US" dirty="0"/>
+              <a:t>Dish name</a:t>
+            </a:r>
+          </a:p>
+          <a:p>
+            <a:r>
+              <a:rPr lang="en-US" u="sng" dirty="0">
+                <a:solidFill>
+                  <a:srgbClr val="00B0F0"/>
+                </a:solidFill>
+              </a:rPr>
+              <a:t>recipe</a:t>
+            </a:r>
+          </a:p>
+        </p:txBody>
+      </p:sp>
     </p:spTree>
     <p:extLst>
       <p:ext uri="{BB962C8B-B14F-4D97-AF65-F5344CB8AC3E}">
@@ -11061,7 +11502,7 @@
         <p:spPr>
           <a:xfrm>
             <a:off x="596901" y="1086445"/>
-            <a:ext cx="6160258" cy="4801314"/>
+            <a:ext cx="6160258" cy="5078313"/>
           </a:xfrm>
           <a:prstGeom prst="rect">
             <a:avLst/>
@@ -11084,6 +11525,41 @@
           </a:p>
           <a:p>
             <a:r>
+              <a:rPr lang="en-US" b="1" dirty="0"/>
+              <a:t>AS </a:t>
+            </a:r>
+            <a:r>
+              <a:rPr lang="en-US" dirty="0"/>
+              <a:t>someone who likes to cook</a:t>
+            </a:r>
+            <a:br>
+              <a:rPr lang="en-US" dirty="0"/>
+            </a:br>
+            <a:r>
+              <a:rPr lang="en-US" b="1" dirty="0"/>
+              <a:t>I WANT TO </a:t>
+            </a:r>
+            <a:r>
+              <a:rPr lang="en-US" dirty="0"/>
+              <a:t>see the ingredients and instructions of a specific dish</a:t>
+            </a:r>
+            <a:br>
+              <a:rPr lang="en-US" dirty="0"/>
+            </a:br>
+            <a:r>
+              <a:rPr lang="en-US" b="1" dirty="0"/>
+              <a:t>SO THAT I CAN </a:t>
+            </a:r>
+            <a:r>
+              <a:rPr lang="en-US" dirty="0"/>
+              <a:t>cook it</a:t>
+            </a:r>
+          </a:p>
+          <a:p>
+            <a:endParaRPr lang="en-US" dirty="0"/>
+          </a:p>
+          <a:p>
+            <a:r>
               <a:rPr lang="en-US" dirty="0"/>
               <a:t>A page that provides a picture of the dish, the list of ingredients needed with their quantities and instructions on how to cook it.</a:t>
             </a:r>
@@ -11135,22 +11611,6 @@
               <a:rPr lang="en-US" dirty="0"/>
               <a:t>Embedded YouTube video for how to cook the recipe</a:t>
             </a:r>
-          </a:p>
-          <a:p>
-            <a:pPr marL="285750" indent="-285750">
-              <a:buFont typeface="Arial" panose="020B0604020202020204" pitchFamily="34" charset="0"/>
-              <a:buChar char="•"/>
-            </a:pPr>
-            <a:endParaRPr lang="en-US" dirty="0"/>
-          </a:p>
-          <a:p>
-            <a:endParaRPr lang="en-US" dirty="0"/>
-          </a:p>
-          <a:p>
-            <a:endParaRPr lang="en-US" dirty="0"/>
-          </a:p>
-          <a:p>
-            <a:endParaRPr lang="en-US" dirty="0"/>
           </a:p>
         </p:txBody>
       </p:sp>
@@ -11959,7 +12419,7 @@
         <p:spPr>
           <a:xfrm>
             <a:off x="972152" y="1164663"/>
-            <a:ext cx="6585634" cy="5632311"/>
+            <a:ext cx="6585634" cy="5355312"/>
           </a:xfrm>
           <a:prstGeom prst="rect">
             <a:avLst/>
@@ -11982,17 +12442,59 @@
           </a:p>
           <a:p>
             <a:r>
-              <a:rPr lang="en-US" dirty="0"/>
-              <a:t>Lists of restaurant based on the cuisine type selected within their area code.</a:t>
+              <a:rPr lang="en-US" b="1" dirty="0"/>
+              <a:t>AS A </a:t>
             </a:r>
-          </a:p>
-          <a:p>
-            <a:endParaRPr lang="en-US" dirty="0"/>
-          </a:p>
-          <a:p>
             <a:r>
               <a:rPr lang="en-US" dirty="0"/>
-              <a:t>MVP: list of x number of results within x miles of their area code.  Lists the restaurant name and URL to restaurant’s website or yelp page.</a:t>
+              <a:t>someone who is looking for something to eat</a:t>
+            </a:r>
+            <a:br>
+              <a:rPr lang="en-US" dirty="0"/>
+            </a:br>
+            <a:r>
+              <a:rPr lang="en-US" b="1" dirty="0"/>
+              <a:t>I WANT TO </a:t>
+            </a:r>
+            <a:r>
+              <a:rPr lang="en-US" dirty="0"/>
+              <a:t>see a list of restaurants in my area based on cuisine type I selected </a:t>
+            </a:r>
+            <a:br>
+              <a:rPr lang="en-US" dirty="0"/>
+            </a:br>
+            <a:r>
+              <a:rPr lang="en-US" b="1" dirty="0"/>
+              <a:t>SO THAT </a:t>
+            </a:r>
+            <a:r>
+              <a:rPr lang="en-US" dirty="0"/>
+              <a:t>I can decide on where to eat</a:t>
+            </a:r>
+          </a:p>
+          <a:p>
+            <a:endParaRPr lang="en-US" dirty="0"/>
+          </a:p>
+          <a:p>
+            <a:r>
+              <a:rPr lang="en-US" dirty="0"/>
+              <a:t>MVP: Lists of 10 restaurant based on the cuisine type selected within 25 miles of their location (</a:t>
+            </a:r>
+            <a:r>
+              <a:rPr lang="en-US" dirty="0" err="1"/>
+              <a:t>lat</a:t>
+            </a:r>
+            <a:r>
+              <a:rPr lang="en-US" dirty="0"/>
+              <a:t> &amp; </a:t>
+            </a:r>
+            <a:r>
+              <a:rPr lang="en-US" dirty="0" err="1"/>
+              <a:t>lng</a:t>
+            </a:r>
+            <a:r>
+              <a:rPr lang="en-US" dirty="0"/>
+              <a:t>). </a:t>
             </a:r>
           </a:p>
           <a:p>
@@ -12040,6 +12542,16 @@
             </a:pPr>
             <a:r>
               <a:rPr lang="en-US" dirty="0"/>
+              <a:t>URL to restaurant’s website or yelp page.</a:t>
+            </a:r>
+          </a:p>
+          <a:p>
+            <a:pPr marL="285750" indent="-285750">
+              <a:buFont typeface="Arial" panose="020B0604020202020204" pitchFamily="34" charset="0"/>
+              <a:buChar char="•"/>
+            </a:pPr>
+            <a:r>
+              <a:rPr lang="en-US" dirty="0"/>
               <a:t>Navigation to Profile Page</a:t>
             </a:r>
           </a:p>
@@ -12062,19 +12574,6 @@
               <a:rPr lang="en-US" dirty="0"/>
               <a:t>Clicking address navigates user to Google map </a:t>
             </a:r>
-          </a:p>
-          <a:p>
-            <a:pPr marL="285750" indent="-285750">
-              <a:buFont typeface="Arial" panose="020B0604020202020204" pitchFamily="34" charset="0"/>
-              <a:buChar char="•"/>
-            </a:pPr>
-            <a:endParaRPr lang="en-US" dirty="0"/>
-          </a:p>
-          <a:p>
-            <a:endParaRPr lang="en-US" dirty="0"/>
-          </a:p>
-          <a:p>
-            <a:endParaRPr lang="en-US" dirty="0"/>
           </a:p>
         </p:txBody>
       </p:sp>
@@ -12644,7 +13143,7 @@
         <p:spPr>
           <a:xfrm>
             <a:off x="956496" y="1363847"/>
-            <a:ext cx="6160258" cy="3416320"/>
+            <a:ext cx="6160258" cy="4524315"/>
           </a:xfrm>
           <a:prstGeom prst="rect">
             <a:avLst/>
@@ -12659,7 +13158,41 @@
           <a:p>
             <a:r>
               <a:rPr lang="en-US" dirty="0"/>
-              <a:t>Navigation: Welcome &gt; x</a:t>
+              <a:t>Navigation: Welcome &gt; Recipe Search &gt; Recipe Results</a:t>
+            </a:r>
+          </a:p>
+          <a:p>
+            <a:endParaRPr lang="en-US" dirty="0"/>
+          </a:p>
+          <a:p>
+            <a:r>
+              <a:rPr lang="en-US" b="1" dirty="0"/>
+              <a:t>AS A </a:t>
+            </a:r>
+            <a:r>
+              <a:rPr lang="en-US" dirty="0"/>
+              <a:t>someone who likes to cook</a:t>
+            </a:r>
+            <a:br>
+              <a:rPr lang="en-US" dirty="0"/>
+            </a:br>
+            <a:r>
+              <a:rPr lang="en-US" b="1" dirty="0"/>
+              <a:t>I WANT TO </a:t>
+            </a:r>
+            <a:r>
+              <a:rPr lang="en-US" dirty="0"/>
+              <a:t>be able to save a recipe</a:t>
+            </a:r>
+          </a:p>
+          <a:p>
+            <a:r>
+              <a:rPr lang="en-US" b="1" dirty="0"/>
+              <a:t>SO THAT I CAN</a:t>
+            </a:r>
+            <a:r>
+              <a:rPr lang="en-US" dirty="0"/>
+              <a:t> easily find and cook the recipe later</a:t>
             </a:r>
           </a:p>
           <a:p>
@@ -12708,6 +13241,447 @@
           </a:p>
           <a:p>
             <a:endParaRPr lang="en-US" dirty="0"/>
+          </a:p>
+        </p:txBody>
+      </p:sp>
+      <p:sp>
+        <p:nvSpPr>
+          <p:cNvPr id="4" name="Rectangle 3">
+            <a:extLst>
+              <a:ext uri="{FF2B5EF4-FFF2-40B4-BE49-F238E27FC236}">
+                <a16:creationId xmlns:a16="http://schemas.microsoft.com/office/drawing/2014/main" id="{4B3D7561-1959-4F49-A9BA-6023896726B6}"/>
+              </a:ext>
+            </a:extLst>
+          </p:cNvPr>
+          <p:cNvSpPr/>
+          <p:nvPr/>
+        </p:nvSpPr>
+        <p:spPr>
+          <a:xfrm>
+            <a:off x="7934639" y="4874437"/>
+            <a:ext cx="3849758" cy="1252806"/>
+          </a:xfrm>
+          <a:prstGeom prst="rect">
+            <a:avLst/>
+          </a:prstGeom>
+        </p:spPr>
+        <p:style>
+          <a:lnRef idx="2">
+            <a:schemeClr val="accent1">
+              <a:shade val="50000"/>
+            </a:schemeClr>
+          </a:lnRef>
+          <a:fillRef idx="1">
+            <a:schemeClr val="accent1"/>
+          </a:fillRef>
+          <a:effectRef idx="0">
+            <a:schemeClr val="accent1"/>
+          </a:effectRef>
+          <a:fontRef idx="minor">
+            <a:schemeClr val="lt1"/>
+          </a:fontRef>
+        </p:style>
+        <p:txBody>
+          <a:bodyPr rtlCol="0" anchor="ctr"/>
+          <a:lstStyle/>
+          <a:p>
+            <a:pPr algn="ctr"/>
+            <a:endParaRPr lang="en-US" dirty="0"/>
+          </a:p>
+          <a:p>
+            <a:pPr algn="ctr"/>
+            <a:endParaRPr lang="en-US" dirty="0"/>
+          </a:p>
+        </p:txBody>
+      </p:sp>
+      <p:sp>
+        <p:nvSpPr>
+          <p:cNvPr id="6" name="TextBox 5">
+            <a:extLst>
+              <a:ext uri="{FF2B5EF4-FFF2-40B4-BE49-F238E27FC236}">
+                <a16:creationId xmlns:a16="http://schemas.microsoft.com/office/drawing/2014/main" id="{ADEED9F8-9B7D-4767-B376-76B36FB6DCB4}"/>
+              </a:ext>
+            </a:extLst>
+          </p:cNvPr>
+          <p:cNvSpPr txBox="1"/>
+          <p:nvPr/>
+        </p:nvSpPr>
+        <p:spPr>
+          <a:xfrm>
+            <a:off x="7935241" y="1256261"/>
+            <a:ext cx="3849758" cy="789323"/>
+          </a:xfrm>
+          <a:prstGeom prst="rect">
+            <a:avLst/>
+          </a:prstGeom>
+          <a:solidFill>
+            <a:schemeClr val="accent1"/>
+          </a:solidFill>
+        </p:spPr>
+        <p:txBody>
+          <a:bodyPr wrap="square" rtlCol="0">
+            <a:spAutoFit/>
+          </a:bodyPr>
+          <a:lstStyle/>
+          <a:p>
+            <a:endParaRPr lang="en-US" dirty="0"/>
+          </a:p>
+        </p:txBody>
+      </p:sp>
+      <p:sp>
+        <p:nvSpPr>
+          <p:cNvPr id="7" name="Rectangle 6">
+            <a:extLst>
+              <a:ext uri="{FF2B5EF4-FFF2-40B4-BE49-F238E27FC236}">
+                <a16:creationId xmlns:a16="http://schemas.microsoft.com/office/drawing/2014/main" id="{67FD84A3-1841-4A22-A4C7-34C102CE4942}"/>
+              </a:ext>
+            </a:extLst>
+          </p:cNvPr>
+          <p:cNvSpPr/>
+          <p:nvPr/>
+        </p:nvSpPr>
+        <p:spPr>
+          <a:xfrm>
+            <a:off x="7935843" y="1256261"/>
+            <a:ext cx="3849758" cy="4870982"/>
+          </a:xfrm>
+          <a:prstGeom prst="rect">
+            <a:avLst/>
+          </a:prstGeom>
+          <a:noFill/>
+          <a:ln>
+            <a:solidFill>
+              <a:schemeClr val="tx1"/>
+            </a:solidFill>
+          </a:ln>
+        </p:spPr>
+        <p:style>
+          <a:lnRef idx="2">
+            <a:schemeClr val="accent6"/>
+          </a:lnRef>
+          <a:fillRef idx="1">
+            <a:schemeClr val="lt1"/>
+          </a:fillRef>
+          <a:effectRef idx="0">
+            <a:schemeClr val="accent6"/>
+          </a:effectRef>
+          <a:fontRef idx="minor">
+            <a:schemeClr val="dk1"/>
+          </a:fontRef>
+        </p:style>
+        <p:txBody>
+          <a:bodyPr rtlCol="0" anchor="ctr"/>
+          <a:lstStyle/>
+          <a:p>
+            <a:pPr algn="ctr"/>
+            <a:endParaRPr lang="en-US"/>
+          </a:p>
+        </p:txBody>
+      </p:sp>
+      <p:sp>
+        <p:nvSpPr>
+          <p:cNvPr id="8" name="TextBox 7">
+            <a:extLst>
+              <a:ext uri="{FF2B5EF4-FFF2-40B4-BE49-F238E27FC236}">
+                <a16:creationId xmlns:a16="http://schemas.microsoft.com/office/drawing/2014/main" id="{74EC6CE4-6BA2-4834-BE48-F05F4CE66715}"/>
+              </a:ext>
+            </a:extLst>
+          </p:cNvPr>
+          <p:cNvSpPr txBox="1"/>
+          <p:nvPr/>
+        </p:nvSpPr>
+        <p:spPr>
+          <a:xfrm>
+            <a:off x="7934639" y="1389312"/>
+            <a:ext cx="3850361" cy="523220"/>
+          </a:xfrm>
+          <a:prstGeom prst="rect">
+            <a:avLst/>
+          </a:prstGeom>
+          <a:noFill/>
+        </p:spPr>
+        <p:txBody>
+          <a:bodyPr wrap="square" rtlCol="0">
+            <a:spAutoFit/>
+          </a:bodyPr>
+          <a:lstStyle/>
+          <a:p>
+            <a:pPr algn="ctr"/>
+            <a:r>
+              <a:rPr lang="en-US" sz="2800" dirty="0">
+                <a:solidFill>
+                  <a:schemeClr val="bg1"/>
+                </a:solidFill>
+              </a:rPr>
+              <a:t>Saved Recipes</a:t>
+            </a:r>
+          </a:p>
+        </p:txBody>
+      </p:sp>
+      <p:sp>
+        <p:nvSpPr>
+          <p:cNvPr id="9" name="TextBox 8">
+            <a:extLst>
+              <a:ext uri="{FF2B5EF4-FFF2-40B4-BE49-F238E27FC236}">
+                <a16:creationId xmlns:a16="http://schemas.microsoft.com/office/drawing/2014/main" id="{4D72A326-F8BD-48B8-B449-4ED76E923B93}"/>
+              </a:ext>
+            </a:extLst>
+          </p:cNvPr>
+          <p:cNvSpPr txBox="1"/>
+          <p:nvPr/>
+        </p:nvSpPr>
+        <p:spPr>
+          <a:xfrm>
+            <a:off x="8213757" y="2376018"/>
+            <a:ext cx="2806148" cy="646331"/>
+          </a:xfrm>
+          <a:prstGeom prst="rect">
+            <a:avLst/>
+          </a:prstGeom>
+          <a:noFill/>
+        </p:spPr>
+        <p:txBody>
+          <a:bodyPr wrap="square" rtlCol="0">
+            <a:spAutoFit/>
+          </a:bodyPr>
+          <a:lstStyle/>
+          <a:p>
+            <a:r>
+              <a:rPr lang="en-US" dirty="0"/>
+              <a:t>name</a:t>
+            </a:r>
+          </a:p>
+          <a:p>
+            <a:r>
+              <a:rPr lang="en-US" u="sng" dirty="0">
+                <a:solidFill>
+                  <a:srgbClr val="00B0F0"/>
+                </a:solidFill>
+              </a:rPr>
+              <a:t>recipe</a:t>
+            </a:r>
+          </a:p>
+        </p:txBody>
+      </p:sp>
+      <p:sp>
+        <p:nvSpPr>
+          <p:cNvPr id="11" name="TextBox 10">
+            <a:extLst>
+              <a:ext uri="{FF2B5EF4-FFF2-40B4-BE49-F238E27FC236}">
+                <a16:creationId xmlns:a16="http://schemas.microsoft.com/office/drawing/2014/main" id="{697A6D36-BF59-4624-869F-ED6A09B49DC9}"/>
+              </a:ext>
+            </a:extLst>
+          </p:cNvPr>
+          <p:cNvSpPr txBox="1"/>
+          <p:nvPr/>
+        </p:nvSpPr>
+        <p:spPr>
+          <a:xfrm>
+            <a:off x="10483585" y="4994719"/>
+            <a:ext cx="873441" cy="338554"/>
+          </a:xfrm>
+          <a:prstGeom prst="rect">
+            <a:avLst/>
+          </a:prstGeom>
+          <a:solidFill>
+            <a:schemeClr val="bg2">
+              <a:lumMod val="75000"/>
+            </a:schemeClr>
+          </a:solidFill>
+          <a:ln>
+            <a:solidFill>
+              <a:schemeClr val="bg2">
+                <a:lumMod val="25000"/>
+              </a:schemeClr>
+            </a:solidFill>
+          </a:ln>
+        </p:spPr>
+        <p:txBody>
+          <a:bodyPr wrap="square" rtlCol="0">
+            <a:spAutoFit/>
+          </a:bodyPr>
+          <a:lstStyle/>
+          <a:p>
+            <a:pPr algn="ctr"/>
+            <a:r>
+              <a:rPr lang="en-US" sz="1600" dirty="0"/>
+              <a:t>Profile</a:t>
+            </a:r>
+            <a:endParaRPr lang="en-US" dirty="0"/>
+          </a:p>
+        </p:txBody>
+      </p:sp>
+      <p:sp>
+        <p:nvSpPr>
+          <p:cNvPr id="12" name="TextBox 11">
+            <a:extLst>
+              <a:ext uri="{FF2B5EF4-FFF2-40B4-BE49-F238E27FC236}">
+                <a16:creationId xmlns:a16="http://schemas.microsoft.com/office/drawing/2014/main" id="{FC4E73C9-A713-4582-9EEB-A7CBC23CE97F}"/>
+              </a:ext>
+            </a:extLst>
+          </p:cNvPr>
+          <p:cNvSpPr txBox="1"/>
+          <p:nvPr/>
+        </p:nvSpPr>
+        <p:spPr>
+          <a:xfrm>
+            <a:off x="8213757" y="5007489"/>
+            <a:ext cx="826539" cy="369332"/>
+          </a:xfrm>
+          <a:prstGeom prst="rect">
+            <a:avLst/>
+          </a:prstGeom>
+          <a:solidFill>
+            <a:schemeClr val="bg1"/>
+          </a:solidFill>
+          <a:ln>
+            <a:solidFill>
+              <a:schemeClr val="bg2">
+                <a:lumMod val="25000"/>
+              </a:schemeClr>
+            </a:solidFill>
+          </a:ln>
+        </p:spPr>
+        <p:txBody>
+          <a:bodyPr wrap="square" rtlCol="0">
+            <a:spAutoFit/>
+          </a:bodyPr>
+          <a:lstStyle/>
+          <a:p>
+            <a:pPr algn="ctr"/>
+            <a:r>
+              <a:rPr lang="en-US" dirty="0"/>
+              <a:t>Home</a:t>
+            </a:r>
+          </a:p>
+        </p:txBody>
+      </p:sp>
+      <p:sp>
+        <p:nvSpPr>
+          <p:cNvPr id="13" name="Rectangle 12">
+            <a:extLst>
+              <a:ext uri="{FF2B5EF4-FFF2-40B4-BE49-F238E27FC236}">
+                <a16:creationId xmlns:a16="http://schemas.microsoft.com/office/drawing/2014/main" id="{2EA7338E-40A2-4A83-A3D9-18E8CC1E5B86}"/>
+              </a:ext>
+            </a:extLst>
+          </p:cNvPr>
+          <p:cNvSpPr/>
+          <p:nvPr/>
+        </p:nvSpPr>
+        <p:spPr>
+          <a:xfrm>
+            <a:off x="8817305" y="5639771"/>
+            <a:ext cx="1934727" cy="369332"/>
+          </a:xfrm>
+          <a:prstGeom prst="rect">
+            <a:avLst/>
+          </a:prstGeom>
+        </p:spPr>
+        <p:txBody>
+          <a:bodyPr wrap="square">
+            <a:spAutoFit/>
+          </a:bodyPr>
+          <a:lstStyle/>
+          <a:p>
+            <a:pPr algn="ctr"/>
+            <a:r>
+              <a:rPr lang="en-US" dirty="0">
+                <a:solidFill>
+                  <a:schemeClr val="bg1"/>
+                </a:solidFill>
+              </a:rPr>
+              <a:t>craving it!</a:t>
+            </a:r>
+          </a:p>
+        </p:txBody>
+      </p:sp>
+      <p:sp>
+        <p:nvSpPr>
+          <p:cNvPr id="14" name="TextBox 13">
+            <a:extLst>
+              <a:ext uri="{FF2B5EF4-FFF2-40B4-BE49-F238E27FC236}">
+                <a16:creationId xmlns:a16="http://schemas.microsoft.com/office/drawing/2014/main" id="{1AF83908-9916-4385-B893-E58561B3C3BD}"/>
+              </a:ext>
+            </a:extLst>
+          </p:cNvPr>
+          <p:cNvSpPr txBox="1"/>
+          <p:nvPr/>
+        </p:nvSpPr>
+        <p:spPr>
+          <a:xfrm>
+            <a:off x="8224710" y="3070319"/>
+            <a:ext cx="2806148" cy="646331"/>
+          </a:xfrm>
+          <a:prstGeom prst="rect">
+            <a:avLst/>
+          </a:prstGeom>
+          <a:noFill/>
+        </p:spPr>
+        <p:txBody>
+          <a:bodyPr wrap="square" rtlCol="0">
+            <a:spAutoFit/>
+          </a:bodyPr>
+          <a:lstStyle/>
+          <a:p>
+            <a:r>
+              <a:rPr lang="en-US" dirty="0"/>
+              <a:t>name</a:t>
+            </a:r>
+          </a:p>
+          <a:p>
+            <a:r>
+              <a:rPr lang="en-US" u="sng" dirty="0">
+                <a:solidFill>
+                  <a:srgbClr val="00B0F0"/>
+                </a:solidFill>
+              </a:rPr>
+              <a:t>recipe</a:t>
+            </a:r>
+          </a:p>
+        </p:txBody>
+      </p:sp>
+      <p:sp>
+        <p:nvSpPr>
+          <p:cNvPr id="15" name="TextBox 14">
+            <a:extLst>
+              <a:ext uri="{FF2B5EF4-FFF2-40B4-BE49-F238E27FC236}">
+                <a16:creationId xmlns:a16="http://schemas.microsoft.com/office/drawing/2014/main" id="{D7260EFA-C078-4B1B-8F7B-49BEF0E8C9E5}"/>
+              </a:ext>
+            </a:extLst>
+          </p:cNvPr>
+          <p:cNvSpPr txBox="1"/>
+          <p:nvPr/>
+        </p:nvSpPr>
+        <p:spPr>
+          <a:xfrm>
+            <a:off x="8224710" y="3746947"/>
+            <a:ext cx="2806148" cy="646331"/>
+          </a:xfrm>
+          <a:prstGeom prst="rect">
+            <a:avLst/>
+          </a:prstGeom>
+          <a:noFill/>
+        </p:spPr>
+        <p:txBody>
+          <a:bodyPr wrap="square" rtlCol="0">
+            <a:spAutoFit/>
+          </a:bodyPr>
+          <a:lstStyle/>
+          <a:p>
+            <a:r>
+              <a:rPr lang="en-US" dirty="0"/>
+              <a:t>name</a:t>
+            </a:r>
+          </a:p>
+          <a:p>
+            <a:r>
+              <a:rPr lang="en-US" u="sng" dirty="0">
+                <a:solidFill>
+                  <a:srgbClr val="00B0F0"/>
+                </a:solidFill>
+              </a:rPr>
+              <a:t>recipe</a:t>
+            </a:r>
           </a:p>
         </p:txBody>
       </p:sp>
@@ -27004,7 +27978,7 @@
             </a:r>
             <a:r>
               <a:rPr lang="en-US" dirty="0"/>
-              <a:t>find out how I can make or go to a recipe to cook</a:t>
+              <a:t>find out how I can make a specific dish</a:t>
             </a:r>
             <a:br>
               <a:rPr lang="en-US" dirty="0"/>
@@ -27024,15 +27998,7 @@
           <a:p>
             <a:r>
               <a:rPr lang="en-US" dirty="0"/>
-              <a:t>MVP:   User can select a type of cuisine for a </a:t>
-            </a:r>
-            <a:r>
-              <a:rPr lang="en-US" dirty="0" err="1"/>
-              <a:t>receipe</a:t>
-            </a:r>
-            <a:r>
-              <a:rPr lang="en-US" dirty="0"/>
-              <a:t>.  User can navigate back to the main welcome page.</a:t>
+              <a:t>MVP:   User can select a type of cuisine for a recipe.  User can navigate back to the main welcome page.</a:t>
             </a:r>
           </a:p>
           <a:p>
@@ -27979,7 +28945,7 @@
         <p:spPr>
           <a:xfrm>
             <a:off x="916391" y="928053"/>
-            <a:ext cx="6263254" cy="5355312"/>
+            <a:ext cx="6263254" cy="5078313"/>
           </a:xfrm>
           <a:prstGeom prst="rect">
             <a:avLst/>
@@ -28018,7 +28984,7 @@
             </a:r>
             <a:r>
               <a:rPr lang="en-US" dirty="0"/>
-              <a:t>find out how I can make or go to a restaurant that serves a specific dish</a:t>
+              <a:t>find a restaurant that serves a specific dish</a:t>
             </a:r>
             <a:br>
               <a:rPr lang="en-US" dirty="0"/>
